--- a/ICT Assignmenrt/Section-2/Question-4.pptx
+++ b/ICT Assignmenrt/Section-2/Question-4.pptx
@@ -2,7 +2,7 @@
 <file path=ppt/presentation.xml><?xml version="1.0" encoding="utf-8"?>
 <p:presentation xmlns:a="http://schemas.openxmlformats.org/drawingml/2006/main" xmlns:r="http://schemas.openxmlformats.org/officeDocument/2006/relationships" xmlns:p="http://schemas.openxmlformats.org/presentationml/2006/main" saveSubsetFonts="1" autoCompressPictures="0">
   <p:sldMasterIdLst>
-    <p:sldMasterId id="2147483648" r:id="rId1"/>
+    <p:sldMasterId id="2147483660" r:id="rId1"/>
   </p:sldMasterIdLst>
   <p:notesMasterIdLst>
     <p:notesMasterId r:id="rId13"/>
@@ -215,6 +215,14 @@
           </a:p>
         </c:rich>
       </c:tx>
+      <c:layout>
+        <c:manualLayout>
+          <c:xMode val="edge"/>
+          <c:yMode val="edge"/>
+          <c:x val="0.11910946404074615"/>
+          <c:y val="0"/>
+        </c:manualLayout>
+      </c:layout>
       <c:overlay val="0"/>
       <c:spPr>
         <a:noFill/>
@@ -276,28 +284,26 @@
               <a:gsLst>
                 <a:gs pos="0">
                   <a:schemeClr val="accent1">
-                    <a:tint val="100000"/>
-                    <a:shade val="100000"/>
-                    <a:satMod val="130000"/>
+                    <a:tint val="96000"/>
+                    <a:lumMod val="104000"/>
                   </a:schemeClr>
                 </a:gs>
                 <a:gs pos="100000">
                   <a:schemeClr val="accent1">
-                    <a:tint val="50000"/>
-                    <a:shade val="100000"/>
-                    <a:satMod val="350000"/>
+                    <a:shade val="90000"/>
+                    <a:lumMod val="90000"/>
                   </a:schemeClr>
                 </a:gs>
               </a:gsLst>
-              <a:lin ang="16200000" scaled="0"/>
+              <a:lin ang="5400000" scaled="0"/>
             </a:gradFill>
             <a:ln>
               <a:noFill/>
             </a:ln>
             <a:effectLst>
-              <a:outerShdw blurRad="40000" dist="23000" dir="5400000" rotWithShape="0">
+              <a:outerShdw blurRad="76200" dist="38100" dir="5400000" rotWithShape="0">
                 <a:srgbClr val="000000">
-                  <a:alpha val="35000"/>
+                  <a:alpha val="75000"/>
                 </a:srgbClr>
               </a:outerShdw>
             </a:effectLst>
@@ -310,7 +316,7 @@
               </a:lightRig>
             </a:scene3d>
             <a:sp3d>
-              <a:bevelT w="63500" h="25400"/>
+              <a:bevelT w="63500" h="25400" prst="hardEdge"/>
             </a:sp3d>
           </c:spPr>
           <c:invertIfNegative val="0"/>
@@ -386,28 +392,26 @@
               <a:gsLst>
                 <a:gs pos="0">
                   <a:schemeClr val="accent2">
-                    <a:tint val="100000"/>
-                    <a:shade val="100000"/>
-                    <a:satMod val="130000"/>
+                    <a:tint val="96000"/>
+                    <a:lumMod val="104000"/>
                   </a:schemeClr>
                 </a:gs>
                 <a:gs pos="100000">
                   <a:schemeClr val="accent2">
-                    <a:tint val="50000"/>
-                    <a:shade val="100000"/>
-                    <a:satMod val="350000"/>
+                    <a:shade val="90000"/>
+                    <a:lumMod val="90000"/>
                   </a:schemeClr>
                 </a:gs>
               </a:gsLst>
-              <a:lin ang="16200000" scaled="0"/>
+              <a:lin ang="5400000" scaled="0"/>
             </a:gradFill>
             <a:ln>
               <a:noFill/>
             </a:ln>
             <a:effectLst>
-              <a:outerShdw blurRad="40000" dist="23000" dir="5400000" rotWithShape="0">
+              <a:outerShdw blurRad="76200" dist="38100" dir="5400000" rotWithShape="0">
                 <a:srgbClr val="000000">
-                  <a:alpha val="35000"/>
+                  <a:alpha val="75000"/>
                 </a:srgbClr>
               </a:outerShdw>
             </a:effectLst>
@@ -420,7 +424,7 @@
               </a:lightRig>
             </a:scene3d>
             <a:sp3d>
-              <a:bevelT w="63500" h="25400"/>
+              <a:bevelT w="63500" h="25400" prst="hardEdge"/>
             </a:sp3d>
           </c:spPr>
           <c:invertIfNegative val="0"/>
@@ -496,28 +500,26 @@
               <a:gsLst>
                 <a:gs pos="0">
                   <a:schemeClr val="accent3">
-                    <a:tint val="100000"/>
-                    <a:shade val="100000"/>
-                    <a:satMod val="130000"/>
+                    <a:tint val="96000"/>
+                    <a:lumMod val="104000"/>
                   </a:schemeClr>
                 </a:gs>
                 <a:gs pos="100000">
                   <a:schemeClr val="accent3">
-                    <a:tint val="50000"/>
-                    <a:shade val="100000"/>
-                    <a:satMod val="350000"/>
+                    <a:shade val="90000"/>
+                    <a:lumMod val="90000"/>
                   </a:schemeClr>
                 </a:gs>
               </a:gsLst>
-              <a:lin ang="16200000" scaled="0"/>
+              <a:lin ang="5400000" scaled="0"/>
             </a:gradFill>
             <a:ln>
               <a:noFill/>
             </a:ln>
             <a:effectLst>
-              <a:outerShdw blurRad="40000" dist="23000" dir="5400000" rotWithShape="0">
+              <a:outerShdw blurRad="76200" dist="38100" dir="5400000" rotWithShape="0">
                 <a:srgbClr val="000000">
-                  <a:alpha val="35000"/>
+                  <a:alpha val="75000"/>
                 </a:srgbClr>
               </a:outerShdw>
             </a:effectLst>
@@ -530,7 +532,7 @@
               </a:lightRig>
             </a:scene3d>
             <a:sp3d>
-              <a:bevelT w="63500" h="25400"/>
+              <a:bevelT w="63500" h="25400" prst="hardEdge"/>
             </a:sp3d>
           </c:spPr>
           <c:invertIfNegative val="0"/>
@@ -2260,18 +2262,25 @@
         </p:nvSpPr>
         <p:spPr>
           <a:xfrm>
-            <a:off x="685800" y="2130425"/>
-            <a:ext cx="7772400" cy="1470025"/>
+            <a:off x="1028020" y="1769541"/>
+            <a:ext cx="7080026" cy="1828801"/>
           </a:xfrm>
         </p:spPr>
         <p:txBody>
-          <a:bodyPr/>
-          <a:lstStyle/>
+          <a:bodyPr anchor="b">
+            <a:normAutofit/>
+          </a:bodyPr>
+          <a:lstStyle>
+            <a:lvl1pPr algn="ctr">
+              <a:defRPr sz="5400"/>
+            </a:lvl1pPr>
+          </a:lstStyle>
           <a:p>
             <a:r>
               <a:rPr lang="en-US"/>
               <a:t>Click to edit Master title style</a:t>
             </a:r>
+            <a:endParaRPr lang="en-US" dirty="0"/>
           </a:p>
         </p:txBody>
       </p:sp>
@@ -2287,20 +2296,18 @@
         </p:nvSpPr>
         <p:spPr>
           <a:xfrm>
-            <a:off x="1371600" y="3886200"/>
-            <a:ext cx="6400800" cy="1752600"/>
+            <a:off x="1028020" y="3598339"/>
+            <a:ext cx="7080026" cy="1049867"/>
           </a:xfrm>
         </p:spPr>
         <p:txBody>
-          <a:bodyPr/>
+          <a:bodyPr anchor="t"/>
           <a:lstStyle>
             <a:lvl1pPr marL="0" indent="0" algn="ctr">
               <a:buNone/>
               <a:defRPr>
                 <a:solidFill>
-                  <a:schemeClr val="tx1">
-                    <a:tint val="75000"/>
-                  </a:schemeClr>
+                  <a:schemeClr val="tx1"/>
                 </a:solidFill>
               </a:defRPr>
             </a:lvl1pPr>
@@ -2390,6 +2397,7 @@
               <a:rPr lang="en-US"/>
               <a:t>Click to edit Master subtitle style</a:t>
             </a:r>
+            <a:endParaRPr lang="en-US" dirty="0"/>
           </a:p>
         </p:txBody>
       </p:sp>
@@ -2461,7 +2469,7 @@
     </p:spTree>
     <p:extLst>
       <p:ext uri="{BB962C8B-B14F-4D97-AF65-F5344CB8AC3E}">
-        <p14:creationId xmlns:p14="http://schemas.microsoft.com/office/powerpoint/2010/main" val="3168075583"/>
+        <p14:creationId xmlns:p14="http://schemas.microsoft.com/office/powerpoint/2010/main" val="675031917"/>
       </p:ext>
     </p:extLst>
   </p:cSld>
@@ -2472,6 +2480,2582 @@
 </file>
 
 <file path=ppt/slideLayouts/slideLayout10.xml><?xml version="1.0" encoding="utf-8"?>
+<p:sldLayout xmlns:a="http://schemas.openxmlformats.org/drawingml/2006/main" xmlns:r="http://schemas.openxmlformats.org/officeDocument/2006/relationships" xmlns:p="http://schemas.openxmlformats.org/presentationml/2006/main" preserve="1">
+  <p:cSld name="Panoramic Picture with Caption">
+    <p:spTree>
+      <p:nvGrpSpPr>
+        <p:cNvPr id="1" name=""/>
+        <p:cNvGrpSpPr/>
+        <p:nvPr/>
+      </p:nvGrpSpPr>
+      <p:grpSpPr>
+        <a:xfrm>
+          <a:off x="0" y="0"/>
+          <a:ext cx="0" cy="0"/>
+          <a:chOff x="0" y="0"/>
+          <a:chExt cx="0" cy="0"/>
+        </a:xfrm>
+      </p:grpSpPr>
+      <p:pic>
+        <p:nvPicPr>
+          <p:cNvPr id="8" name="Picture 7" descr="Slate-V2-SD-panoPhotoInset.png"/>
+          <p:cNvPicPr>
+            <a:picLocks noChangeAspect="1"/>
+          </p:cNvPicPr>
+          <p:nvPr/>
+        </p:nvPicPr>
+        <p:blipFill>
+          <a:blip r:embed="rId2">
+            <a:extLst>
+              <a:ext uri="{28A0092B-C50C-407E-A947-70E740481C1C}">
+                <a14:useLocalDpi xmlns:a14="http://schemas.microsoft.com/office/drawing/2010/main" val="0"/>
+              </a:ext>
+            </a:extLst>
+          </a:blip>
+          <a:stretch>
+            <a:fillRect/>
+          </a:stretch>
+        </p:blipFill>
+        <p:spPr>
+          <a:xfrm>
+            <a:off x="743995" y="540085"/>
+            <a:ext cx="7656010" cy="3834374"/>
+          </a:xfrm>
+          <a:prstGeom prst="rect">
+            <a:avLst/>
+          </a:prstGeom>
+        </p:spPr>
+      </p:pic>
+      <p:sp>
+        <p:nvSpPr>
+          <p:cNvPr id="2" name="Title 1"/>
+          <p:cNvSpPr>
+            <a:spLocks noGrp="1"/>
+          </p:cNvSpPr>
+          <p:nvPr>
+            <p:ph type="title"/>
+          </p:nvPr>
+        </p:nvSpPr>
+        <p:spPr>
+          <a:xfrm>
+            <a:off x="685354" y="4565255"/>
+            <a:ext cx="7766495" cy="543472"/>
+          </a:xfrm>
+        </p:spPr>
+        <p:txBody>
+          <a:bodyPr anchor="b">
+            <a:normAutofit/>
+          </a:bodyPr>
+          <a:lstStyle>
+            <a:lvl1pPr algn="ctr">
+              <a:defRPr sz="2800"/>
+            </a:lvl1pPr>
+          </a:lstStyle>
+          <a:p>
+            <a:r>
+              <a:rPr lang="en-US"/>
+              <a:t>Click to edit Master title style</a:t>
+            </a:r>
+            <a:endParaRPr lang="en-US" dirty="0"/>
+          </a:p>
+        </p:txBody>
+      </p:sp>
+      <p:sp>
+        <p:nvSpPr>
+          <p:cNvPr id="3" name="Picture Placeholder 2"/>
+          <p:cNvSpPr>
+            <a:spLocks noGrp="1" noChangeAspect="1"/>
+          </p:cNvSpPr>
+          <p:nvPr>
+            <p:ph type="pic" idx="1"/>
+          </p:nvPr>
+        </p:nvSpPr>
+        <p:spPr>
+          <a:xfrm>
+            <a:off x="926217" y="695010"/>
+            <a:ext cx="7285600" cy="3525671"/>
+          </a:xfrm>
+          <a:effectLst>
+            <a:outerShdw blurRad="38100" dist="25400" dir="4440000">
+              <a:srgbClr val="000000">
+                <a:alpha val="36000"/>
+              </a:srgbClr>
+            </a:outerShdw>
+          </a:effectLst>
+        </p:spPr>
+        <p:txBody>
+          <a:bodyPr anchor="t">
+            <a:normAutofit/>
+          </a:bodyPr>
+          <a:lstStyle>
+            <a:lvl1pPr marL="0" indent="0" algn="ctr">
+              <a:buNone/>
+              <a:defRPr sz="2000"/>
+            </a:lvl1pPr>
+            <a:lvl2pPr marL="457200" indent="0">
+              <a:buNone/>
+              <a:defRPr sz="2000"/>
+            </a:lvl2pPr>
+            <a:lvl3pPr marL="914400" indent="0">
+              <a:buNone/>
+              <a:defRPr sz="2000"/>
+            </a:lvl3pPr>
+            <a:lvl4pPr marL="1371600" indent="0">
+              <a:buNone/>
+              <a:defRPr sz="2000"/>
+            </a:lvl4pPr>
+            <a:lvl5pPr marL="1828800" indent="0">
+              <a:buNone/>
+              <a:defRPr sz="2000"/>
+            </a:lvl5pPr>
+            <a:lvl6pPr marL="2286000" indent="0">
+              <a:buNone/>
+              <a:defRPr sz="2000"/>
+            </a:lvl6pPr>
+            <a:lvl7pPr marL="2743200" indent="0">
+              <a:buNone/>
+              <a:defRPr sz="2000"/>
+            </a:lvl7pPr>
+            <a:lvl8pPr marL="3200400" indent="0">
+              <a:buNone/>
+              <a:defRPr sz="2000"/>
+            </a:lvl8pPr>
+            <a:lvl9pPr marL="3657600" indent="0">
+              <a:buNone/>
+              <a:defRPr sz="2000"/>
+            </a:lvl9pPr>
+          </a:lstStyle>
+          <a:p>
+            <a:r>
+              <a:rPr lang="en-US"/>
+              <a:t>Click icon to add picture</a:t>
+            </a:r>
+            <a:endParaRPr lang="en-US" dirty="0"/>
+          </a:p>
+        </p:txBody>
+      </p:sp>
+      <p:sp>
+        <p:nvSpPr>
+          <p:cNvPr id="4" name="Text Placeholder 3"/>
+          <p:cNvSpPr>
+            <a:spLocks noGrp="1"/>
+          </p:cNvSpPr>
+          <p:nvPr>
+            <p:ph type="body" sz="half" idx="2"/>
+          </p:nvPr>
+        </p:nvSpPr>
+        <p:spPr>
+          <a:xfrm>
+            <a:off x="685346" y="5108728"/>
+            <a:ext cx="7765322" cy="682472"/>
+          </a:xfrm>
+        </p:spPr>
+        <p:txBody>
+          <a:bodyPr anchor="t"/>
+          <a:lstStyle>
+            <a:lvl1pPr marL="0" indent="0" algn="ctr">
+              <a:buNone/>
+              <a:defRPr sz="1600"/>
+            </a:lvl1pPr>
+            <a:lvl2pPr marL="457200" indent="0">
+              <a:buNone/>
+              <a:defRPr sz="1400"/>
+            </a:lvl2pPr>
+            <a:lvl3pPr marL="914400" indent="0">
+              <a:buNone/>
+              <a:defRPr sz="1200"/>
+            </a:lvl3pPr>
+            <a:lvl4pPr marL="1371600" indent="0">
+              <a:buNone/>
+              <a:defRPr sz="1000"/>
+            </a:lvl4pPr>
+            <a:lvl5pPr marL="1828800" indent="0">
+              <a:buNone/>
+              <a:defRPr sz="1000"/>
+            </a:lvl5pPr>
+            <a:lvl6pPr marL="2286000" indent="0">
+              <a:buNone/>
+              <a:defRPr sz="1000"/>
+            </a:lvl6pPr>
+            <a:lvl7pPr marL="2743200" indent="0">
+              <a:buNone/>
+              <a:defRPr sz="1000"/>
+            </a:lvl7pPr>
+            <a:lvl8pPr marL="3200400" indent="0">
+              <a:buNone/>
+              <a:defRPr sz="1000"/>
+            </a:lvl8pPr>
+            <a:lvl9pPr marL="3657600" indent="0">
+              <a:buNone/>
+              <a:defRPr sz="1000"/>
+            </a:lvl9pPr>
+          </a:lstStyle>
+          <a:p>
+            <a:pPr lvl="0"/>
+            <a:r>
+              <a:rPr lang="en-US"/>
+              <a:t>Click to edit Master text styles</a:t>
+            </a:r>
+          </a:p>
+        </p:txBody>
+      </p:sp>
+      <p:sp>
+        <p:nvSpPr>
+          <p:cNvPr id="5" name="Date Placeholder 4"/>
+          <p:cNvSpPr>
+            <a:spLocks noGrp="1"/>
+          </p:cNvSpPr>
+          <p:nvPr>
+            <p:ph type="dt" sz="half" idx="10"/>
+          </p:nvPr>
+        </p:nvSpPr>
+        <p:spPr/>
+        <p:txBody>
+          <a:bodyPr/>
+          <a:lstStyle/>
+          <a:p>
+            <a:fld id="{5BCAD085-E8A6-8845-BD4E-CB4CCA059FC4}" type="datetimeFigureOut">
+              <a:rPr lang="en-US" smtClean="0"/>
+              <a:t>10/18/2025</a:t>
+            </a:fld>
+            <a:endParaRPr lang="en-US"/>
+          </a:p>
+        </p:txBody>
+      </p:sp>
+      <p:sp>
+        <p:nvSpPr>
+          <p:cNvPr id="6" name="Footer Placeholder 5"/>
+          <p:cNvSpPr>
+            <a:spLocks noGrp="1"/>
+          </p:cNvSpPr>
+          <p:nvPr>
+            <p:ph type="ftr" sz="quarter" idx="11"/>
+          </p:nvPr>
+        </p:nvSpPr>
+        <p:spPr/>
+        <p:txBody>
+          <a:bodyPr/>
+          <a:lstStyle/>
+          <a:p>
+            <a:endParaRPr lang="en-US"/>
+          </a:p>
+        </p:txBody>
+      </p:sp>
+      <p:sp>
+        <p:nvSpPr>
+          <p:cNvPr id="7" name="Slide Number Placeholder 6"/>
+          <p:cNvSpPr>
+            <a:spLocks noGrp="1"/>
+          </p:cNvSpPr>
+          <p:nvPr>
+            <p:ph type="sldNum" sz="quarter" idx="12"/>
+          </p:nvPr>
+        </p:nvSpPr>
+        <p:spPr/>
+        <p:txBody>
+          <a:bodyPr/>
+          <a:lstStyle/>
+          <a:p>
+            <a:fld id="{C1FF6DA9-008F-8B48-92A6-B652298478BF}" type="slidenum">
+              <a:rPr lang="en-US" smtClean="0"/>
+              <a:t>‹#›</a:t>
+            </a:fld>
+            <a:endParaRPr lang="en-US"/>
+          </a:p>
+        </p:txBody>
+      </p:sp>
+    </p:spTree>
+    <p:extLst>
+      <p:ext uri="{BB962C8B-B14F-4D97-AF65-F5344CB8AC3E}">
+        <p14:creationId xmlns:p14="http://schemas.microsoft.com/office/powerpoint/2010/main" val="4190655787"/>
+      </p:ext>
+    </p:extLst>
+  </p:cSld>
+  <p:clrMapOvr>
+    <a:masterClrMapping/>
+  </p:clrMapOvr>
+</p:sldLayout>
+</file>
+
+<file path=ppt/slideLayouts/slideLayout11.xml><?xml version="1.0" encoding="utf-8"?>
+<p:sldLayout xmlns:a="http://schemas.openxmlformats.org/drawingml/2006/main" xmlns:r="http://schemas.openxmlformats.org/officeDocument/2006/relationships" xmlns:p="http://schemas.openxmlformats.org/presentationml/2006/main" preserve="1">
+  <p:cSld name="Title and Caption">
+    <p:spTree>
+      <p:nvGrpSpPr>
+        <p:cNvPr id="1" name=""/>
+        <p:cNvGrpSpPr/>
+        <p:nvPr/>
+      </p:nvGrpSpPr>
+      <p:grpSpPr>
+        <a:xfrm>
+          <a:off x="0" y="0"/>
+          <a:ext cx="0" cy="0"/>
+          <a:chOff x="0" y="0"/>
+          <a:chExt cx="0" cy="0"/>
+        </a:xfrm>
+      </p:grpSpPr>
+      <p:sp>
+        <p:nvSpPr>
+          <p:cNvPr id="2" name="Title 1"/>
+          <p:cNvSpPr>
+            <a:spLocks noGrp="1"/>
+          </p:cNvSpPr>
+          <p:nvPr>
+            <p:ph type="title"/>
+          </p:nvPr>
+        </p:nvSpPr>
+        <p:spPr>
+          <a:xfrm>
+            <a:off x="685346" y="608437"/>
+            <a:ext cx="7765322" cy="3534344"/>
+          </a:xfrm>
+        </p:spPr>
+        <p:txBody>
+          <a:bodyPr anchor="ctr"/>
+          <a:lstStyle>
+            <a:lvl1pPr>
+              <a:defRPr sz="3200"/>
+            </a:lvl1pPr>
+          </a:lstStyle>
+          <a:p>
+            <a:r>
+              <a:rPr lang="en-US"/>
+              <a:t>Click to edit Master title style</a:t>
+            </a:r>
+            <a:endParaRPr lang="en-US" dirty="0"/>
+          </a:p>
+        </p:txBody>
+      </p:sp>
+      <p:sp>
+        <p:nvSpPr>
+          <p:cNvPr id="4" name="Text Placeholder 3"/>
+          <p:cNvSpPr>
+            <a:spLocks noGrp="1"/>
+          </p:cNvSpPr>
+          <p:nvPr>
+            <p:ph type="body" sz="half" idx="2"/>
+          </p:nvPr>
+        </p:nvSpPr>
+        <p:spPr>
+          <a:xfrm>
+            <a:off x="685346" y="4295180"/>
+            <a:ext cx="7765322" cy="1501826"/>
+          </a:xfrm>
+        </p:spPr>
+        <p:txBody>
+          <a:bodyPr anchor="ctr"/>
+          <a:lstStyle>
+            <a:lvl1pPr marL="0" indent="0" algn="ctr">
+              <a:buNone/>
+              <a:defRPr sz="1600"/>
+            </a:lvl1pPr>
+            <a:lvl2pPr marL="457200" indent="0">
+              <a:buNone/>
+              <a:defRPr sz="1400"/>
+            </a:lvl2pPr>
+            <a:lvl3pPr marL="914400" indent="0">
+              <a:buNone/>
+              <a:defRPr sz="1200"/>
+            </a:lvl3pPr>
+            <a:lvl4pPr marL="1371600" indent="0">
+              <a:buNone/>
+              <a:defRPr sz="1000"/>
+            </a:lvl4pPr>
+            <a:lvl5pPr marL="1828800" indent="0">
+              <a:buNone/>
+              <a:defRPr sz="1000"/>
+            </a:lvl5pPr>
+            <a:lvl6pPr marL="2286000" indent="0">
+              <a:buNone/>
+              <a:defRPr sz="1000"/>
+            </a:lvl6pPr>
+            <a:lvl7pPr marL="2743200" indent="0">
+              <a:buNone/>
+              <a:defRPr sz="1000"/>
+            </a:lvl7pPr>
+            <a:lvl8pPr marL="3200400" indent="0">
+              <a:buNone/>
+              <a:defRPr sz="1000"/>
+            </a:lvl8pPr>
+            <a:lvl9pPr marL="3657600" indent="0">
+              <a:buNone/>
+              <a:defRPr sz="1000"/>
+            </a:lvl9pPr>
+          </a:lstStyle>
+          <a:p>
+            <a:pPr lvl="0"/>
+            <a:r>
+              <a:rPr lang="en-US"/>
+              <a:t>Click to edit Master text styles</a:t>
+            </a:r>
+          </a:p>
+        </p:txBody>
+      </p:sp>
+      <p:sp>
+        <p:nvSpPr>
+          <p:cNvPr id="5" name="Date Placeholder 4"/>
+          <p:cNvSpPr>
+            <a:spLocks noGrp="1"/>
+          </p:cNvSpPr>
+          <p:nvPr>
+            <p:ph type="dt" sz="half" idx="10"/>
+          </p:nvPr>
+        </p:nvSpPr>
+        <p:spPr/>
+        <p:txBody>
+          <a:bodyPr/>
+          <a:lstStyle/>
+          <a:p>
+            <a:fld id="{5BCAD085-E8A6-8845-BD4E-CB4CCA059FC4}" type="datetimeFigureOut">
+              <a:rPr lang="en-US" smtClean="0"/>
+              <a:t>10/18/2025</a:t>
+            </a:fld>
+            <a:endParaRPr lang="en-US"/>
+          </a:p>
+        </p:txBody>
+      </p:sp>
+      <p:sp>
+        <p:nvSpPr>
+          <p:cNvPr id="6" name="Footer Placeholder 5"/>
+          <p:cNvSpPr>
+            <a:spLocks noGrp="1"/>
+          </p:cNvSpPr>
+          <p:nvPr>
+            <p:ph type="ftr" sz="quarter" idx="11"/>
+          </p:nvPr>
+        </p:nvSpPr>
+        <p:spPr/>
+        <p:txBody>
+          <a:bodyPr/>
+          <a:lstStyle/>
+          <a:p>
+            <a:endParaRPr lang="en-US"/>
+          </a:p>
+        </p:txBody>
+      </p:sp>
+      <p:sp>
+        <p:nvSpPr>
+          <p:cNvPr id="7" name="Slide Number Placeholder 6"/>
+          <p:cNvSpPr>
+            <a:spLocks noGrp="1"/>
+          </p:cNvSpPr>
+          <p:nvPr>
+            <p:ph type="sldNum" sz="quarter" idx="12"/>
+          </p:nvPr>
+        </p:nvSpPr>
+        <p:spPr/>
+        <p:txBody>
+          <a:bodyPr/>
+          <a:lstStyle/>
+          <a:p>
+            <a:fld id="{C1FF6DA9-008F-8B48-92A6-B652298478BF}" type="slidenum">
+              <a:rPr lang="en-US" smtClean="0"/>
+              <a:t>‹#›</a:t>
+            </a:fld>
+            <a:endParaRPr lang="en-US"/>
+          </a:p>
+        </p:txBody>
+      </p:sp>
+    </p:spTree>
+    <p:extLst>
+      <p:ext uri="{BB962C8B-B14F-4D97-AF65-F5344CB8AC3E}">
+        <p14:creationId xmlns:p14="http://schemas.microsoft.com/office/powerpoint/2010/main" val="2412696195"/>
+      </p:ext>
+    </p:extLst>
+  </p:cSld>
+  <p:clrMapOvr>
+    <a:masterClrMapping/>
+  </p:clrMapOvr>
+</p:sldLayout>
+</file>
+
+<file path=ppt/slideLayouts/slideLayout12.xml><?xml version="1.0" encoding="utf-8"?>
+<p:sldLayout xmlns:a="http://schemas.openxmlformats.org/drawingml/2006/main" xmlns:r="http://schemas.openxmlformats.org/officeDocument/2006/relationships" xmlns:p="http://schemas.openxmlformats.org/presentationml/2006/main" preserve="1">
+  <p:cSld name="Quote with Caption">
+    <p:spTree>
+      <p:nvGrpSpPr>
+        <p:cNvPr id="1" name=""/>
+        <p:cNvGrpSpPr/>
+        <p:nvPr/>
+      </p:nvGrpSpPr>
+      <p:grpSpPr>
+        <a:xfrm>
+          <a:off x="0" y="0"/>
+          <a:ext cx="0" cy="0"/>
+          <a:chOff x="0" y="0"/>
+          <a:chExt cx="0" cy="0"/>
+        </a:xfrm>
+      </p:grpSpPr>
+      <p:sp>
+        <p:nvSpPr>
+          <p:cNvPr id="2" name="Title 1"/>
+          <p:cNvSpPr>
+            <a:spLocks noGrp="1"/>
+          </p:cNvSpPr>
+          <p:nvPr>
+            <p:ph type="title"/>
+          </p:nvPr>
+        </p:nvSpPr>
+        <p:spPr>
+          <a:xfrm>
+            <a:off x="1084659" y="609600"/>
+            <a:ext cx="6977064" cy="2992904"/>
+          </a:xfrm>
+        </p:spPr>
+        <p:txBody>
+          <a:bodyPr anchor="ctr"/>
+          <a:lstStyle>
+            <a:lvl1pPr>
+              <a:defRPr sz="3200"/>
+            </a:lvl1pPr>
+          </a:lstStyle>
+          <a:p>
+            <a:r>
+              <a:rPr lang="en-US"/>
+              <a:t>Click to edit Master title style</a:t>
+            </a:r>
+            <a:endParaRPr lang="en-US" dirty="0"/>
+          </a:p>
+        </p:txBody>
+      </p:sp>
+      <p:sp>
+        <p:nvSpPr>
+          <p:cNvPr id="12" name="Text Placeholder 3"/>
+          <p:cNvSpPr>
+            <a:spLocks noGrp="1"/>
+          </p:cNvSpPr>
+          <p:nvPr>
+            <p:ph type="body" sz="half" idx="13"/>
+          </p:nvPr>
+        </p:nvSpPr>
+        <p:spPr>
+          <a:xfrm>
+            <a:off x="1290484" y="3610033"/>
+            <a:ext cx="6564224" cy="532749"/>
+          </a:xfrm>
+        </p:spPr>
+        <p:txBody>
+          <a:bodyPr anchor="t">
+            <a:normAutofit/>
+          </a:bodyPr>
+          <a:lstStyle>
+            <a:lvl1pPr marL="0" indent="0" algn="r">
+              <a:buNone/>
+              <a:defRPr sz="1400"/>
+            </a:lvl1pPr>
+            <a:lvl2pPr marL="457200" indent="0">
+              <a:buNone/>
+              <a:defRPr sz="1400"/>
+            </a:lvl2pPr>
+            <a:lvl3pPr marL="914400" indent="0">
+              <a:buNone/>
+              <a:defRPr sz="1200"/>
+            </a:lvl3pPr>
+            <a:lvl4pPr marL="1371600" indent="0">
+              <a:buNone/>
+              <a:defRPr sz="1000"/>
+            </a:lvl4pPr>
+            <a:lvl5pPr marL="1828800" indent="0">
+              <a:buNone/>
+              <a:defRPr sz="1000"/>
+            </a:lvl5pPr>
+            <a:lvl6pPr marL="2286000" indent="0">
+              <a:buNone/>
+              <a:defRPr sz="1000"/>
+            </a:lvl6pPr>
+            <a:lvl7pPr marL="2743200" indent="0">
+              <a:buNone/>
+              <a:defRPr sz="1000"/>
+            </a:lvl7pPr>
+            <a:lvl8pPr marL="3200400" indent="0">
+              <a:buNone/>
+              <a:defRPr sz="1000"/>
+            </a:lvl8pPr>
+            <a:lvl9pPr marL="3657600" indent="0">
+              <a:buNone/>
+              <a:defRPr sz="1000"/>
+            </a:lvl9pPr>
+          </a:lstStyle>
+          <a:p>
+            <a:pPr lvl="0"/>
+            <a:r>
+              <a:rPr lang="en-US"/>
+              <a:t>Click to edit Master text styles</a:t>
+            </a:r>
+          </a:p>
+        </p:txBody>
+      </p:sp>
+      <p:sp>
+        <p:nvSpPr>
+          <p:cNvPr id="4" name="Text Placeholder 3"/>
+          <p:cNvSpPr>
+            <a:spLocks noGrp="1"/>
+          </p:cNvSpPr>
+          <p:nvPr>
+            <p:ph type="body" sz="half" idx="2"/>
+          </p:nvPr>
+        </p:nvSpPr>
+        <p:spPr>
+          <a:xfrm>
+            <a:off x="685346" y="4304353"/>
+            <a:ext cx="7765322" cy="1489496"/>
+          </a:xfrm>
+        </p:spPr>
+        <p:txBody>
+          <a:bodyPr anchor="ctr">
+            <a:normAutofit/>
+          </a:bodyPr>
+          <a:lstStyle>
+            <a:lvl1pPr marL="0" indent="0" algn="ctr">
+              <a:buNone/>
+              <a:defRPr sz="1600"/>
+            </a:lvl1pPr>
+            <a:lvl2pPr marL="457200" indent="0">
+              <a:buNone/>
+              <a:defRPr sz="1400"/>
+            </a:lvl2pPr>
+            <a:lvl3pPr marL="914400" indent="0">
+              <a:buNone/>
+              <a:defRPr sz="1200"/>
+            </a:lvl3pPr>
+            <a:lvl4pPr marL="1371600" indent="0">
+              <a:buNone/>
+              <a:defRPr sz="1000"/>
+            </a:lvl4pPr>
+            <a:lvl5pPr marL="1828800" indent="0">
+              <a:buNone/>
+              <a:defRPr sz="1000"/>
+            </a:lvl5pPr>
+            <a:lvl6pPr marL="2286000" indent="0">
+              <a:buNone/>
+              <a:defRPr sz="1000"/>
+            </a:lvl6pPr>
+            <a:lvl7pPr marL="2743200" indent="0">
+              <a:buNone/>
+              <a:defRPr sz="1000"/>
+            </a:lvl7pPr>
+            <a:lvl8pPr marL="3200400" indent="0">
+              <a:buNone/>
+              <a:defRPr sz="1000"/>
+            </a:lvl8pPr>
+            <a:lvl9pPr marL="3657600" indent="0">
+              <a:buNone/>
+              <a:defRPr sz="1000"/>
+            </a:lvl9pPr>
+          </a:lstStyle>
+          <a:p>
+            <a:pPr lvl="0"/>
+            <a:r>
+              <a:rPr lang="en-US"/>
+              <a:t>Click to edit Master text styles</a:t>
+            </a:r>
+          </a:p>
+        </p:txBody>
+      </p:sp>
+      <p:sp>
+        <p:nvSpPr>
+          <p:cNvPr id="5" name="Date Placeholder 4"/>
+          <p:cNvSpPr>
+            <a:spLocks noGrp="1"/>
+          </p:cNvSpPr>
+          <p:nvPr>
+            <p:ph type="dt" sz="half" idx="10"/>
+          </p:nvPr>
+        </p:nvSpPr>
+        <p:spPr/>
+        <p:txBody>
+          <a:bodyPr/>
+          <a:lstStyle/>
+          <a:p>
+            <a:fld id="{5BCAD085-E8A6-8845-BD4E-CB4CCA059FC4}" type="datetimeFigureOut">
+              <a:rPr lang="en-US" smtClean="0"/>
+              <a:t>10/18/2025</a:t>
+            </a:fld>
+            <a:endParaRPr lang="en-US"/>
+          </a:p>
+        </p:txBody>
+      </p:sp>
+      <p:sp>
+        <p:nvSpPr>
+          <p:cNvPr id="6" name="Footer Placeholder 5"/>
+          <p:cNvSpPr>
+            <a:spLocks noGrp="1"/>
+          </p:cNvSpPr>
+          <p:nvPr>
+            <p:ph type="ftr" sz="quarter" idx="11"/>
+          </p:nvPr>
+        </p:nvSpPr>
+        <p:spPr/>
+        <p:txBody>
+          <a:bodyPr/>
+          <a:lstStyle/>
+          <a:p>
+            <a:endParaRPr lang="en-US"/>
+          </a:p>
+        </p:txBody>
+      </p:sp>
+      <p:sp>
+        <p:nvSpPr>
+          <p:cNvPr id="7" name="Slide Number Placeholder 6"/>
+          <p:cNvSpPr>
+            <a:spLocks noGrp="1"/>
+          </p:cNvSpPr>
+          <p:nvPr>
+            <p:ph type="sldNum" sz="quarter" idx="12"/>
+          </p:nvPr>
+        </p:nvSpPr>
+        <p:spPr/>
+        <p:txBody>
+          <a:bodyPr/>
+          <a:lstStyle/>
+          <a:p>
+            <a:fld id="{C1FF6DA9-008F-8B48-92A6-B652298478BF}" type="slidenum">
+              <a:rPr lang="en-US" smtClean="0"/>
+              <a:t>‹#›</a:t>
+            </a:fld>
+            <a:endParaRPr lang="en-US"/>
+          </a:p>
+        </p:txBody>
+      </p:sp>
+      <p:sp>
+        <p:nvSpPr>
+          <p:cNvPr id="11" name="TextBox 10"/>
+          <p:cNvSpPr txBox="1"/>
+          <p:nvPr/>
+        </p:nvSpPr>
+        <p:spPr>
+          <a:xfrm>
+            <a:off x="627459" y="873912"/>
+            <a:ext cx="457200" cy="584776"/>
+          </a:xfrm>
+          <a:prstGeom prst="rect">
+            <a:avLst/>
+          </a:prstGeom>
+        </p:spPr>
+        <p:txBody>
+          <a:bodyPr vert="horz" lIns="91440" tIns="45720" rIns="91440" bIns="45720" rtlCol="0" anchor="ctr">
+            <a:noAutofit/>
+          </a:bodyPr>
+          <a:lstStyle>
+            <a:lvl1pPr>
+              <a:spcBef>
+                <a:spcPct val="0"/>
+              </a:spcBef>
+              <a:buNone/>
+              <a:defRPr sz="3200" b="0" cap="all">
+                <a:ln w="3175" cmpd="sng">
+                  <a:noFill/>
+                </a:ln>
+                <a:effectLst>
+                  <a:glow rad="38100">
+                    <a:schemeClr val="bg1">
+                      <a:lumMod val="65000"/>
+                      <a:lumOff val="35000"/>
+                      <a:alpha val="40000"/>
+                    </a:schemeClr>
+                  </a:glow>
+                  <a:outerShdw blurRad="28575" dist="38100" dir="14040000" algn="tl" rotWithShape="0">
+                    <a:srgbClr val="000000">
+                      <a:alpha val="25000"/>
+                    </a:srgbClr>
+                  </a:outerShdw>
+                </a:effectLst>
+              </a:defRPr>
+            </a:lvl1pPr>
+            <a:lvl2pPr>
+              <a:defRPr>
+                <a:solidFill>
+                  <a:schemeClr val="tx2"/>
+                </a:solidFill>
+              </a:defRPr>
+            </a:lvl2pPr>
+            <a:lvl3pPr>
+              <a:defRPr>
+                <a:solidFill>
+                  <a:schemeClr val="tx2"/>
+                </a:solidFill>
+              </a:defRPr>
+            </a:lvl3pPr>
+            <a:lvl4pPr>
+              <a:defRPr>
+                <a:solidFill>
+                  <a:schemeClr val="tx2"/>
+                </a:solidFill>
+              </a:defRPr>
+            </a:lvl4pPr>
+            <a:lvl5pPr>
+              <a:defRPr>
+                <a:solidFill>
+                  <a:schemeClr val="tx2"/>
+                </a:solidFill>
+              </a:defRPr>
+            </a:lvl5pPr>
+            <a:lvl6pPr>
+              <a:defRPr>
+                <a:solidFill>
+                  <a:schemeClr val="tx2"/>
+                </a:solidFill>
+              </a:defRPr>
+            </a:lvl6pPr>
+            <a:lvl7pPr>
+              <a:defRPr>
+                <a:solidFill>
+                  <a:schemeClr val="tx2"/>
+                </a:solidFill>
+              </a:defRPr>
+            </a:lvl7pPr>
+            <a:lvl8pPr>
+              <a:defRPr>
+                <a:solidFill>
+                  <a:schemeClr val="tx2"/>
+                </a:solidFill>
+              </a:defRPr>
+            </a:lvl8pPr>
+            <a:lvl9pPr>
+              <a:defRPr>
+                <a:solidFill>
+                  <a:schemeClr val="tx2"/>
+                </a:solidFill>
+              </a:defRPr>
+            </a:lvl9pPr>
+          </a:lstStyle>
+          <a:p>
+            <a:pPr lvl="0"/>
+            <a:r>
+              <a:rPr lang="en-US" sz="8000" dirty="0">
+                <a:solidFill>
+                  <a:schemeClr val="tx1"/>
+                </a:solidFill>
+                <a:effectLst/>
+              </a:rPr>
+              <a:t>“</a:t>
+            </a:r>
+          </a:p>
+        </p:txBody>
+      </p:sp>
+      <p:sp>
+        <p:nvSpPr>
+          <p:cNvPr id="13" name="TextBox 12"/>
+          <p:cNvSpPr txBox="1"/>
+          <p:nvPr/>
+        </p:nvSpPr>
+        <p:spPr>
+          <a:xfrm>
+            <a:off x="7828359" y="2933245"/>
+            <a:ext cx="457200" cy="584776"/>
+          </a:xfrm>
+          <a:prstGeom prst="rect">
+            <a:avLst/>
+          </a:prstGeom>
+        </p:spPr>
+        <p:txBody>
+          <a:bodyPr vert="horz" lIns="91440" tIns="45720" rIns="91440" bIns="45720" rtlCol="0" anchor="ctr">
+            <a:noAutofit/>
+          </a:bodyPr>
+          <a:lstStyle>
+            <a:lvl1pPr>
+              <a:spcBef>
+                <a:spcPct val="0"/>
+              </a:spcBef>
+              <a:buNone/>
+              <a:defRPr sz="3200" b="0" cap="all">
+                <a:ln w="3175" cmpd="sng">
+                  <a:noFill/>
+                </a:ln>
+                <a:effectLst>
+                  <a:glow rad="38100">
+                    <a:schemeClr val="bg1">
+                      <a:lumMod val="65000"/>
+                      <a:lumOff val="35000"/>
+                      <a:alpha val="40000"/>
+                    </a:schemeClr>
+                  </a:glow>
+                  <a:outerShdw blurRad="28575" dist="38100" dir="14040000" algn="tl" rotWithShape="0">
+                    <a:srgbClr val="000000">
+                      <a:alpha val="25000"/>
+                    </a:srgbClr>
+                  </a:outerShdw>
+                </a:effectLst>
+              </a:defRPr>
+            </a:lvl1pPr>
+            <a:lvl2pPr>
+              <a:defRPr>
+                <a:solidFill>
+                  <a:schemeClr val="tx2"/>
+                </a:solidFill>
+              </a:defRPr>
+            </a:lvl2pPr>
+            <a:lvl3pPr>
+              <a:defRPr>
+                <a:solidFill>
+                  <a:schemeClr val="tx2"/>
+                </a:solidFill>
+              </a:defRPr>
+            </a:lvl3pPr>
+            <a:lvl4pPr>
+              <a:defRPr>
+                <a:solidFill>
+                  <a:schemeClr val="tx2"/>
+                </a:solidFill>
+              </a:defRPr>
+            </a:lvl4pPr>
+            <a:lvl5pPr>
+              <a:defRPr>
+                <a:solidFill>
+                  <a:schemeClr val="tx2"/>
+                </a:solidFill>
+              </a:defRPr>
+            </a:lvl5pPr>
+            <a:lvl6pPr>
+              <a:defRPr>
+                <a:solidFill>
+                  <a:schemeClr val="tx2"/>
+                </a:solidFill>
+              </a:defRPr>
+            </a:lvl6pPr>
+            <a:lvl7pPr>
+              <a:defRPr>
+                <a:solidFill>
+                  <a:schemeClr val="tx2"/>
+                </a:solidFill>
+              </a:defRPr>
+            </a:lvl7pPr>
+            <a:lvl8pPr>
+              <a:defRPr>
+                <a:solidFill>
+                  <a:schemeClr val="tx2"/>
+                </a:solidFill>
+              </a:defRPr>
+            </a:lvl8pPr>
+            <a:lvl9pPr>
+              <a:defRPr>
+                <a:solidFill>
+                  <a:schemeClr val="tx2"/>
+                </a:solidFill>
+              </a:defRPr>
+            </a:lvl9pPr>
+          </a:lstStyle>
+          <a:p>
+            <a:pPr lvl="0" algn="r"/>
+            <a:r>
+              <a:rPr lang="en-US" sz="8000" dirty="0">
+                <a:solidFill>
+                  <a:schemeClr val="tx1"/>
+                </a:solidFill>
+                <a:effectLst/>
+              </a:rPr>
+              <a:t>”</a:t>
+            </a:r>
+          </a:p>
+        </p:txBody>
+      </p:sp>
+    </p:spTree>
+    <p:extLst>
+      <p:ext uri="{BB962C8B-B14F-4D97-AF65-F5344CB8AC3E}">
+        <p14:creationId xmlns:p14="http://schemas.microsoft.com/office/powerpoint/2010/main" val="3505448907"/>
+      </p:ext>
+    </p:extLst>
+  </p:cSld>
+  <p:clrMapOvr>
+    <a:masterClrMapping/>
+  </p:clrMapOvr>
+</p:sldLayout>
+</file>
+
+<file path=ppt/slideLayouts/slideLayout13.xml><?xml version="1.0" encoding="utf-8"?>
+<p:sldLayout xmlns:a="http://schemas.openxmlformats.org/drawingml/2006/main" xmlns:r="http://schemas.openxmlformats.org/officeDocument/2006/relationships" xmlns:p="http://schemas.openxmlformats.org/presentationml/2006/main" preserve="1">
+  <p:cSld name="Name Card">
+    <p:spTree>
+      <p:nvGrpSpPr>
+        <p:cNvPr id="1" name=""/>
+        <p:cNvGrpSpPr/>
+        <p:nvPr/>
+      </p:nvGrpSpPr>
+      <p:grpSpPr>
+        <a:xfrm>
+          <a:off x="0" y="0"/>
+          <a:ext cx="0" cy="0"/>
+          <a:chOff x="0" y="0"/>
+          <a:chExt cx="0" cy="0"/>
+        </a:xfrm>
+      </p:grpSpPr>
+      <p:sp>
+        <p:nvSpPr>
+          <p:cNvPr id="2" name="Title 1"/>
+          <p:cNvSpPr>
+            <a:spLocks noGrp="1"/>
+          </p:cNvSpPr>
+          <p:nvPr>
+            <p:ph type="title"/>
+          </p:nvPr>
+        </p:nvSpPr>
+        <p:spPr>
+          <a:xfrm>
+            <a:off x="685346" y="2126943"/>
+            <a:ext cx="7765322" cy="2511835"/>
+          </a:xfrm>
+        </p:spPr>
+        <p:txBody>
+          <a:bodyPr anchor="b"/>
+          <a:lstStyle>
+            <a:lvl1pPr>
+              <a:defRPr sz="3200"/>
+            </a:lvl1pPr>
+          </a:lstStyle>
+          <a:p>
+            <a:r>
+              <a:rPr lang="en-US"/>
+              <a:t>Click to edit Master title style</a:t>
+            </a:r>
+            <a:endParaRPr lang="en-US" dirty="0"/>
+          </a:p>
+        </p:txBody>
+      </p:sp>
+      <p:sp>
+        <p:nvSpPr>
+          <p:cNvPr id="4" name="Text Placeholder 3"/>
+          <p:cNvSpPr>
+            <a:spLocks noGrp="1"/>
+          </p:cNvSpPr>
+          <p:nvPr>
+            <p:ph type="body" sz="half" idx="2"/>
+          </p:nvPr>
+        </p:nvSpPr>
+        <p:spPr>
+          <a:xfrm>
+            <a:off x="685339" y="4650556"/>
+            <a:ext cx="7764149" cy="1140644"/>
+          </a:xfrm>
+        </p:spPr>
+        <p:txBody>
+          <a:bodyPr anchor="t"/>
+          <a:lstStyle>
+            <a:lvl1pPr marL="0" indent="0" algn="ctr">
+              <a:buNone/>
+              <a:defRPr sz="1600"/>
+            </a:lvl1pPr>
+            <a:lvl2pPr marL="457200" indent="0">
+              <a:buNone/>
+              <a:defRPr sz="1400"/>
+            </a:lvl2pPr>
+            <a:lvl3pPr marL="914400" indent="0">
+              <a:buNone/>
+              <a:defRPr sz="1200"/>
+            </a:lvl3pPr>
+            <a:lvl4pPr marL="1371600" indent="0">
+              <a:buNone/>
+              <a:defRPr sz="1000"/>
+            </a:lvl4pPr>
+            <a:lvl5pPr marL="1828800" indent="0">
+              <a:buNone/>
+              <a:defRPr sz="1000"/>
+            </a:lvl5pPr>
+            <a:lvl6pPr marL="2286000" indent="0">
+              <a:buNone/>
+              <a:defRPr sz="1000"/>
+            </a:lvl6pPr>
+            <a:lvl7pPr marL="2743200" indent="0">
+              <a:buNone/>
+              <a:defRPr sz="1000"/>
+            </a:lvl7pPr>
+            <a:lvl8pPr marL="3200400" indent="0">
+              <a:buNone/>
+              <a:defRPr sz="1000"/>
+            </a:lvl8pPr>
+            <a:lvl9pPr marL="3657600" indent="0">
+              <a:buNone/>
+              <a:defRPr sz="1000"/>
+            </a:lvl9pPr>
+          </a:lstStyle>
+          <a:p>
+            <a:pPr lvl="0"/>
+            <a:r>
+              <a:rPr lang="en-US"/>
+              <a:t>Click to edit Master text styles</a:t>
+            </a:r>
+          </a:p>
+        </p:txBody>
+      </p:sp>
+      <p:sp>
+        <p:nvSpPr>
+          <p:cNvPr id="5" name="Date Placeholder 4"/>
+          <p:cNvSpPr>
+            <a:spLocks noGrp="1"/>
+          </p:cNvSpPr>
+          <p:nvPr>
+            <p:ph type="dt" sz="half" idx="10"/>
+          </p:nvPr>
+        </p:nvSpPr>
+        <p:spPr/>
+        <p:txBody>
+          <a:bodyPr/>
+          <a:lstStyle/>
+          <a:p>
+            <a:fld id="{5BCAD085-E8A6-8845-BD4E-CB4CCA059FC4}" type="datetimeFigureOut">
+              <a:rPr lang="en-US" smtClean="0"/>
+              <a:t>10/18/2025</a:t>
+            </a:fld>
+            <a:endParaRPr lang="en-US"/>
+          </a:p>
+        </p:txBody>
+      </p:sp>
+      <p:sp>
+        <p:nvSpPr>
+          <p:cNvPr id="6" name="Footer Placeholder 5"/>
+          <p:cNvSpPr>
+            <a:spLocks noGrp="1"/>
+          </p:cNvSpPr>
+          <p:nvPr>
+            <p:ph type="ftr" sz="quarter" idx="11"/>
+          </p:nvPr>
+        </p:nvSpPr>
+        <p:spPr/>
+        <p:txBody>
+          <a:bodyPr/>
+          <a:lstStyle/>
+          <a:p>
+            <a:endParaRPr lang="en-US"/>
+          </a:p>
+        </p:txBody>
+      </p:sp>
+      <p:sp>
+        <p:nvSpPr>
+          <p:cNvPr id="7" name="Slide Number Placeholder 6"/>
+          <p:cNvSpPr>
+            <a:spLocks noGrp="1"/>
+          </p:cNvSpPr>
+          <p:nvPr>
+            <p:ph type="sldNum" sz="quarter" idx="12"/>
+          </p:nvPr>
+        </p:nvSpPr>
+        <p:spPr/>
+        <p:txBody>
+          <a:bodyPr/>
+          <a:lstStyle/>
+          <a:p>
+            <a:fld id="{C1FF6DA9-008F-8B48-92A6-B652298478BF}" type="slidenum">
+              <a:rPr lang="en-US" smtClean="0"/>
+              <a:t>‹#›</a:t>
+            </a:fld>
+            <a:endParaRPr lang="en-US"/>
+          </a:p>
+        </p:txBody>
+      </p:sp>
+    </p:spTree>
+    <p:extLst>
+      <p:ext uri="{BB962C8B-B14F-4D97-AF65-F5344CB8AC3E}">
+        <p14:creationId xmlns:p14="http://schemas.microsoft.com/office/powerpoint/2010/main" val="3612150957"/>
+      </p:ext>
+    </p:extLst>
+  </p:cSld>
+  <p:clrMapOvr>
+    <a:masterClrMapping/>
+  </p:clrMapOvr>
+</p:sldLayout>
+</file>
+
+<file path=ppt/slideLayouts/slideLayout14.xml><?xml version="1.0" encoding="utf-8"?>
+<p:sldLayout xmlns:a="http://schemas.openxmlformats.org/drawingml/2006/main" xmlns:r="http://schemas.openxmlformats.org/officeDocument/2006/relationships" xmlns:p="http://schemas.openxmlformats.org/presentationml/2006/main" preserve="1">
+  <p:cSld name="3 Column">
+    <p:spTree>
+      <p:nvGrpSpPr>
+        <p:cNvPr id="1" name=""/>
+        <p:cNvGrpSpPr/>
+        <p:nvPr/>
+      </p:nvGrpSpPr>
+      <p:grpSpPr>
+        <a:xfrm>
+          <a:off x="0" y="0"/>
+          <a:ext cx="0" cy="0"/>
+          <a:chOff x="0" y="0"/>
+          <a:chExt cx="0" cy="0"/>
+        </a:xfrm>
+      </p:grpSpPr>
+      <p:sp>
+        <p:nvSpPr>
+          <p:cNvPr id="15" name="Title 1"/>
+          <p:cNvSpPr>
+            <a:spLocks noGrp="1"/>
+          </p:cNvSpPr>
+          <p:nvPr>
+            <p:ph type="title"/>
+          </p:nvPr>
+        </p:nvSpPr>
+        <p:spPr>
+          <a:xfrm>
+            <a:off x="685346" y="609600"/>
+            <a:ext cx="7765322" cy="970450"/>
+          </a:xfrm>
+        </p:spPr>
+        <p:txBody>
+          <a:bodyPr/>
+          <a:lstStyle/>
+          <a:p>
+            <a:r>
+              <a:rPr lang="en-US"/>
+              <a:t>Click to edit Master title style</a:t>
+            </a:r>
+            <a:endParaRPr lang="en-US" dirty="0"/>
+          </a:p>
+        </p:txBody>
+      </p:sp>
+      <p:sp>
+        <p:nvSpPr>
+          <p:cNvPr id="7" name="Text Placeholder 2"/>
+          <p:cNvSpPr>
+            <a:spLocks noGrp="1"/>
+          </p:cNvSpPr>
+          <p:nvPr>
+            <p:ph type="body" idx="1"/>
+          </p:nvPr>
+        </p:nvSpPr>
+        <p:spPr>
+          <a:xfrm>
+            <a:off x="685346" y="1885950"/>
+            <a:ext cx="2475738" cy="576262"/>
+          </a:xfrm>
+        </p:spPr>
+        <p:txBody>
+          <a:bodyPr anchor="b">
+            <a:noAutofit/>
+          </a:bodyPr>
+          <a:lstStyle>
+            <a:lvl1pPr marL="0" indent="0" algn="ctr">
+              <a:buNone/>
+              <a:defRPr sz="2400" b="0">
+                <a:solidFill>
+                  <a:schemeClr val="tx1"/>
+                </a:solidFill>
+              </a:defRPr>
+            </a:lvl1pPr>
+            <a:lvl2pPr marL="457200" indent="0">
+              <a:buNone/>
+              <a:defRPr sz="2000" b="1"/>
+            </a:lvl2pPr>
+            <a:lvl3pPr marL="914400" indent="0">
+              <a:buNone/>
+              <a:defRPr sz="1800" b="1"/>
+            </a:lvl3pPr>
+            <a:lvl4pPr marL="1371600" indent="0">
+              <a:buNone/>
+              <a:defRPr sz="1600" b="1"/>
+            </a:lvl4pPr>
+            <a:lvl5pPr marL="1828800" indent="0">
+              <a:buNone/>
+              <a:defRPr sz="1600" b="1"/>
+            </a:lvl5pPr>
+            <a:lvl6pPr marL="2286000" indent="0">
+              <a:buNone/>
+              <a:defRPr sz="1600" b="1"/>
+            </a:lvl6pPr>
+            <a:lvl7pPr marL="2743200" indent="0">
+              <a:buNone/>
+              <a:defRPr sz="1600" b="1"/>
+            </a:lvl7pPr>
+            <a:lvl8pPr marL="3200400" indent="0">
+              <a:buNone/>
+              <a:defRPr sz="1600" b="1"/>
+            </a:lvl8pPr>
+            <a:lvl9pPr marL="3657600" indent="0">
+              <a:buNone/>
+              <a:defRPr sz="1600" b="1"/>
+            </a:lvl9pPr>
+          </a:lstStyle>
+          <a:p>
+            <a:pPr lvl="0"/>
+            <a:r>
+              <a:rPr lang="en-US"/>
+              <a:t>Click to edit Master text styles</a:t>
+            </a:r>
+          </a:p>
+        </p:txBody>
+      </p:sp>
+      <p:sp>
+        <p:nvSpPr>
+          <p:cNvPr id="8" name="Text Placeholder 3"/>
+          <p:cNvSpPr>
+            <a:spLocks noGrp="1"/>
+          </p:cNvSpPr>
+          <p:nvPr>
+            <p:ph type="body" sz="half" idx="15"/>
+          </p:nvPr>
+        </p:nvSpPr>
+        <p:spPr>
+          <a:xfrm>
+            <a:off x="685346" y="2571750"/>
+            <a:ext cx="2475738" cy="3219450"/>
+          </a:xfrm>
+        </p:spPr>
+        <p:txBody>
+          <a:bodyPr anchor="t">
+            <a:normAutofit/>
+          </a:bodyPr>
+          <a:lstStyle>
+            <a:lvl1pPr marL="0" indent="0" algn="ctr">
+              <a:buNone/>
+              <a:defRPr sz="1400"/>
+            </a:lvl1pPr>
+            <a:lvl2pPr marL="457200" indent="0">
+              <a:buNone/>
+              <a:defRPr sz="1200"/>
+            </a:lvl2pPr>
+            <a:lvl3pPr marL="914400" indent="0">
+              <a:buNone/>
+              <a:defRPr sz="1000"/>
+            </a:lvl3pPr>
+            <a:lvl4pPr marL="1371600" indent="0">
+              <a:buNone/>
+              <a:defRPr sz="900"/>
+            </a:lvl4pPr>
+            <a:lvl5pPr marL="1828800" indent="0">
+              <a:buNone/>
+              <a:defRPr sz="900"/>
+            </a:lvl5pPr>
+            <a:lvl6pPr marL="2286000" indent="0">
+              <a:buNone/>
+              <a:defRPr sz="900"/>
+            </a:lvl6pPr>
+            <a:lvl7pPr marL="2743200" indent="0">
+              <a:buNone/>
+              <a:defRPr sz="900"/>
+            </a:lvl7pPr>
+            <a:lvl8pPr marL="3200400" indent="0">
+              <a:buNone/>
+              <a:defRPr sz="900"/>
+            </a:lvl8pPr>
+            <a:lvl9pPr marL="3657600" indent="0">
+              <a:buNone/>
+              <a:defRPr sz="900"/>
+            </a:lvl9pPr>
+          </a:lstStyle>
+          <a:p>
+            <a:pPr lvl="0"/>
+            <a:r>
+              <a:rPr lang="en-US"/>
+              <a:t>Click to edit Master text styles</a:t>
+            </a:r>
+          </a:p>
+        </p:txBody>
+      </p:sp>
+      <p:sp>
+        <p:nvSpPr>
+          <p:cNvPr id="9" name="Text Placeholder 4"/>
+          <p:cNvSpPr>
+            <a:spLocks noGrp="1"/>
+          </p:cNvSpPr>
+          <p:nvPr>
+            <p:ph type="body" sz="quarter" idx="3"/>
+          </p:nvPr>
+        </p:nvSpPr>
+        <p:spPr>
+          <a:xfrm>
+            <a:off x="3335033" y="1885950"/>
+            <a:ext cx="2475738" cy="576262"/>
+          </a:xfrm>
+        </p:spPr>
+        <p:txBody>
+          <a:bodyPr anchor="b">
+            <a:noAutofit/>
+          </a:bodyPr>
+          <a:lstStyle>
+            <a:lvl1pPr marL="0" indent="0" algn="ctr">
+              <a:buNone/>
+              <a:defRPr sz="2400" b="0">
+                <a:solidFill>
+                  <a:schemeClr val="tx1"/>
+                </a:solidFill>
+              </a:defRPr>
+            </a:lvl1pPr>
+            <a:lvl2pPr marL="457200" indent="0">
+              <a:buNone/>
+              <a:defRPr sz="2000" b="1"/>
+            </a:lvl2pPr>
+            <a:lvl3pPr marL="914400" indent="0">
+              <a:buNone/>
+              <a:defRPr sz="1800" b="1"/>
+            </a:lvl3pPr>
+            <a:lvl4pPr marL="1371600" indent="0">
+              <a:buNone/>
+              <a:defRPr sz="1600" b="1"/>
+            </a:lvl4pPr>
+            <a:lvl5pPr marL="1828800" indent="0">
+              <a:buNone/>
+              <a:defRPr sz="1600" b="1"/>
+            </a:lvl5pPr>
+            <a:lvl6pPr marL="2286000" indent="0">
+              <a:buNone/>
+              <a:defRPr sz="1600" b="1"/>
+            </a:lvl6pPr>
+            <a:lvl7pPr marL="2743200" indent="0">
+              <a:buNone/>
+              <a:defRPr sz="1600" b="1"/>
+            </a:lvl7pPr>
+            <a:lvl8pPr marL="3200400" indent="0">
+              <a:buNone/>
+              <a:defRPr sz="1600" b="1"/>
+            </a:lvl8pPr>
+            <a:lvl9pPr marL="3657600" indent="0">
+              <a:buNone/>
+              <a:defRPr sz="1600" b="1"/>
+            </a:lvl9pPr>
+          </a:lstStyle>
+          <a:p>
+            <a:pPr lvl="0"/>
+            <a:r>
+              <a:rPr lang="en-US"/>
+              <a:t>Click to edit Master text styles</a:t>
+            </a:r>
+          </a:p>
+        </p:txBody>
+      </p:sp>
+      <p:sp>
+        <p:nvSpPr>
+          <p:cNvPr id="10" name="Text Placeholder 3"/>
+          <p:cNvSpPr>
+            <a:spLocks noGrp="1"/>
+          </p:cNvSpPr>
+          <p:nvPr>
+            <p:ph type="body" sz="half" idx="16"/>
+          </p:nvPr>
+        </p:nvSpPr>
+        <p:spPr>
+          <a:xfrm>
+            <a:off x="3331076" y="2571750"/>
+            <a:ext cx="2475738" cy="3219450"/>
+          </a:xfrm>
+        </p:spPr>
+        <p:txBody>
+          <a:bodyPr anchor="t">
+            <a:normAutofit/>
+          </a:bodyPr>
+          <a:lstStyle>
+            <a:lvl1pPr marL="0" indent="0" algn="ctr">
+              <a:buNone/>
+              <a:defRPr sz="1400"/>
+            </a:lvl1pPr>
+            <a:lvl2pPr marL="457200" indent="0">
+              <a:buNone/>
+              <a:defRPr sz="1200"/>
+            </a:lvl2pPr>
+            <a:lvl3pPr marL="914400" indent="0">
+              <a:buNone/>
+              <a:defRPr sz="1000"/>
+            </a:lvl3pPr>
+            <a:lvl4pPr marL="1371600" indent="0">
+              <a:buNone/>
+              <a:defRPr sz="900"/>
+            </a:lvl4pPr>
+            <a:lvl5pPr marL="1828800" indent="0">
+              <a:buNone/>
+              <a:defRPr sz="900"/>
+            </a:lvl5pPr>
+            <a:lvl6pPr marL="2286000" indent="0">
+              <a:buNone/>
+              <a:defRPr sz="900"/>
+            </a:lvl6pPr>
+            <a:lvl7pPr marL="2743200" indent="0">
+              <a:buNone/>
+              <a:defRPr sz="900"/>
+            </a:lvl7pPr>
+            <a:lvl8pPr marL="3200400" indent="0">
+              <a:buNone/>
+              <a:defRPr sz="900"/>
+            </a:lvl8pPr>
+            <a:lvl9pPr marL="3657600" indent="0">
+              <a:buNone/>
+              <a:defRPr sz="900"/>
+            </a:lvl9pPr>
+          </a:lstStyle>
+          <a:p>
+            <a:pPr lvl="0"/>
+            <a:r>
+              <a:rPr lang="en-US"/>
+              <a:t>Click to edit Master text styles</a:t>
+            </a:r>
+          </a:p>
+        </p:txBody>
+      </p:sp>
+      <p:sp>
+        <p:nvSpPr>
+          <p:cNvPr id="11" name="Text Placeholder 4"/>
+          <p:cNvSpPr>
+            <a:spLocks noGrp="1"/>
+          </p:cNvSpPr>
+          <p:nvPr>
+            <p:ph type="body" sz="quarter" idx="13"/>
+          </p:nvPr>
+        </p:nvSpPr>
+        <p:spPr>
+          <a:xfrm>
+            <a:off x="5974929" y="1885950"/>
+            <a:ext cx="2475738" cy="576262"/>
+          </a:xfrm>
+        </p:spPr>
+        <p:txBody>
+          <a:bodyPr anchor="b">
+            <a:noAutofit/>
+          </a:bodyPr>
+          <a:lstStyle>
+            <a:lvl1pPr marL="0" indent="0" algn="ctr">
+              <a:buNone/>
+              <a:defRPr sz="2400" b="0">
+                <a:solidFill>
+                  <a:schemeClr val="tx1"/>
+                </a:solidFill>
+              </a:defRPr>
+            </a:lvl1pPr>
+            <a:lvl2pPr marL="457200" indent="0">
+              <a:buNone/>
+              <a:defRPr sz="2000" b="1"/>
+            </a:lvl2pPr>
+            <a:lvl3pPr marL="914400" indent="0">
+              <a:buNone/>
+              <a:defRPr sz="1800" b="1"/>
+            </a:lvl3pPr>
+            <a:lvl4pPr marL="1371600" indent="0">
+              <a:buNone/>
+              <a:defRPr sz="1600" b="1"/>
+            </a:lvl4pPr>
+            <a:lvl5pPr marL="1828800" indent="0">
+              <a:buNone/>
+              <a:defRPr sz="1600" b="1"/>
+            </a:lvl5pPr>
+            <a:lvl6pPr marL="2286000" indent="0">
+              <a:buNone/>
+              <a:defRPr sz="1600" b="1"/>
+            </a:lvl6pPr>
+            <a:lvl7pPr marL="2743200" indent="0">
+              <a:buNone/>
+              <a:defRPr sz="1600" b="1"/>
+            </a:lvl7pPr>
+            <a:lvl8pPr marL="3200400" indent="0">
+              <a:buNone/>
+              <a:defRPr sz="1600" b="1"/>
+            </a:lvl8pPr>
+            <a:lvl9pPr marL="3657600" indent="0">
+              <a:buNone/>
+              <a:defRPr sz="1600" b="1"/>
+            </a:lvl9pPr>
+          </a:lstStyle>
+          <a:p>
+            <a:pPr lvl="0"/>
+            <a:r>
+              <a:rPr lang="en-US"/>
+              <a:t>Click to edit Master text styles</a:t>
+            </a:r>
+          </a:p>
+        </p:txBody>
+      </p:sp>
+      <p:sp>
+        <p:nvSpPr>
+          <p:cNvPr id="12" name="Text Placeholder 3"/>
+          <p:cNvSpPr>
+            <a:spLocks noGrp="1"/>
+          </p:cNvSpPr>
+          <p:nvPr>
+            <p:ph type="body" sz="half" idx="17"/>
+          </p:nvPr>
+        </p:nvSpPr>
+        <p:spPr>
+          <a:xfrm>
+            <a:off x="5974929" y="2571750"/>
+            <a:ext cx="2475738" cy="3219450"/>
+          </a:xfrm>
+        </p:spPr>
+        <p:txBody>
+          <a:bodyPr anchor="t">
+            <a:normAutofit/>
+          </a:bodyPr>
+          <a:lstStyle>
+            <a:lvl1pPr marL="0" indent="0" algn="ctr">
+              <a:buNone/>
+              <a:defRPr sz="1400"/>
+            </a:lvl1pPr>
+            <a:lvl2pPr marL="457200" indent="0">
+              <a:buNone/>
+              <a:defRPr sz="1200"/>
+            </a:lvl2pPr>
+            <a:lvl3pPr marL="914400" indent="0">
+              <a:buNone/>
+              <a:defRPr sz="1000"/>
+            </a:lvl3pPr>
+            <a:lvl4pPr marL="1371600" indent="0">
+              <a:buNone/>
+              <a:defRPr sz="900"/>
+            </a:lvl4pPr>
+            <a:lvl5pPr marL="1828800" indent="0">
+              <a:buNone/>
+              <a:defRPr sz="900"/>
+            </a:lvl5pPr>
+            <a:lvl6pPr marL="2286000" indent="0">
+              <a:buNone/>
+              <a:defRPr sz="900"/>
+            </a:lvl6pPr>
+            <a:lvl7pPr marL="2743200" indent="0">
+              <a:buNone/>
+              <a:defRPr sz="900"/>
+            </a:lvl7pPr>
+            <a:lvl8pPr marL="3200400" indent="0">
+              <a:buNone/>
+              <a:defRPr sz="900"/>
+            </a:lvl8pPr>
+            <a:lvl9pPr marL="3657600" indent="0">
+              <a:buNone/>
+              <a:defRPr sz="900"/>
+            </a:lvl9pPr>
+          </a:lstStyle>
+          <a:p>
+            <a:pPr lvl="0"/>
+            <a:r>
+              <a:rPr lang="en-US"/>
+              <a:t>Click to edit Master text styles</a:t>
+            </a:r>
+          </a:p>
+        </p:txBody>
+      </p:sp>
+      <p:sp>
+        <p:nvSpPr>
+          <p:cNvPr id="3" name="Date Placeholder 2"/>
+          <p:cNvSpPr>
+            <a:spLocks noGrp="1"/>
+          </p:cNvSpPr>
+          <p:nvPr>
+            <p:ph type="dt" sz="half" idx="10"/>
+          </p:nvPr>
+        </p:nvSpPr>
+        <p:spPr/>
+        <p:txBody>
+          <a:bodyPr/>
+          <a:lstStyle/>
+          <a:p>
+            <a:fld id="{5BCAD085-E8A6-8845-BD4E-CB4CCA059FC4}" type="datetimeFigureOut">
+              <a:rPr lang="en-US" smtClean="0"/>
+              <a:t>10/18/2025</a:t>
+            </a:fld>
+            <a:endParaRPr lang="en-US"/>
+          </a:p>
+        </p:txBody>
+      </p:sp>
+      <p:sp>
+        <p:nvSpPr>
+          <p:cNvPr id="4" name="Footer Placeholder 3"/>
+          <p:cNvSpPr>
+            <a:spLocks noGrp="1"/>
+          </p:cNvSpPr>
+          <p:nvPr>
+            <p:ph type="ftr" sz="quarter" idx="11"/>
+          </p:nvPr>
+        </p:nvSpPr>
+        <p:spPr/>
+        <p:txBody>
+          <a:bodyPr/>
+          <a:lstStyle/>
+          <a:p>
+            <a:endParaRPr lang="en-US"/>
+          </a:p>
+        </p:txBody>
+      </p:sp>
+      <p:sp>
+        <p:nvSpPr>
+          <p:cNvPr id="5" name="Slide Number Placeholder 4"/>
+          <p:cNvSpPr>
+            <a:spLocks noGrp="1"/>
+          </p:cNvSpPr>
+          <p:nvPr>
+            <p:ph type="sldNum" sz="quarter" idx="12"/>
+          </p:nvPr>
+        </p:nvSpPr>
+        <p:spPr/>
+        <p:txBody>
+          <a:bodyPr/>
+          <a:lstStyle/>
+          <a:p>
+            <a:fld id="{C1FF6DA9-008F-8B48-92A6-B652298478BF}" type="slidenum">
+              <a:rPr lang="en-US" smtClean="0"/>
+              <a:t>‹#›</a:t>
+            </a:fld>
+            <a:endParaRPr lang="en-US"/>
+          </a:p>
+        </p:txBody>
+      </p:sp>
+    </p:spTree>
+    <p:extLst>
+      <p:ext uri="{BB962C8B-B14F-4D97-AF65-F5344CB8AC3E}">
+        <p14:creationId xmlns:p14="http://schemas.microsoft.com/office/powerpoint/2010/main" val="267465414"/>
+      </p:ext>
+    </p:extLst>
+  </p:cSld>
+  <p:clrMapOvr>
+    <a:masterClrMapping/>
+  </p:clrMapOvr>
+</p:sldLayout>
+</file>
+
+<file path=ppt/slideLayouts/slideLayout15.xml><?xml version="1.0" encoding="utf-8"?>
+<p:sldLayout xmlns:a="http://schemas.openxmlformats.org/drawingml/2006/main" xmlns:r="http://schemas.openxmlformats.org/officeDocument/2006/relationships" xmlns:p="http://schemas.openxmlformats.org/presentationml/2006/main" preserve="1">
+  <p:cSld name="3 Picture Column">
+    <p:spTree>
+      <p:nvGrpSpPr>
+        <p:cNvPr id="1" name=""/>
+        <p:cNvGrpSpPr/>
+        <p:nvPr/>
+      </p:nvGrpSpPr>
+      <p:grpSpPr>
+        <a:xfrm>
+          <a:off x="0" y="0"/>
+          <a:ext cx="0" cy="0"/>
+          <a:chOff x="0" y="0"/>
+          <a:chExt cx="0" cy="0"/>
+        </a:xfrm>
+      </p:grpSpPr>
+      <p:pic>
+        <p:nvPicPr>
+          <p:cNvPr id="6" name="Picture 5" descr="Slate-V2-SD-3colPhotoInset.png"/>
+          <p:cNvPicPr>
+            <a:picLocks noChangeAspect="1"/>
+          </p:cNvPicPr>
+          <p:nvPr/>
+        </p:nvPicPr>
+        <p:blipFill>
+          <a:blip r:embed="rId2">
+            <a:extLst>
+              <a:ext uri="{28A0092B-C50C-407E-A947-70E740481C1C}">
+                <a14:useLocalDpi xmlns:a14="http://schemas.microsoft.com/office/drawing/2010/main" val="0"/>
+              </a:ext>
+            </a:extLst>
+          </a:blip>
+          <a:stretch>
+            <a:fillRect/>
+          </a:stretch>
+        </p:blipFill>
+        <p:spPr>
+          <a:xfrm>
+            <a:off x="659239" y="1826045"/>
+            <a:ext cx="2529046" cy="1833558"/>
+          </a:xfrm>
+          <a:prstGeom prst="rect">
+            <a:avLst/>
+          </a:prstGeom>
+        </p:spPr>
+      </p:pic>
+      <p:pic>
+        <p:nvPicPr>
+          <p:cNvPr id="28" name="Picture 27" descr="Slate-V2-SD-3colPhotoInset.png"/>
+          <p:cNvPicPr>
+            <a:picLocks noChangeAspect="1"/>
+          </p:cNvPicPr>
+          <p:nvPr/>
+        </p:nvPicPr>
+        <p:blipFill>
+          <a:blip r:embed="rId2">
+            <a:extLst>
+              <a:ext uri="{28A0092B-C50C-407E-A947-70E740481C1C}">
+                <a14:useLocalDpi xmlns:a14="http://schemas.microsoft.com/office/drawing/2010/main" val="0"/>
+              </a:ext>
+            </a:extLst>
+          </a:blip>
+          <a:stretch>
+            <a:fillRect/>
+          </a:stretch>
+        </p:blipFill>
+        <p:spPr>
+          <a:xfrm>
+            <a:off x="3293813" y="1826045"/>
+            <a:ext cx="2529046" cy="1833558"/>
+          </a:xfrm>
+          <a:prstGeom prst="rect">
+            <a:avLst/>
+          </a:prstGeom>
+        </p:spPr>
+      </p:pic>
+      <p:pic>
+        <p:nvPicPr>
+          <p:cNvPr id="29" name="Picture 28" descr="Slate-V2-SD-3colPhotoInset.png"/>
+          <p:cNvPicPr>
+            <a:picLocks noChangeAspect="1"/>
+          </p:cNvPicPr>
+          <p:nvPr/>
+        </p:nvPicPr>
+        <p:blipFill>
+          <a:blip r:embed="rId2">
+            <a:extLst>
+              <a:ext uri="{28A0092B-C50C-407E-A947-70E740481C1C}">
+                <a14:useLocalDpi xmlns:a14="http://schemas.microsoft.com/office/drawing/2010/main" val="0"/>
+              </a:ext>
+            </a:extLst>
+          </a:blip>
+          <a:stretch>
+            <a:fillRect/>
+          </a:stretch>
+        </p:blipFill>
+        <p:spPr>
+          <a:xfrm>
+            <a:off x="5921715" y="1826045"/>
+            <a:ext cx="2529046" cy="1833558"/>
+          </a:xfrm>
+          <a:prstGeom prst="rect">
+            <a:avLst/>
+          </a:prstGeom>
+        </p:spPr>
+      </p:pic>
+      <p:sp>
+        <p:nvSpPr>
+          <p:cNvPr id="30" name="Title 1"/>
+          <p:cNvSpPr>
+            <a:spLocks noGrp="1"/>
+          </p:cNvSpPr>
+          <p:nvPr>
+            <p:ph type="title"/>
+          </p:nvPr>
+        </p:nvSpPr>
+        <p:spPr>
+          <a:xfrm>
+            <a:off x="685346" y="609600"/>
+            <a:ext cx="7765322" cy="970450"/>
+          </a:xfrm>
+        </p:spPr>
+        <p:txBody>
+          <a:bodyPr/>
+          <a:lstStyle/>
+          <a:p>
+            <a:r>
+              <a:rPr lang="en-US"/>
+              <a:t>Click to edit Master title style</a:t>
+            </a:r>
+            <a:endParaRPr lang="en-US" dirty="0"/>
+          </a:p>
+        </p:txBody>
+      </p:sp>
+      <p:sp>
+        <p:nvSpPr>
+          <p:cNvPr id="19" name="Text Placeholder 2"/>
+          <p:cNvSpPr>
+            <a:spLocks noGrp="1"/>
+          </p:cNvSpPr>
+          <p:nvPr>
+            <p:ph type="body" idx="1"/>
+          </p:nvPr>
+        </p:nvSpPr>
+        <p:spPr>
+          <a:xfrm>
+            <a:off x="685346" y="3904106"/>
+            <a:ext cx="2475738" cy="576262"/>
+          </a:xfrm>
+        </p:spPr>
+        <p:txBody>
+          <a:bodyPr anchor="b">
+            <a:noAutofit/>
+          </a:bodyPr>
+          <a:lstStyle>
+            <a:lvl1pPr marL="0" indent="0" algn="ctr">
+              <a:buNone/>
+              <a:defRPr sz="2000" b="0">
+                <a:solidFill>
+                  <a:schemeClr val="tx1"/>
+                </a:solidFill>
+              </a:defRPr>
+            </a:lvl1pPr>
+            <a:lvl2pPr marL="457200" indent="0">
+              <a:buNone/>
+              <a:defRPr sz="2000" b="1"/>
+            </a:lvl2pPr>
+            <a:lvl3pPr marL="914400" indent="0">
+              <a:buNone/>
+              <a:defRPr sz="1800" b="1"/>
+            </a:lvl3pPr>
+            <a:lvl4pPr marL="1371600" indent="0">
+              <a:buNone/>
+              <a:defRPr sz="1600" b="1"/>
+            </a:lvl4pPr>
+            <a:lvl5pPr marL="1828800" indent="0">
+              <a:buNone/>
+              <a:defRPr sz="1600" b="1"/>
+            </a:lvl5pPr>
+            <a:lvl6pPr marL="2286000" indent="0">
+              <a:buNone/>
+              <a:defRPr sz="1600" b="1"/>
+            </a:lvl6pPr>
+            <a:lvl7pPr marL="2743200" indent="0">
+              <a:buNone/>
+              <a:defRPr sz="1600" b="1"/>
+            </a:lvl7pPr>
+            <a:lvl8pPr marL="3200400" indent="0">
+              <a:buNone/>
+              <a:defRPr sz="1600" b="1"/>
+            </a:lvl8pPr>
+            <a:lvl9pPr marL="3657600" indent="0">
+              <a:buNone/>
+              <a:defRPr sz="1600" b="1"/>
+            </a:lvl9pPr>
+          </a:lstStyle>
+          <a:p>
+            <a:pPr lvl="0"/>
+            <a:r>
+              <a:rPr lang="en-US"/>
+              <a:t>Click to edit Master text styles</a:t>
+            </a:r>
+          </a:p>
+        </p:txBody>
+      </p:sp>
+      <p:sp>
+        <p:nvSpPr>
+          <p:cNvPr id="20" name="Picture Placeholder 2"/>
+          <p:cNvSpPr>
+            <a:spLocks noGrp="1" noChangeAspect="1"/>
+          </p:cNvSpPr>
+          <p:nvPr>
+            <p:ph type="pic" idx="15"/>
+          </p:nvPr>
+        </p:nvSpPr>
+        <p:spPr>
+          <a:xfrm>
+            <a:off x="763577" y="1938918"/>
+            <a:ext cx="2319276" cy="1602954"/>
+          </a:xfrm>
+          <a:prstGeom prst="roundRect">
+            <a:avLst>
+              <a:gd name="adj" fmla="val 1858"/>
+            </a:avLst>
+          </a:prstGeom>
+          <a:effectLst>
+            <a:outerShdw blurRad="38100" dist="25400" dir="4440000">
+              <a:srgbClr val="000000">
+                <a:alpha val="36000"/>
+              </a:srgbClr>
+            </a:outerShdw>
+          </a:effectLst>
+        </p:spPr>
+        <p:txBody>
+          <a:bodyPr anchor="t">
+            <a:normAutofit/>
+          </a:bodyPr>
+          <a:lstStyle>
+            <a:lvl1pPr marL="0" indent="0" algn="ctr">
+              <a:buNone/>
+              <a:defRPr sz="1600"/>
+            </a:lvl1pPr>
+            <a:lvl2pPr marL="457200" indent="0">
+              <a:buNone/>
+              <a:defRPr sz="1600"/>
+            </a:lvl2pPr>
+            <a:lvl3pPr marL="914400" indent="0">
+              <a:buNone/>
+              <a:defRPr sz="1600"/>
+            </a:lvl3pPr>
+            <a:lvl4pPr marL="1371600" indent="0">
+              <a:buNone/>
+              <a:defRPr sz="1600"/>
+            </a:lvl4pPr>
+            <a:lvl5pPr marL="1828800" indent="0">
+              <a:buNone/>
+              <a:defRPr sz="1600"/>
+            </a:lvl5pPr>
+            <a:lvl6pPr marL="2286000" indent="0">
+              <a:buNone/>
+              <a:defRPr sz="1600"/>
+            </a:lvl6pPr>
+            <a:lvl7pPr marL="2743200" indent="0">
+              <a:buNone/>
+              <a:defRPr sz="1600"/>
+            </a:lvl7pPr>
+            <a:lvl8pPr marL="3200400" indent="0">
+              <a:buNone/>
+              <a:defRPr sz="1600"/>
+            </a:lvl8pPr>
+            <a:lvl9pPr marL="3657600" indent="0">
+              <a:buNone/>
+              <a:defRPr sz="1600"/>
+            </a:lvl9pPr>
+          </a:lstStyle>
+          <a:p>
+            <a:r>
+              <a:rPr lang="en-US"/>
+              <a:t>Click icon to add picture</a:t>
+            </a:r>
+            <a:endParaRPr lang="en-US" dirty="0"/>
+          </a:p>
+        </p:txBody>
+      </p:sp>
+      <p:sp>
+        <p:nvSpPr>
+          <p:cNvPr id="21" name="Text Placeholder 3"/>
+          <p:cNvSpPr>
+            <a:spLocks noGrp="1"/>
+          </p:cNvSpPr>
+          <p:nvPr>
+            <p:ph type="body" sz="half" idx="18"/>
+          </p:nvPr>
+        </p:nvSpPr>
+        <p:spPr>
+          <a:xfrm>
+            <a:off x="685346" y="4480369"/>
+            <a:ext cx="2475738" cy="1310833"/>
+          </a:xfrm>
+        </p:spPr>
+        <p:txBody>
+          <a:bodyPr anchor="t">
+            <a:normAutofit/>
+          </a:bodyPr>
+          <a:lstStyle>
+            <a:lvl1pPr marL="0" indent="0" algn="ctr">
+              <a:buNone/>
+              <a:defRPr sz="1400"/>
+            </a:lvl1pPr>
+            <a:lvl2pPr marL="457200" indent="0">
+              <a:buNone/>
+              <a:defRPr sz="1200"/>
+            </a:lvl2pPr>
+            <a:lvl3pPr marL="914400" indent="0">
+              <a:buNone/>
+              <a:defRPr sz="1000"/>
+            </a:lvl3pPr>
+            <a:lvl4pPr marL="1371600" indent="0">
+              <a:buNone/>
+              <a:defRPr sz="900"/>
+            </a:lvl4pPr>
+            <a:lvl5pPr marL="1828800" indent="0">
+              <a:buNone/>
+              <a:defRPr sz="900"/>
+            </a:lvl5pPr>
+            <a:lvl6pPr marL="2286000" indent="0">
+              <a:buNone/>
+              <a:defRPr sz="900"/>
+            </a:lvl6pPr>
+            <a:lvl7pPr marL="2743200" indent="0">
+              <a:buNone/>
+              <a:defRPr sz="900"/>
+            </a:lvl7pPr>
+            <a:lvl8pPr marL="3200400" indent="0">
+              <a:buNone/>
+              <a:defRPr sz="900"/>
+            </a:lvl8pPr>
+            <a:lvl9pPr marL="3657600" indent="0">
+              <a:buNone/>
+              <a:defRPr sz="900"/>
+            </a:lvl9pPr>
+          </a:lstStyle>
+          <a:p>
+            <a:pPr lvl="0"/>
+            <a:r>
+              <a:rPr lang="en-US"/>
+              <a:t>Click to edit Master text styles</a:t>
+            </a:r>
+          </a:p>
+        </p:txBody>
+      </p:sp>
+      <p:sp>
+        <p:nvSpPr>
+          <p:cNvPr id="22" name="Text Placeholder 4"/>
+          <p:cNvSpPr>
+            <a:spLocks noGrp="1"/>
+          </p:cNvSpPr>
+          <p:nvPr>
+            <p:ph type="body" sz="quarter" idx="3"/>
+          </p:nvPr>
+        </p:nvSpPr>
+        <p:spPr>
+          <a:xfrm>
+            <a:off x="3332091" y="3904106"/>
+            <a:ext cx="2475738" cy="576262"/>
+          </a:xfrm>
+        </p:spPr>
+        <p:txBody>
+          <a:bodyPr anchor="b">
+            <a:noAutofit/>
+          </a:bodyPr>
+          <a:lstStyle>
+            <a:lvl1pPr marL="0" indent="0" algn="ctr">
+              <a:buNone/>
+              <a:defRPr sz="2000" b="0">
+                <a:solidFill>
+                  <a:schemeClr val="tx1"/>
+                </a:solidFill>
+              </a:defRPr>
+            </a:lvl1pPr>
+            <a:lvl2pPr marL="457200" indent="0">
+              <a:buNone/>
+              <a:defRPr sz="2000" b="1"/>
+            </a:lvl2pPr>
+            <a:lvl3pPr marL="914400" indent="0">
+              <a:buNone/>
+              <a:defRPr sz="1800" b="1"/>
+            </a:lvl3pPr>
+            <a:lvl4pPr marL="1371600" indent="0">
+              <a:buNone/>
+              <a:defRPr sz="1600" b="1"/>
+            </a:lvl4pPr>
+            <a:lvl5pPr marL="1828800" indent="0">
+              <a:buNone/>
+              <a:defRPr sz="1600" b="1"/>
+            </a:lvl5pPr>
+            <a:lvl6pPr marL="2286000" indent="0">
+              <a:buNone/>
+              <a:defRPr sz="1600" b="1"/>
+            </a:lvl6pPr>
+            <a:lvl7pPr marL="2743200" indent="0">
+              <a:buNone/>
+              <a:defRPr sz="1600" b="1"/>
+            </a:lvl7pPr>
+            <a:lvl8pPr marL="3200400" indent="0">
+              <a:buNone/>
+              <a:defRPr sz="1600" b="1"/>
+            </a:lvl8pPr>
+            <a:lvl9pPr marL="3657600" indent="0">
+              <a:buNone/>
+              <a:defRPr sz="1600" b="1"/>
+            </a:lvl9pPr>
+          </a:lstStyle>
+          <a:p>
+            <a:pPr lvl="0"/>
+            <a:r>
+              <a:rPr lang="en-US"/>
+              <a:t>Click to edit Master text styles</a:t>
+            </a:r>
+          </a:p>
+        </p:txBody>
+      </p:sp>
+      <p:sp>
+        <p:nvSpPr>
+          <p:cNvPr id="23" name="Picture Placeholder 2"/>
+          <p:cNvSpPr>
+            <a:spLocks noGrp="1" noChangeAspect="1"/>
+          </p:cNvSpPr>
+          <p:nvPr>
+            <p:ph type="pic" idx="21"/>
+          </p:nvPr>
+        </p:nvSpPr>
+        <p:spPr>
+          <a:xfrm>
+            <a:off x="3409307" y="1939094"/>
+            <a:ext cx="2319276" cy="1608164"/>
+          </a:xfrm>
+          <a:prstGeom prst="roundRect">
+            <a:avLst>
+              <a:gd name="adj" fmla="val 1858"/>
+            </a:avLst>
+          </a:prstGeom>
+          <a:effectLst>
+            <a:outerShdw blurRad="38100" dist="25400" dir="4440000">
+              <a:srgbClr val="000000">
+                <a:alpha val="36000"/>
+              </a:srgbClr>
+            </a:outerShdw>
+          </a:effectLst>
+        </p:spPr>
+        <p:txBody>
+          <a:bodyPr anchor="t">
+            <a:normAutofit/>
+          </a:bodyPr>
+          <a:lstStyle>
+            <a:lvl1pPr marL="0" indent="0" algn="ctr">
+              <a:buNone/>
+              <a:defRPr sz="1600"/>
+            </a:lvl1pPr>
+            <a:lvl2pPr marL="457200" indent="0">
+              <a:buNone/>
+              <a:defRPr sz="1600"/>
+            </a:lvl2pPr>
+            <a:lvl3pPr marL="914400" indent="0">
+              <a:buNone/>
+              <a:defRPr sz="1600"/>
+            </a:lvl3pPr>
+            <a:lvl4pPr marL="1371600" indent="0">
+              <a:buNone/>
+              <a:defRPr sz="1600"/>
+            </a:lvl4pPr>
+            <a:lvl5pPr marL="1828800" indent="0">
+              <a:buNone/>
+              <a:defRPr sz="1600"/>
+            </a:lvl5pPr>
+            <a:lvl6pPr marL="2286000" indent="0">
+              <a:buNone/>
+              <a:defRPr sz="1600"/>
+            </a:lvl6pPr>
+            <a:lvl7pPr marL="2743200" indent="0">
+              <a:buNone/>
+              <a:defRPr sz="1600"/>
+            </a:lvl7pPr>
+            <a:lvl8pPr marL="3200400" indent="0">
+              <a:buNone/>
+              <a:defRPr sz="1600"/>
+            </a:lvl8pPr>
+            <a:lvl9pPr marL="3657600" indent="0">
+              <a:buNone/>
+              <a:defRPr sz="1600"/>
+            </a:lvl9pPr>
+          </a:lstStyle>
+          <a:p>
+            <a:r>
+              <a:rPr lang="en-US"/>
+              <a:t>Click icon to add picture</a:t>
+            </a:r>
+            <a:endParaRPr lang="en-US" dirty="0"/>
+          </a:p>
+        </p:txBody>
+      </p:sp>
+      <p:sp>
+        <p:nvSpPr>
+          <p:cNvPr id="24" name="Text Placeholder 3"/>
+          <p:cNvSpPr>
+            <a:spLocks noGrp="1"/>
+          </p:cNvSpPr>
+          <p:nvPr>
+            <p:ph type="body" sz="half" idx="19"/>
+          </p:nvPr>
+        </p:nvSpPr>
+        <p:spPr>
+          <a:xfrm>
+            <a:off x="3331075" y="4480368"/>
+            <a:ext cx="2476753" cy="1310833"/>
+          </a:xfrm>
+        </p:spPr>
+        <p:txBody>
+          <a:bodyPr anchor="t">
+            <a:normAutofit/>
+          </a:bodyPr>
+          <a:lstStyle>
+            <a:lvl1pPr marL="0" indent="0" algn="ctr">
+              <a:buNone/>
+              <a:defRPr sz="1400"/>
+            </a:lvl1pPr>
+            <a:lvl2pPr marL="457200" indent="0">
+              <a:buNone/>
+              <a:defRPr sz="1200"/>
+            </a:lvl2pPr>
+            <a:lvl3pPr marL="914400" indent="0">
+              <a:buNone/>
+              <a:defRPr sz="1000"/>
+            </a:lvl3pPr>
+            <a:lvl4pPr marL="1371600" indent="0">
+              <a:buNone/>
+              <a:defRPr sz="900"/>
+            </a:lvl4pPr>
+            <a:lvl5pPr marL="1828800" indent="0">
+              <a:buNone/>
+              <a:defRPr sz="900"/>
+            </a:lvl5pPr>
+            <a:lvl6pPr marL="2286000" indent="0">
+              <a:buNone/>
+              <a:defRPr sz="900"/>
+            </a:lvl6pPr>
+            <a:lvl7pPr marL="2743200" indent="0">
+              <a:buNone/>
+              <a:defRPr sz="900"/>
+            </a:lvl7pPr>
+            <a:lvl8pPr marL="3200400" indent="0">
+              <a:buNone/>
+              <a:defRPr sz="900"/>
+            </a:lvl8pPr>
+            <a:lvl9pPr marL="3657600" indent="0">
+              <a:buNone/>
+              <a:defRPr sz="900"/>
+            </a:lvl9pPr>
+          </a:lstStyle>
+          <a:p>
+            <a:pPr lvl="0"/>
+            <a:r>
+              <a:rPr lang="en-US"/>
+              <a:t>Click to edit Master text styles</a:t>
+            </a:r>
+          </a:p>
+        </p:txBody>
+      </p:sp>
+      <p:sp>
+        <p:nvSpPr>
+          <p:cNvPr id="25" name="Text Placeholder 4"/>
+          <p:cNvSpPr>
+            <a:spLocks noGrp="1"/>
+          </p:cNvSpPr>
+          <p:nvPr>
+            <p:ph type="body" sz="quarter" idx="13"/>
+          </p:nvPr>
+        </p:nvSpPr>
+        <p:spPr>
+          <a:xfrm>
+            <a:off x="5975023" y="3904106"/>
+            <a:ext cx="2475738" cy="576262"/>
+          </a:xfrm>
+        </p:spPr>
+        <p:txBody>
+          <a:bodyPr anchor="b">
+            <a:noAutofit/>
+          </a:bodyPr>
+          <a:lstStyle>
+            <a:lvl1pPr marL="0" indent="0" algn="ctr">
+              <a:buNone/>
+              <a:defRPr sz="2000" b="0">
+                <a:solidFill>
+                  <a:schemeClr val="tx1"/>
+                </a:solidFill>
+              </a:defRPr>
+            </a:lvl1pPr>
+            <a:lvl2pPr marL="457200" indent="0">
+              <a:buNone/>
+              <a:defRPr sz="2000" b="1"/>
+            </a:lvl2pPr>
+            <a:lvl3pPr marL="914400" indent="0">
+              <a:buNone/>
+              <a:defRPr sz="1800" b="1"/>
+            </a:lvl3pPr>
+            <a:lvl4pPr marL="1371600" indent="0">
+              <a:buNone/>
+              <a:defRPr sz="1600" b="1"/>
+            </a:lvl4pPr>
+            <a:lvl5pPr marL="1828800" indent="0">
+              <a:buNone/>
+              <a:defRPr sz="1600" b="1"/>
+            </a:lvl5pPr>
+            <a:lvl6pPr marL="2286000" indent="0">
+              <a:buNone/>
+              <a:defRPr sz="1600" b="1"/>
+            </a:lvl6pPr>
+            <a:lvl7pPr marL="2743200" indent="0">
+              <a:buNone/>
+              <a:defRPr sz="1600" b="1"/>
+            </a:lvl7pPr>
+            <a:lvl8pPr marL="3200400" indent="0">
+              <a:buNone/>
+              <a:defRPr sz="1600" b="1"/>
+            </a:lvl8pPr>
+            <a:lvl9pPr marL="3657600" indent="0">
+              <a:buNone/>
+              <a:defRPr sz="1600" b="1"/>
+            </a:lvl9pPr>
+          </a:lstStyle>
+          <a:p>
+            <a:pPr lvl="0"/>
+            <a:r>
+              <a:rPr lang="en-US"/>
+              <a:t>Click to edit Master text styles</a:t>
+            </a:r>
+          </a:p>
+        </p:txBody>
+      </p:sp>
+      <p:sp>
+        <p:nvSpPr>
+          <p:cNvPr id="26" name="Picture Placeholder 2"/>
+          <p:cNvSpPr>
+            <a:spLocks noGrp="1" noChangeAspect="1"/>
+          </p:cNvSpPr>
+          <p:nvPr>
+            <p:ph type="pic" idx="22"/>
+          </p:nvPr>
+        </p:nvSpPr>
+        <p:spPr>
+          <a:xfrm>
+            <a:off x="6056774" y="1934432"/>
+            <a:ext cx="2319276" cy="1607294"/>
+          </a:xfrm>
+          <a:prstGeom prst="roundRect">
+            <a:avLst>
+              <a:gd name="adj" fmla="val 1858"/>
+            </a:avLst>
+          </a:prstGeom>
+          <a:effectLst>
+            <a:outerShdw blurRad="38100" dist="25400" dir="4440000">
+              <a:srgbClr val="000000">
+                <a:alpha val="36000"/>
+              </a:srgbClr>
+            </a:outerShdw>
+          </a:effectLst>
+        </p:spPr>
+        <p:txBody>
+          <a:bodyPr anchor="t">
+            <a:normAutofit/>
+          </a:bodyPr>
+          <a:lstStyle>
+            <a:lvl1pPr marL="0" indent="0" algn="ctr">
+              <a:buNone/>
+              <a:defRPr sz="1600"/>
+            </a:lvl1pPr>
+            <a:lvl2pPr marL="457200" indent="0">
+              <a:buNone/>
+              <a:defRPr sz="1600"/>
+            </a:lvl2pPr>
+            <a:lvl3pPr marL="914400" indent="0">
+              <a:buNone/>
+              <a:defRPr sz="1600"/>
+            </a:lvl3pPr>
+            <a:lvl4pPr marL="1371600" indent="0">
+              <a:buNone/>
+              <a:defRPr sz="1600"/>
+            </a:lvl4pPr>
+            <a:lvl5pPr marL="1828800" indent="0">
+              <a:buNone/>
+              <a:defRPr sz="1600"/>
+            </a:lvl5pPr>
+            <a:lvl6pPr marL="2286000" indent="0">
+              <a:buNone/>
+              <a:defRPr sz="1600"/>
+            </a:lvl6pPr>
+            <a:lvl7pPr marL="2743200" indent="0">
+              <a:buNone/>
+              <a:defRPr sz="1600"/>
+            </a:lvl7pPr>
+            <a:lvl8pPr marL="3200400" indent="0">
+              <a:buNone/>
+              <a:defRPr sz="1600"/>
+            </a:lvl8pPr>
+            <a:lvl9pPr marL="3657600" indent="0">
+              <a:buNone/>
+              <a:defRPr sz="1600"/>
+            </a:lvl9pPr>
+          </a:lstStyle>
+          <a:p>
+            <a:r>
+              <a:rPr lang="en-US"/>
+              <a:t>Click icon to add picture</a:t>
+            </a:r>
+            <a:endParaRPr lang="en-US" dirty="0"/>
+          </a:p>
+        </p:txBody>
+      </p:sp>
+      <p:sp>
+        <p:nvSpPr>
+          <p:cNvPr id="27" name="Text Placeholder 3"/>
+          <p:cNvSpPr>
+            <a:spLocks noGrp="1"/>
+          </p:cNvSpPr>
+          <p:nvPr>
+            <p:ph type="body" sz="half" idx="20"/>
+          </p:nvPr>
+        </p:nvSpPr>
+        <p:spPr>
+          <a:xfrm>
+            <a:off x="5974929" y="4480366"/>
+            <a:ext cx="2475738" cy="1310835"/>
+          </a:xfrm>
+        </p:spPr>
+        <p:txBody>
+          <a:bodyPr anchor="t">
+            <a:normAutofit/>
+          </a:bodyPr>
+          <a:lstStyle>
+            <a:lvl1pPr marL="0" indent="0" algn="ctr">
+              <a:buNone/>
+              <a:defRPr sz="1400"/>
+            </a:lvl1pPr>
+            <a:lvl2pPr marL="457200" indent="0">
+              <a:buNone/>
+              <a:defRPr sz="1200"/>
+            </a:lvl2pPr>
+            <a:lvl3pPr marL="914400" indent="0">
+              <a:buNone/>
+              <a:defRPr sz="1000"/>
+            </a:lvl3pPr>
+            <a:lvl4pPr marL="1371600" indent="0">
+              <a:buNone/>
+              <a:defRPr sz="900"/>
+            </a:lvl4pPr>
+            <a:lvl5pPr marL="1828800" indent="0">
+              <a:buNone/>
+              <a:defRPr sz="900"/>
+            </a:lvl5pPr>
+            <a:lvl6pPr marL="2286000" indent="0">
+              <a:buNone/>
+              <a:defRPr sz="900"/>
+            </a:lvl6pPr>
+            <a:lvl7pPr marL="2743200" indent="0">
+              <a:buNone/>
+              <a:defRPr sz="900"/>
+            </a:lvl7pPr>
+            <a:lvl8pPr marL="3200400" indent="0">
+              <a:buNone/>
+              <a:defRPr sz="900"/>
+            </a:lvl8pPr>
+            <a:lvl9pPr marL="3657600" indent="0">
+              <a:buNone/>
+              <a:defRPr sz="900"/>
+            </a:lvl9pPr>
+          </a:lstStyle>
+          <a:p>
+            <a:pPr lvl="0"/>
+            <a:r>
+              <a:rPr lang="en-US"/>
+              <a:t>Click to edit Master text styles</a:t>
+            </a:r>
+          </a:p>
+        </p:txBody>
+      </p:sp>
+      <p:sp>
+        <p:nvSpPr>
+          <p:cNvPr id="3" name="Date Placeholder 2"/>
+          <p:cNvSpPr>
+            <a:spLocks noGrp="1"/>
+          </p:cNvSpPr>
+          <p:nvPr>
+            <p:ph type="dt" sz="half" idx="10"/>
+          </p:nvPr>
+        </p:nvSpPr>
+        <p:spPr/>
+        <p:txBody>
+          <a:bodyPr/>
+          <a:lstStyle/>
+          <a:p>
+            <a:fld id="{5BCAD085-E8A6-8845-BD4E-CB4CCA059FC4}" type="datetimeFigureOut">
+              <a:rPr lang="en-US" smtClean="0"/>
+              <a:t>10/18/2025</a:t>
+            </a:fld>
+            <a:endParaRPr lang="en-US"/>
+          </a:p>
+        </p:txBody>
+      </p:sp>
+      <p:sp>
+        <p:nvSpPr>
+          <p:cNvPr id="4" name="Footer Placeholder 3"/>
+          <p:cNvSpPr>
+            <a:spLocks noGrp="1"/>
+          </p:cNvSpPr>
+          <p:nvPr>
+            <p:ph type="ftr" sz="quarter" idx="11"/>
+          </p:nvPr>
+        </p:nvSpPr>
+        <p:spPr/>
+        <p:txBody>
+          <a:bodyPr/>
+          <a:lstStyle/>
+          <a:p>
+            <a:endParaRPr lang="en-US"/>
+          </a:p>
+        </p:txBody>
+      </p:sp>
+      <p:sp>
+        <p:nvSpPr>
+          <p:cNvPr id="5" name="Slide Number Placeholder 4"/>
+          <p:cNvSpPr>
+            <a:spLocks noGrp="1"/>
+          </p:cNvSpPr>
+          <p:nvPr>
+            <p:ph type="sldNum" sz="quarter" idx="12"/>
+          </p:nvPr>
+        </p:nvSpPr>
+        <p:spPr/>
+        <p:txBody>
+          <a:bodyPr/>
+          <a:lstStyle/>
+          <a:p>
+            <a:fld id="{C1FF6DA9-008F-8B48-92A6-B652298478BF}" type="slidenum">
+              <a:rPr lang="en-US" smtClean="0"/>
+              <a:t>‹#›</a:t>
+            </a:fld>
+            <a:endParaRPr lang="en-US"/>
+          </a:p>
+        </p:txBody>
+      </p:sp>
+    </p:spTree>
+    <p:extLst>
+      <p:ext uri="{BB962C8B-B14F-4D97-AF65-F5344CB8AC3E}">
+        <p14:creationId xmlns:p14="http://schemas.microsoft.com/office/powerpoint/2010/main" val="3739804696"/>
+      </p:ext>
+    </p:extLst>
+  </p:cSld>
+  <p:clrMapOvr>
+    <a:masterClrMapping/>
+  </p:clrMapOvr>
+</p:sldLayout>
+</file>
+
+<file path=ppt/slideLayouts/slideLayout16.xml><?xml version="1.0" encoding="utf-8"?>
 <p:sldLayout xmlns:a="http://schemas.openxmlformats.org/drawingml/2006/main" xmlns:r="http://schemas.openxmlformats.org/officeDocument/2006/relationships" xmlns:p="http://schemas.openxmlformats.org/presentationml/2006/main" type="vertTx" preserve="1">
   <p:cSld name="Title and Vertical Text">
     <p:spTree>
@@ -2507,6 +5091,7 @@
               <a:rPr lang="en-US"/>
               <a:t>Click to edit Master title style</a:t>
             </a:r>
+            <a:endParaRPr lang="en-US" dirty="0"/>
           </a:p>
         </p:txBody>
       </p:sp>
@@ -2522,7 +5107,7 @@
         </p:nvSpPr>
         <p:spPr/>
         <p:txBody>
-          <a:bodyPr vert="eaVert"/>
+          <a:bodyPr vert="eaVert" anchor="t"/>
           <a:lstStyle/>
           <a:p>
             <a:pPr lvl="0"/>
@@ -2558,6 +5143,7 @@
               <a:rPr lang="en-US"/>
               <a:t>Fifth level</a:t>
             </a:r>
+            <a:endParaRPr lang="en-US" dirty="0"/>
           </a:p>
         </p:txBody>
       </p:sp>
@@ -2629,7 +5215,7 @@
     </p:spTree>
     <p:extLst>
       <p:ext uri="{BB962C8B-B14F-4D97-AF65-F5344CB8AC3E}">
-        <p14:creationId xmlns:p14="http://schemas.microsoft.com/office/powerpoint/2010/main" val="2910927964"/>
+        <p14:creationId xmlns:p14="http://schemas.microsoft.com/office/powerpoint/2010/main" val="1145465524"/>
       </p:ext>
     </p:extLst>
   </p:cSld>
@@ -2639,7 +5225,7 @@
 </p:sldLayout>
 </file>
 
-<file path=ppt/slideLayouts/slideLayout11.xml><?xml version="1.0" encoding="utf-8"?>
+<file path=ppt/slideLayouts/slideLayout17.xml><?xml version="1.0" encoding="utf-8"?>
 <p:sldLayout xmlns:a="http://schemas.openxmlformats.org/drawingml/2006/main" xmlns:r="http://schemas.openxmlformats.org/officeDocument/2006/relationships" xmlns:p="http://schemas.openxmlformats.org/presentationml/2006/main" type="vertTitleAndTx" preserve="1">
   <p:cSld name="Vertical Title and Text">
     <p:spTree>
@@ -2668,18 +5254,23 @@
         </p:nvSpPr>
         <p:spPr>
           <a:xfrm>
-            <a:off x="6629400" y="274638"/>
-            <a:ext cx="2057400" cy="5851525"/>
+            <a:off x="6737302" y="609600"/>
+            <a:ext cx="1713365" cy="5181601"/>
           </a:xfrm>
         </p:spPr>
         <p:txBody>
           <a:bodyPr vert="eaVert"/>
-          <a:lstStyle/>
+          <a:lstStyle>
+            <a:lvl1pPr algn="l">
+              <a:defRPr/>
+            </a:lvl1pPr>
+          </a:lstStyle>
           <a:p>
             <a:r>
               <a:rPr lang="en-US"/>
               <a:t>Click to edit Master title style</a:t>
             </a:r>
+            <a:endParaRPr lang="en-US" dirty="0"/>
           </a:p>
         </p:txBody>
       </p:sp>
@@ -2695,12 +5286,12 @@
         </p:nvSpPr>
         <p:spPr>
           <a:xfrm>
-            <a:off x="457200" y="274638"/>
-            <a:ext cx="6019800" cy="5851525"/>
+            <a:off x="685347" y="609600"/>
+            <a:ext cx="5937654" cy="5181601"/>
           </a:xfrm>
         </p:spPr>
         <p:txBody>
-          <a:bodyPr vert="eaVert"/>
+          <a:bodyPr vert="eaVert" anchor="t"/>
           <a:lstStyle/>
           <a:p>
             <a:pPr lvl="0"/>
@@ -2736,6 +5327,7 @@
               <a:rPr lang="en-US"/>
               <a:t>Fifth level</a:t>
             </a:r>
+            <a:endParaRPr lang="en-US" dirty="0"/>
           </a:p>
         </p:txBody>
       </p:sp>
@@ -2807,7 +5399,7 @@
     </p:spTree>
     <p:extLst>
       <p:ext uri="{BB962C8B-B14F-4D97-AF65-F5344CB8AC3E}">
-        <p14:creationId xmlns:p14="http://schemas.microsoft.com/office/powerpoint/2010/main" val="3612223792"/>
+        <p14:creationId xmlns:p14="http://schemas.microsoft.com/office/powerpoint/2010/main" val="2381610268"/>
       </p:ext>
     </p:extLst>
   </p:cSld>
@@ -2853,6 +5445,7 @@
               <a:rPr lang="en-US"/>
               <a:t>Click to edit Master title style</a:t>
             </a:r>
+            <a:endParaRPr lang="en-US" dirty="0"/>
           </a:p>
         </p:txBody>
       </p:sp>
@@ -2904,6 +5497,7 @@
               <a:rPr lang="en-US"/>
               <a:t>Fifth level</a:t>
             </a:r>
+            <a:endParaRPr lang="en-US" dirty="0"/>
           </a:p>
         </p:txBody>
       </p:sp>
@@ -2975,7 +5569,7 @@
     </p:spTree>
     <p:extLst>
       <p:ext uri="{BB962C8B-B14F-4D97-AF65-F5344CB8AC3E}">
-        <p14:creationId xmlns:p14="http://schemas.microsoft.com/office/powerpoint/2010/main" val="2614314258"/>
+        <p14:creationId xmlns:p14="http://schemas.microsoft.com/office/powerpoint/2010/main" val="3956880491"/>
       </p:ext>
     </p:extLst>
   </p:cSld>
@@ -3014,51 +5608,50 @@
         </p:nvSpPr>
         <p:spPr>
           <a:xfrm>
-            <a:off x="722313" y="4406900"/>
-            <a:ext cx="7772400" cy="1362075"/>
+            <a:off x="971551" y="1761068"/>
+            <a:ext cx="7192913" cy="1828813"/>
           </a:xfrm>
         </p:spPr>
         <p:txBody>
+          <a:bodyPr anchor="b"/>
+          <a:lstStyle>
+            <a:lvl1pPr algn="ctr">
+              <a:defRPr sz="4000" b="0" cap="none"/>
+            </a:lvl1pPr>
+          </a:lstStyle>
+          <a:p>
+            <a:r>
+              <a:rPr lang="en-US"/>
+              <a:t>Click to edit Master title style</a:t>
+            </a:r>
+            <a:endParaRPr lang="en-US" dirty="0"/>
+          </a:p>
+        </p:txBody>
+      </p:sp>
+      <p:sp>
+        <p:nvSpPr>
+          <p:cNvPr id="3" name="Text Placeholder 2"/>
+          <p:cNvSpPr>
+            <a:spLocks noGrp="1"/>
+          </p:cNvSpPr>
+          <p:nvPr>
+            <p:ph type="body" idx="1"/>
+          </p:nvPr>
+        </p:nvSpPr>
+        <p:spPr>
+          <a:xfrm>
+            <a:off x="971551" y="3589879"/>
+            <a:ext cx="7192913" cy="1507054"/>
+          </a:xfrm>
+        </p:spPr>
+        <p:txBody>
           <a:bodyPr anchor="t"/>
           <a:lstStyle>
-            <a:lvl1pPr algn="l">
-              <a:defRPr sz="4000" b="1" cap="all"/>
-            </a:lvl1pPr>
-          </a:lstStyle>
-          <a:p>
-            <a:r>
-              <a:rPr lang="en-US"/>
-              <a:t>Click to edit Master title style</a:t>
-            </a:r>
-          </a:p>
-        </p:txBody>
-      </p:sp>
-      <p:sp>
-        <p:nvSpPr>
-          <p:cNvPr id="3" name="Text Placeholder 2"/>
-          <p:cNvSpPr>
-            <a:spLocks noGrp="1"/>
-          </p:cNvSpPr>
-          <p:nvPr>
-            <p:ph type="body" idx="1"/>
-          </p:nvPr>
-        </p:nvSpPr>
-        <p:spPr>
-          <a:xfrm>
-            <a:off x="722313" y="2906713"/>
-            <a:ext cx="7772400" cy="1500187"/>
-          </a:xfrm>
-        </p:spPr>
-        <p:txBody>
-          <a:bodyPr anchor="b"/>
-          <a:lstStyle>
-            <a:lvl1pPr marL="0" indent="0">
+            <a:lvl1pPr marL="0" indent="0" algn="ctr">
               <a:buNone/>
               <a:defRPr sz="2000">
                 <a:solidFill>
-                  <a:schemeClr val="tx1">
-                    <a:tint val="75000"/>
-                  </a:schemeClr>
+                  <a:schemeClr val="tx1"/>
                 </a:solidFill>
               </a:defRPr>
             </a:lvl1pPr>
@@ -3220,7 +5813,7 @@
     </p:spTree>
     <p:extLst>
       <p:ext uri="{BB962C8B-B14F-4D97-AF65-F5344CB8AC3E}">
-        <p14:creationId xmlns:p14="http://schemas.microsoft.com/office/powerpoint/2010/main" val="960648375"/>
+        <p14:creationId xmlns:p14="http://schemas.microsoft.com/office/powerpoint/2010/main" val="1430284389"/>
       </p:ext>
     </p:extLst>
   </p:cSld>
@@ -3266,6 +5859,7 @@
               <a:rPr lang="en-US"/>
               <a:t>Click to edit Master title style</a:t>
             </a:r>
+            <a:endParaRPr lang="en-US" dirty="0"/>
           </a:p>
         </p:txBody>
       </p:sp>
@@ -3281,41 +5875,15 @@
         </p:nvSpPr>
         <p:spPr>
           <a:xfrm>
-            <a:off x="457200" y="1600200"/>
-            <a:ext cx="4038600" cy="4525963"/>
+            <a:off x="685347" y="1732449"/>
+            <a:ext cx="3795373" cy="4058750"/>
           </a:xfrm>
         </p:spPr>
         <p:txBody>
-          <a:bodyPr/>
-          <a:lstStyle>
-            <a:lvl1pPr>
-              <a:defRPr sz="2800"/>
-            </a:lvl1pPr>
-            <a:lvl2pPr>
-              <a:defRPr sz="2400"/>
-            </a:lvl2pPr>
-            <a:lvl3pPr>
-              <a:defRPr sz="2000"/>
-            </a:lvl3pPr>
-            <a:lvl4pPr>
-              <a:defRPr sz="1800"/>
-            </a:lvl4pPr>
-            <a:lvl5pPr>
-              <a:defRPr sz="1800"/>
-            </a:lvl5pPr>
-            <a:lvl6pPr>
-              <a:defRPr sz="1800"/>
-            </a:lvl6pPr>
-            <a:lvl7pPr>
-              <a:defRPr sz="1800"/>
-            </a:lvl7pPr>
-            <a:lvl8pPr>
-              <a:defRPr sz="1800"/>
-            </a:lvl8pPr>
-            <a:lvl9pPr>
-              <a:defRPr sz="1800"/>
-            </a:lvl9pPr>
-          </a:lstStyle>
+          <a:bodyPr anchor="t">
+            <a:normAutofit/>
+          </a:bodyPr>
+          <a:lstStyle/>
           <a:p>
             <a:pPr lvl="0"/>
             <a:r>
@@ -3350,6 +5918,7 @@
               <a:rPr lang="en-US"/>
               <a:t>Fifth level</a:t>
             </a:r>
+            <a:endParaRPr lang="en-US" dirty="0"/>
           </a:p>
         </p:txBody>
       </p:sp>
@@ -3365,41 +5934,15 @@
         </p:nvSpPr>
         <p:spPr>
           <a:xfrm>
-            <a:off x="4648200" y="1600200"/>
-            <a:ext cx="4038600" cy="4525963"/>
+            <a:off x="4652169" y="1732450"/>
+            <a:ext cx="3798499" cy="4058751"/>
           </a:xfrm>
         </p:spPr>
         <p:txBody>
-          <a:bodyPr/>
-          <a:lstStyle>
-            <a:lvl1pPr>
-              <a:defRPr sz="2800"/>
-            </a:lvl1pPr>
-            <a:lvl2pPr>
-              <a:defRPr sz="2400"/>
-            </a:lvl2pPr>
-            <a:lvl3pPr>
-              <a:defRPr sz="2000"/>
-            </a:lvl3pPr>
-            <a:lvl4pPr>
-              <a:defRPr sz="1800"/>
-            </a:lvl4pPr>
-            <a:lvl5pPr>
-              <a:defRPr sz="1800"/>
-            </a:lvl5pPr>
-            <a:lvl6pPr>
-              <a:defRPr sz="1800"/>
-            </a:lvl6pPr>
-            <a:lvl7pPr>
-              <a:defRPr sz="1800"/>
-            </a:lvl7pPr>
-            <a:lvl8pPr>
-              <a:defRPr sz="1800"/>
-            </a:lvl8pPr>
-            <a:lvl9pPr>
-              <a:defRPr sz="1800"/>
-            </a:lvl9pPr>
-          </a:lstStyle>
+          <a:bodyPr anchor="t">
+            <a:normAutofit/>
+          </a:bodyPr>
+          <a:lstStyle/>
           <a:p>
             <a:pPr lvl="0"/>
             <a:r>
@@ -3434,6 +5977,7 @@
               <a:rPr lang="en-US"/>
               <a:t>Fifth level</a:t>
             </a:r>
+            <a:endParaRPr lang="en-US" dirty="0"/>
           </a:p>
         </p:txBody>
       </p:sp>
@@ -3505,7 +6049,7 @@
     </p:spTree>
     <p:extLst>
       <p:ext uri="{BB962C8B-B14F-4D97-AF65-F5344CB8AC3E}">
-        <p14:creationId xmlns:p14="http://schemas.microsoft.com/office/powerpoint/2010/main" val="2782244947"/>
+        <p14:creationId xmlns:p14="http://schemas.microsoft.com/office/powerpoint/2010/main" val="3127268373"/>
       </p:ext>
     </p:extLst>
   </p:cSld>
@@ -3532,6 +6076,66 @@
           <a:chExt cx="0" cy="0"/>
         </a:xfrm>
       </p:grpSpPr>
+      <p:pic>
+        <p:nvPicPr>
+          <p:cNvPr id="10" name="Picture 9" descr="Slate-V2-SD-compPhotoInset.png"/>
+          <p:cNvPicPr>
+            <a:picLocks noChangeAspect="1"/>
+          </p:cNvPicPr>
+          <p:nvPr/>
+        </p:nvPicPr>
+        <p:blipFill>
+          <a:blip r:embed="rId2">
+            <a:extLst>
+              <a:ext uri="{28A0092B-C50C-407E-A947-70E740481C1C}">
+                <a14:useLocalDpi xmlns:a14="http://schemas.microsoft.com/office/drawing/2010/main" val="0"/>
+              </a:ext>
+            </a:extLst>
+          </a:blip>
+          <a:stretch>
+            <a:fillRect/>
+          </a:stretch>
+        </p:blipFill>
+        <p:spPr>
+          <a:xfrm>
+            <a:off x="685345" y="1770323"/>
+            <a:ext cx="3787423" cy="4112953"/>
+          </a:xfrm>
+          <a:prstGeom prst="rect">
+            <a:avLst/>
+          </a:prstGeom>
+        </p:spPr>
+      </p:pic>
+      <p:pic>
+        <p:nvPicPr>
+          <p:cNvPr id="14" name="Picture 13" descr="Slate-V2-SD-compPhotoInset.png"/>
+          <p:cNvPicPr>
+            <a:picLocks noChangeAspect="1"/>
+          </p:cNvPicPr>
+          <p:nvPr/>
+        </p:nvPicPr>
+        <p:blipFill>
+          <a:blip r:embed="rId2">
+            <a:extLst>
+              <a:ext uri="{28A0092B-C50C-407E-A947-70E740481C1C}">
+                <a14:useLocalDpi xmlns:a14="http://schemas.microsoft.com/office/drawing/2010/main" val="0"/>
+              </a:ext>
+            </a:extLst>
+          </a:blip>
+          <a:stretch>
+            <a:fillRect/>
+          </a:stretch>
+        </p:blipFill>
+        <p:spPr>
+          <a:xfrm>
+            <a:off x="4663245" y="1770323"/>
+            <a:ext cx="3787423" cy="4112953"/>
+          </a:xfrm>
+          <a:prstGeom prst="rect">
+            <a:avLst/>
+          </a:prstGeom>
+        </p:spPr>
+      </p:pic>
       <p:sp>
         <p:nvSpPr>
           <p:cNvPr id="2" name="Title 1"/>
@@ -3555,6 +6159,7 @@
               <a:rPr lang="en-US"/>
               <a:t>Click to edit Master title style</a:t>
             </a:r>
+            <a:endParaRPr lang="en-US" dirty="0"/>
           </a:p>
         </p:txBody>
       </p:sp>
@@ -3570,16 +6175,18 @@
         </p:nvSpPr>
         <p:spPr>
           <a:xfrm>
-            <a:off x="457200" y="1535113"/>
-            <a:ext cx="4040188" cy="639762"/>
+            <a:off x="754404" y="1835254"/>
+            <a:ext cx="3657258" cy="544884"/>
           </a:xfrm>
         </p:spPr>
         <p:txBody>
-          <a:bodyPr anchor="b"/>
+          <a:bodyPr anchor="b">
+            <a:noAutofit/>
+          </a:bodyPr>
           <a:lstStyle>
-            <a:lvl1pPr marL="0" indent="0">
-              <a:buNone/>
-              <a:defRPr sz="2400" b="1"/>
+            <a:lvl1pPr marL="0" indent="0" algn="ctr">
+              <a:buNone/>
+              <a:defRPr sz="2400" b="0"/>
             </a:lvl1pPr>
             <a:lvl2pPr marL="457200" indent="0">
               <a:buNone/>
@@ -3635,40 +6242,30 @@
         </p:nvSpPr>
         <p:spPr>
           <a:xfrm>
-            <a:off x="457200" y="2174875"/>
-            <a:ext cx="4040188" cy="3951288"/>
+            <a:off x="754404" y="2380138"/>
+            <a:ext cx="3657258" cy="3411063"/>
           </a:xfrm>
         </p:spPr>
         <p:txBody>
-          <a:bodyPr/>
+          <a:bodyPr anchor="t">
+            <a:normAutofit/>
+          </a:bodyPr>
           <a:lstStyle>
             <a:lvl1pPr>
-              <a:defRPr sz="2400"/>
+              <a:defRPr sz="1800"/>
             </a:lvl1pPr>
             <a:lvl2pPr>
-              <a:defRPr sz="2000"/>
+              <a:defRPr sz="1600"/>
             </a:lvl2pPr>
             <a:lvl3pPr>
-              <a:defRPr sz="1800"/>
+              <a:defRPr sz="1400"/>
             </a:lvl3pPr>
             <a:lvl4pPr>
-              <a:defRPr sz="1600"/>
+              <a:defRPr sz="1200"/>
             </a:lvl4pPr>
             <a:lvl5pPr>
-              <a:defRPr sz="1600"/>
+              <a:defRPr sz="1200"/>
             </a:lvl5pPr>
-            <a:lvl6pPr>
-              <a:defRPr sz="1600"/>
-            </a:lvl6pPr>
-            <a:lvl7pPr>
-              <a:defRPr sz="1600"/>
-            </a:lvl7pPr>
-            <a:lvl8pPr>
-              <a:defRPr sz="1600"/>
-            </a:lvl8pPr>
-            <a:lvl9pPr>
-              <a:defRPr sz="1600"/>
-            </a:lvl9pPr>
           </a:lstStyle>
           <a:p>
             <a:pPr lvl="0"/>
@@ -3704,6 +6301,7 @@
               <a:rPr lang="en-US"/>
               <a:t>Fifth level</a:t>
             </a:r>
+            <a:endParaRPr lang="en-US" dirty="0"/>
           </a:p>
         </p:txBody>
       </p:sp>
@@ -3719,16 +6317,18 @@
         </p:nvSpPr>
         <p:spPr>
           <a:xfrm>
-            <a:off x="4645025" y="1535113"/>
-            <a:ext cx="4041775" cy="639762"/>
+            <a:off x="4721225" y="1835255"/>
+            <a:ext cx="3671498" cy="544883"/>
           </a:xfrm>
         </p:spPr>
         <p:txBody>
-          <a:bodyPr anchor="b"/>
+          <a:bodyPr anchor="b">
+            <a:noAutofit/>
+          </a:bodyPr>
           <a:lstStyle>
-            <a:lvl1pPr marL="0" indent="0">
-              <a:buNone/>
-              <a:defRPr sz="2400" b="1"/>
+            <a:lvl1pPr marL="0" indent="0" algn="ctr">
+              <a:buNone/>
+              <a:defRPr sz="2400" b="0"/>
             </a:lvl1pPr>
             <a:lvl2pPr marL="457200" indent="0">
               <a:buNone/>
@@ -3784,40 +6384,30 @@
         </p:nvSpPr>
         <p:spPr>
           <a:xfrm>
-            <a:off x="4645025" y="2174875"/>
-            <a:ext cx="4041775" cy="3951288"/>
+            <a:off x="4721225" y="2380138"/>
+            <a:ext cx="3671498" cy="3411063"/>
           </a:xfrm>
         </p:spPr>
         <p:txBody>
-          <a:bodyPr/>
+          <a:bodyPr anchor="t">
+            <a:normAutofit/>
+          </a:bodyPr>
           <a:lstStyle>
             <a:lvl1pPr>
-              <a:defRPr sz="2400"/>
+              <a:defRPr sz="1800"/>
             </a:lvl1pPr>
             <a:lvl2pPr>
-              <a:defRPr sz="2000"/>
+              <a:defRPr sz="1600"/>
             </a:lvl2pPr>
             <a:lvl3pPr>
-              <a:defRPr sz="1800"/>
+              <a:defRPr sz="1400"/>
             </a:lvl3pPr>
             <a:lvl4pPr>
-              <a:defRPr sz="1600"/>
+              <a:defRPr sz="1200"/>
             </a:lvl4pPr>
             <a:lvl5pPr>
-              <a:defRPr sz="1600"/>
+              <a:defRPr sz="1200"/>
             </a:lvl5pPr>
-            <a:lvl6pPr>
-              <a:defRPr sz="1600"/>
-            </a:lvl6pPr>
-            <a:lvl7pPr>
-              <a:defRPr sz="1600"/>
-            </a:lvl7pPr>
-            <a:lvl8pPr>
-              <a:defRPr sz="1600"/>
-            </a:lvl8pPr>
-            <a:lvl9pPr>
-              <a:defRPr sz="1600"/>
-            </a:lvl9pPr>
           </a:lstStyle>
           <a:p>
             <a:pPr lvl="0"/>
@@ -3853,6 +6443,7 @@
               <a:rPr lang="en-US"/>
               <a:t>Fifth level</a:t>
             </a:r>
+            <a:endParaRPr lang="en-US" dirty="0"/>
           </a:p>
         </p:txBody>
       </p:sp>
@@ -3924,7 +6515,7 @@
     </p:spTree>
     <p:extLst>
       <p:ext uri="{BB962C8B-B14F-4D97-AF65-F5344CB8AC3E}">
-        <p14:creationId xmlns:p14="http://schemas.microsoft.com/office/powerpoint/2010/main" val="990158736"/>
+        <p14:creationId xmlns:p14="http://schemas.microsoft.com/office/powerpoint/2010/main" val="3673630040"/>
       </p:ext>
     </p:extLst>
   </p:cSld>
@@ -3970,6 +6561,7 @@
               <a:rPr lang="en-US"/>
               <a:t>Click to edit Master title style</a:t>
             </a:r>
+            <a:endParaRPr lang="en-US" dirty="0"/>
           </a:p>
         </p:txBody>
       </p:sp>
@@ -4041,7 +6633,7 @@
     </p:spTree>
     <p:extLst>
       <p:ext uri="{BB962C8B-B14F-4D97-AF65-F5344CB8AC3E}">
-        <p14:creationId xmlns:p14="http://schemas.microsoft.com/office/powerpoint/2010/main" val="727027711"/>
+        <p14:creationId xmlns:p14="http://schemas.microsoft.com/office/powerpoint/2010/main" val="664125823"/>
       </p:ext>
     </p:extLst>
   </p:cSld>
@@ -4136,7 +6728,7 @@
     </p:spTree>
     <p:extLst>
       <p:ext uri="{BB962C8B-B14F-4D97-AF65-F5344CB8AC3E}">
-        <p14:creationId xmlns:p14="http://schemas.microsoft.com/office/powerpoint/2010/main" val="1212999818"/>
+        <p14:creationId xmlns:p14="http://schemas.microsoft.com/office/powerpoint/2010/main" val="2560647435"/>
       </p:ext>
     </p:extLst>
   </p:cSld>
@@ -4175,15 +6767,17 @@
         </p:nvSpPr>
         <p:spPr>
           <a:xfrm>
-            <a:off x="457200" y="273050"/>
-            <a:ext cx="3008313" cy="1162050"/>
+            <a:off x="685347" y="609600"/>
+            <a:ext cx="2780167" cy="1821918"/>
           </a:xfrm>
         </p:spPr>
         <p:txBody>
-          <a:bodyPr anchor="b"/>
+          <a:bodyPr anchor="b">
+            <a:normAutofit/>
+          </a:bodyPr>
           <a:lstStyle>
-            <a:lvl1pPr algn="l">
-              <a:defRPr sz="2000" b="1"/>
+            <a:lvl1pPr algn="ctr">
+              <a:defRPr sz="2400" b="0"/>
             </a:lvl1pPr>
           </a:lstStyle>
           <a:p>
@@ -4191,6 +6785,7 @@
               <a:rPr lang="en-US"/>
               <a:t>Click to edit Master title style</a:t>
             </a:r>
+            <a:endParaRPr lang="en-US" dirty="0"/>
           </a:p>
         </p:txBody>
       </p:sp>
@@ -4206,41 +6801,15 @@
         </p:nvSpPr>
         <p:spPr>
           <a:xfrm>
-            <a:off x="3575050" y="273050"/>
-            <a:ext cx="5111750" cy="5853113"/>
+            <a:off x="3641725" y="609600"/>
+            <a:ext cx="4808943" cy="5181600"/>
           </a:xfrm>
         </p:spPr>
         <p:txBody>
-          <a:bodyPr/>
-          <a:lstStyle>
-            <a:lvl1pPr>
-              <a:defRPr sz="3200"/>
-            </a:lvl1pPr>
-            <a:lvl2pPr>
-              <a:defRPr sz="2800"/>
-            </a:lvl2pPr>
-            <a:lvl3pPr>
-              <a:defRPr sz="2400"/>
-            </a:lvl3pPr>
-            <a:lvl4pPr>
-              <a:defRPr sz="2000"/>
-            </a:lvl4pPr>
-            <a:lvl5pPr>
-              <a:defRPr sz="2000"/>
-            </a:lvl5pPr>
-            <a:lvl6pPr>
-              <a:defRPr sz="2000"/>
-            </a:lvl6pPr>
-            <a:lvl7pPr>
-              <a:defRPr sz="2000"/>
-            </a:lvl7pPr>
-            <a:lvl8pPr>
-              <a:defRPr sz="2000"/>
-            </a:lvl8pPr>
-            <a:lvl9pPr>
-              <a:defRPr sz="2000"/>
-            </a:lvl9pPr>
-          </a:lstStyle>
+          <a:bodyPr>
+            <a:normAutofit/>
+          </a:bodyPr>
+          <a:lstStyle/>
           <a:p>
             <a:pPr lvl="0"/>
             <a:r>
@@ -4275,6 +6844,7 @@
               <a:rPr lang="en-US"/>
               <a:t>Fifth level</a:t>
             </a:r>
+            <a:endParaRPr lang="en-US" dirty="0"/>
           </a:p>
         </p:txBody>
       </p:sp>
@@ -4290,16 +6860,18 @@
         </p:nvSpPr>
         <p:spPr>
           <a:xfrm>
-            <a:off x="457200" y="1435100"/>
-            <a:ext cx="3008313" cy="4691063"/>
+            <a:off x="685347" y="2431518"/>
+            <a:ext cx="2780167" cy="3359681"/>
           </a:xfrm>
         </p:spPr>
         <p:txBody>
-          <a:bodyPr/>
+          <a:bodyPr anchor="t">
+            <a:normAutofit/>
+          </a:bodyPr>
           <a:lstStyle>
-            <a:lvl1pPr marL="0" indent="0">
-              <a:buNone/>
-              <a:defRPr sz="1400"/>
+            <a:lvl1pPr marL="0" indent="0" algn="ctr">
+              <a:buNone/>
+              <a:defRPr sz="1600"/>
             </a:lvl1pPr>
             <a:lvl2pPr marL="457200" indent="0">
               <a:buNone/>
@@ -4411,7 +6983,7 @@
     </p:spTree>
     <p:extLst>
       <p:ext uri="{BB962C8B-B14F-4D97-AF65-F5344CB8AC3E}">
-        <p14:creationId xmlns:p14="http://schemas.microsoft.com/office/powerpoint/2010/main" val="1840726560"/>
+        <p14:creationId xmlns:p14="http://schemas.microsoft.com/office/powerpoint/2010/main" val="2678552397"/>
       </p:ext>
     </p:extLst>
   </p:cSld>
@@ -4438,27 +7010,59 @@
           <a:chExt cx="0" cy="0"/>
         </a:xfrm>
       </p:grpSpPr>
-      <p:sp>
-        <p:nvSpPr>
-          <p:cNvPr id="2" name="Title 1"/>
-          <p:cNvSpPr>
-            <a:spLocks noGrp="1"/>
-          </p:cNvSpPr>
-          <p:nvPr>
-            <p:ph type="title"/>
-          </p:nvPr>
-        </p:nvSpPr>
+      <p:pic>
+        <p:nvPicPr>
+          <p:cNvPr id="12" name="Picture 11" descr="Slate-V2-SD-vertPhotoInset.png"/>
+          <p:cNvPicPr>
+            <a:picLocks noChangeAspect="1"/>
+          </p:cNvPicPr>
+          <p:nvPr/>
+        </p:nvPicPr>
+        <p:blipFill>
+          <a:blip r:embed="rId2">
+            <a:extLst>
+              <a:ext uri="{28A0092B-C50C-407E-A947-70E740481C1C}">
+                <a14:useLocalDpi xmlns:a14="http://schemas.microsoft.com/office/drawing/2010/main" val="0"/>
+              </a:ext>
+            </a:extLst>
+          </a:blip>
+          <a:stretch>
+            <a:fillRect/>
+          </a:stretch>
+        </p:blipFill>
         <p:spPr>
           <a:xfrm>
-            <a:off x="1792288" y="4800600"/>
-            <a:ext cx="5486400" cy="566738"/>
+            <a:off x="4844987" y="609923"/>
+            <a:ext cx="3428146" cy="5205472"/>
+          </a:xfrm>
+          <a:prstGeom prst="rect">
+            <a:avLst/>
+          </a:prstGeom>
+        </p:spPr>
+      </p:pic>
+      <p:sp>
+        <p:nvSpPr>
+          <p:cNvPr id="2" name="Title 1"/>
+          <p:cNvSpPr>
+            <a:spLocks noGrp="1"/>
+          </p:cNvSpPr>
+          <p:nvPr>
+            <p:ph type="title"/>
+          </p:nvPr>
+        </p:nvSpPr>
+        <p:spPr>
+          <a:xfrm>
+            <a:off x="685347" y="609923"/>
+            <a:ext cx="3924676" cy="1829338"/>
           </a:xfrm>
         </p:spPr>
         <p:txBody>
-          <a:bodyPr anchor="b"/>
+          <a:bodyPr anchor="b">
+            <a:noAutofit/>
+          </a:bodyPr>
           <a:lstStyle>
-            <a:lvl1pPr algn="l">
-              <a:defRPr sz="2000" b="1"/>
+            <a:lvl1pPr algn="ctr">
+              <a:defRPr sz="3200" b="0"/>
             </a:lvl1pPr>
           </a:lstStyle>
           <a:p>
@@ -4466,6 +7070,7 @@
               <a:rPr lang="en-US"/>
               <a:t>Click to edit Master title style</a:t>
             </a:r>
+            <a:endParaRPr lang="en-US" dirty="0"/>
           </a:p>
         </p:txBody>
       </p:sp>
@@ -4473,7 +7078,7 @@
         <p:nvSpPr>
           <p:cNvPr id="3" name="Picture Placeholder 2"/>
           <p:cNvSpPr>
-            <a:spLocks noGrp="1"/>
+            <a:spLocks noGrp="1" noChangeAspect="1"/>
           </p:cNvSpPr>
           <p:nvPr>
             <p:ph type="pic" idx="1"/>
@@ -4481,77 +7086,92 @@
         </p:nvSpPr>
         <p:spPr>
           <a:xfrm>
-            <a:off x="1792288" y="612775"/>
-            <a:ext cx="5486400" cy="4114800"/>
+            <a:off x="4976728" y="743989"/>
+            <a:ext cx="3165375" cy="4912822"/>
+          </a:xfrm>
+          <a:effectLst>
+            <a:outerShdw blurRad="38100" dist="25400" dir="4440000">
+              <a:srgbClr val="000000">
+                <a:alpha val="36000"/>
+              </a:srgbClr>
+            </a:outerShdw>
+          </a:effectLst>
+        </p:spPr>
+        <p:txBody>
+          <a:bodyPr anchor="t">
+            <a:normAutofit/>
+          </a:bodyPr>
+          <a:lstStyle>
+            <a:lvl1pPr marL="0" indent="0" algn="ctr">
+              <a:buNone/>
+              <a:defRPr sz="1600"/>
+            </a:lvl1pPr>
+            <a:lvl2pPr marL="457200" indent="0">
+              <a:buNone/>
+              <a:defRPr sz="1600"/>
+            </a:lvl2pPr>
+            <a:lvl3pPr marL="914400" indent="0">
+              <a:buNone/>
+              <a:defRPr sz="1600"/>
+            </a:lvl3pPr>
+            <a:lvl4pPr marL="1371600" indent="0">
+              <a:buNone/>
+              <a:defRPr sz="1600"/>
+            </a:lvl4pPr>
+            <a:lvl5pPr marL="1828800" indent="0">
+              <a:buNone/>
+              <a:defRPr sz="1600"/>
+            </a:lvl5pPr>
+            <a:lvl6pPr marL="2286000" indent="0">
+              <a:buNone/>
+              <a:defRPr sz="1600"/>
+            </a:lvl6pPr>
+            <a:lvl7pPr marL="2743200" indent="0">
+              <a:buNone/>
+              <a:defRPr sz="1600"/>
+            </a:lvl7pPr>
+            <a:lvl8pPr marL="3200400" indent="0">
+              <a:buNone/>
+              <a:defRPr sz="1600"/>
+            </a:lvl8pPr>
+            <a:lvl9pPr marL="3657600" indent="0">
+              <a:buNone/>
+              <a:defRPr sz="1600"/>
+            </a:lvl9pPr>
+          </a:lstStyle>
+          <a:p>
+            <a:r>
+              <a:rPr lang="en-US"/>
+              <a:t>Click icon to add picture</a:t>
+            </a:r>
+            <a:endParaRPr lang="en-US" dirty="0"/>
+          </a:p>
+        </p:txBody>
+      </p:sp>
+      <p:sp>
+        <p:nvSpPr>
+          <p:cNvPr id="4" name="Text Placeholder 3"/>
+          <p:cNvSpPr>
+            <a:spLocks noGrp="1"/>
+          </p:cNvSpPr>
+          <p:nvPr>
+            <p:ph type="body" sz="half" idx="2"/>
+          </p:nvPr>
+        </p:nvSpPr>
+        <p:spPr>
+          <a:xfrm>
+            <a:off x="685347" y="2439261"/>
+            <a:ext cx="3924676" cy="3376134"/>
           </a:xfrm>
         </p:spPr>
         <p:txBody>
-          <a:bodyPr/>
+          <a:bodyPr anchor="t">
+            <a:normAutofit/>
+          </a:bodyPr>
           <a:lstStyle>
-            <a:lvl1pPr marL="0" indent="0">
-              <a:buNone/>
-              <a:defRPr sz="3200"/>
-            </a:lvl1pPr>
-            <a:lvl2pPr marL="457200" indent="0">
-              <a:buNone/>
-              <a:defRPr sz="2800"/>
-            </a:lvl2pPr>
-            <a:lvl3pPr marL="914400" indent="0">
-              <a:buNone/>
-              <a:defRPr sz="2400"/>
-            </a:lvl3pPr>
-            <a:lvl4pPr marL="1371600" indent="0">
-              <a:buNone/>
-              <a:defRPr sz="2000"/>
-            </a:lvl4pPr>
-            <a:lvl5pPr marL="1828800" indent="0">
-              <a:buNone/>
-              <a:defRPr sz="2000"/>
-            </a:lvl5pPr>
-            <a:lvl6pPr marL="2286000" indent="0">
-              <a:buNone/>
-              <a:defRPr sz="2000"/>
-            </a:lvl6pPr>
-            <a:lvl7pPr marL="2743200" indent="0">
-              <a:buNone/>
-              <a:defRPr sz="2000"/>
-            </a:lvl7pPr>
-            <a:lvl8pPr marL="3200400" indent="0">
-              <a:buNone/>
-              <a:defRPr sz="2000"/>
-            </a:lvl8pPr>
-            <a:lvl9pPr marL="3657600" indent="0">
-              <a:buNone/>
-              <a:defRPr sz="2000"/>
-            </a:lvl9pPr>
-          </a:lstStyle>
-          <a:p>
-            <a:endParaRPr lang="en-US"/>
-          </a:p>
-        </p:txBody>
-      </p:sp>
-      <p:sp>
-        <p:nvSpPr>
-          <p:cNvPr id="4" name="Text Placeholder 3"/>
-          <p:cNvSpPr>
-            <a:spLocks noGrp="1"/>
-          </p:cNvSpPr>
-          <p:nvPr>
-            <p:ph type="body" sz="half" idx="2"/>
-          </p:nvPr>
-        </p:nvSpPr>
-        <p:spPr>
-          <a:xfrm>
-            <a:off x="1792288" y="5367338"/>
-            <a:ext cx="5486400" cy="804862"/>
-          </a:xfrm>
-        </p:spPr>
-        <p:txBody>
-          <a:bodyPr/>
-          <a:lstStyle>
-            <a:lvl1pPr marL="0" indent="0">
-              <a:buNone/>
-              <a:defRPr sz="1400"/>
+            <a:lvl1pPr marL="0" indent="0" algn="ctr">
+              <a:buNone/>
+              <a:defRPr sz="1600"/>
             </a:lvl1pPr>
             <a:lvl2pPr marL="457200" indent="0">
               <a:buNone/>
@@ -4663,7 +7283,7 @@
     </p:spTree>
     <p:extLst>
       <p:ext uri="{BB962C8B-B14F-4D97-AF65-F5344CB8AC3E}">
-        <p14:creationId xmlns:p14="http://schemas.microsoft.com/office/powerpoint/2010/main" val="3889236939"/>
+        <p14:creationId xmlns:p14="http://schemas.microsoft.com/office/powerpoint/2010/main" val="548540153"/>
       </p:ext>
     </p:extLst>
   </p:cSld>
@@ -4677,8 +7297,8 @@
 <p:sldMaster xmlns:a="http://schemas.openxmlformats.org/drawingml/2006/main" xmlns:r="http://schemas.openxmlformats.org/officeDocument/2006/relationships" xmlns:p="http://schemas.openxmlformats.org/presentationml/2006/main">
   <p:cSld>
     <p:bg>
-      <p:bgRef idx="1001">
-        <a:schemeClr val="bg1"/>
+      <p:bgRef idx="1003">
+        <a:schemeClr val="bg2"/>
       </p:bgRef>
     </p:bg>
     <p:spTree>
@@ -4707,101 +7327,209 @@
         </p:nvSpPr>
         <p:spPr>
           <a:xfrm>
-            <a:off x="457200" y="274638"/>
-            <a:ext cx="8229600" cy="1143000"/>
+            <a:off x="685346" y="609600"/>
+            <a:ext cx="7765322" cy="970450"/>
+          </a:xfrm>
+          <a:prstGeom prst="rect">
+            <a:avLst/>
+          </a:prstGeom>
+          <a:effectLst>
+            <a:outerShdw blurRad="25400" dir="17880000">
+              <a:srgbClr val="000000">
+                <a:alpha val="46000"/>
+              </a:srgbClr>
+            </a:outerShdw>
+          </a:effectLst>
+        </p:spPr>
+        <p:txBody>
+          <a:bodyPr vert="horz" lIns="91440" tIns="45720" rIns="91440" bIns="45720" rtlCol="0" anchor="ctr">
+            <a:normAutofit/>
+          </a:bodyPr>
+          <a:lstStyle/>
+          <a:p>
+            <a:r>
+              <a:rPr lang="en-US"/>
+              <a:t>Click to edit Master title style</a:t>
+            </a:r>
+            <a:endParaRPr lang="en-US" dirty="0"/>
+          </a:p>
+        </p:txBody>
+      </p:sp>
+      <p:sp>
+        <p:nvSpPr>
+          <p:cNvPr id="3" name="Text Placeholder 2"/>
+          <p:cNvSpPr>
+            <a:spLocks noGrp="1"/>
+          </p:cNvSpPr>
+          <p:nvPr>
+            <p:ph type="body" idx="1"/>
+          </p:nvPr>
+        </p:nvSpPr>
+        <p:spPr>
+          <a:xfrm>
+            <a:off x="685346" y="1732450"/>
+            <a:ext cx="7765322" cy="4058751"/>
+          </a:xfrm>
+          <a:prstGeom prst="rect">
+            <a:avLst/>
+          </a:prstGeom>
+          <a:effectLst>
+            <a:outerShdw blurRad="25400" dir="17880000">
+              <a:srgbClr val="000000">
+                <a:alpha val="46000"/>
+              </a:srgbClr>
+            </a:outerShdw>
+          </a:effectLst>
+        </p:spPr>
+        <p:txBody>
+          <a:bodyPr vert="horz" lIns="91440" tIns="45720" rIns="91440" bIns="45720" rtlCol="0" anchor="t">
+            <a:normAutofit/>
+          </a:bodyPr>
+          <a:lstStyle/>
+          <a:p>
+            <a:pPr lvl="0"/>
+            <a:r>
+              <a:rPr lang="en-US"/>
+              <a:t>Click to edit Master text styles</a:t>
+            </a:r>
+          </a:p>
+          <a:p>
+            <a:pPr lvl="1"/>
+            <a:r>
+              <a:rPr lang="en-US"/>
+              <a:t>Second level</a:t>
+            </a:r>
+          </a:p>
+          <a:p>
+            <a:pPr lvl="2"/>
+            <a:r>
+              <a:rPr lang="en-US"/>
+              <a:t>Third level</a:t>
+            </a:r>
+          </a:p>
+          <a:p>
+            <a:pPr lvl="3"/>
+            <a:r>
+              <a:rPr lang="en-US"/>
+              <a:t>Fourth level</a:t>
+            </a:r>
+          </a:p>
+          <a:p>
+            <a:pPr lvl="4"/>
+            <a:r>
+              <a:rPr lang="en-US"/>
+              <a:t>Fifth level</a:t>
+            </a:r>
+            <a:endParaRPr lang="en-US" dirty="0"/>
+          </a:p>
+        </p:txBody>
+      </p:sp>
+      <p:sp>
+        <p:nvSpPr>
+          <p:cNvPr id="4" name="Date Placeholder 3"/>
+          <p:cNvSpPr>
+            <a:spLocks noGrp="1"/>
+          </p:cNvSpPr>
+          <p:nvPr>
+            <p:ph type="dt" sz="half" idx="2"/>
+          </p:nvPr>
+        </p:nvSpPr>
+        <p:spPr>
+          <a:xfrm>
+            <a:off x="5759052" y="5883276"/>
+            <a:ext cx="2057400" cy="365125"/>
           </a:xfrm>
           <a:prstGeom prst="rect">
             <a:avLst/>
           </a:prstGeom>
         </p:spPr>
         <p:txBody>
-          <a:bodyPr vert="horz" lIns="91440" tIns="45720" rIns="91440" bIns="45720" rtlCol="0" anchor="ctr">
-            <a:normAutofit/>
-          </a:bodyPr>
-          <a:lstStyle/>
-          <a:p>
-            <a:r>
-              <a:rPr lang="en-US"/>
-              <a:t>Click to edit Master title style</a:t>
-            </a:r>
-          </a:p>
-        </p:txBody>
-      </p:sp>
-      <p:sp>
-        <p:nvSpPr>
-          <p:cNvPr id="3" name="Text Placeholder 2"/>
-          <p:cNvSpPr>
-            <a:spLocks noGrp="1"/>
-          </p:cNvSpPr>
-          <p:nvPr>
-            <p:ph type="body" idx="1"/>
+          <a:bodyPr vert="horz" lIns="91440" tIns="45720" rIns="91440" bIns="45720" rtlCol="0" anchor="ctr"/>
+          <a:lstStyle>
+            <a:lvl1pPr algn="r">
+              <a:defRPr sz="1000">
+                <a:solidFill>
+                  <a:schemeClr val="tx1">
+                    <a:lumMod val="95000"/>
+                  </a:schemeClr>
+                </a:solidFill>
+                <a:effectLst>
+                  <a:outerShdw blurRad="50800" dist="38100" dir="2700000" algn="tl" rotWithShape="0">
+                    <a:schemeClr val="bg1">
+                      <a:alpha val="43000"/>
+                    </a:schemeClr>
+                  </a:outerShdw>
+                </a:effectLst>
+              </a:defRPr>
+            </a:lvl1pPr>
+          </a:lstStyle>
+          <a:p>
+            <a:fld id="{5BCAD085-E8A6-8845-BD4E-CB4CCA059FC4}" type="datetimeFigureOut">
+              <a:rPr lang="en-US" smtClean="0"/>
+              <a:t>10/18/2025</a:t>
+            </a:fld>
+            <a:endParaRPr lang="en-US"/>
+          </a:p>
+        </p:txBody>
+      </p:sp>
+      <p:sp>
+        <p:nvSpPr>
+          <p:cNvPr id="5" name="Footer Placeholder 4"/>
+          <p:cNvSpPr>
+            <a:spLocks noGrp="1"/>
+          </p:cNvSpPr>
+          <p:nvPr>
+            <p:ph type="ftr" sz="quarter" idx="3"/>
           </p:nvPr>
         </p:nvSpPr>
         <p:spPr>
           <a:xfrm>
-            <a:off x="457200" y="1600200"/>
-            <a:ext cx="8229600" cy="4525963"/>
+            <a:off x="685347" y="5883276"/>
+            <a:ext cx="5004649" cy="365125"/>
           </a:xfrm>
           <a:prstGeom prst="rect">
             <a:avLst/>
           </a:prstGeom>
         </p:spPr>
         <p:txBody>
-          <a:bodyPr vert="horz" lIns="91440" tIns="45720" rIns="91440" bIns="45720" rtlCol="0">
-            <a:normAutofit/>
-          </a:bodyPr>
-          <a:lstStyle/>
-          <a:p>
-            <a:pPr lvl="0"/>
-            <a:r>
-              <a:rPr lang="en-US"/>
-              <a:t>Click to edit Master text styles</a:t>
-            </a:r>
-          </a:p>
-          <a:p>
-            <a:pPr lvl="1"/>
-            <a:r>
-              <a:rPr lang="en-US"/>
-              <a:t>Second level</a:t>
-            </a:r>
-          </a:p>
-          <a:p>
-            <a:pPr lvl="2"/>
-            <a:r>
-              <a:rPr lang="en-US"/>
-              <a:t>Third level</a:t>
-            </a:r>
-          </a:p>
-          <a:p>
-            <a:pPr lvl="3"/>
-            <a:r>
-              <a:rPr lang="en-US"/>
-              <a:t>Fourth level</a:t>
-            </a:r>
-          </a:p>
-          <a:p>
-            <a:pPr lvl="4"/>
-            <a:r>
-              <a:rPr lang="en-US"/>
-              <a:t>Fifth level</a:t>
-            </a:r>
-          </a:p>
-        </p:txBody>
-      </p:sp>
-      <p:sp>
-        <p:nvSpPr>
-          <p:cNvPr id="4" name="Date Placeholder 3"/>
-          <p:cNvSpPr>
-            <a:spLocks noGrp="1"/>
-          </p:cNvSpPr>
-          <p:nvPr>
-            <p:ph type="dt" sz="half" idx="2"/>
+          <a:bodyPr vert="horz" lIns="91440" tIns="45720" rIns="91440" bIns="45720" rtlCol="0" anchor="ctr"/>
+          <a:lstStyle>
+            <a:lvl1pPr algn="l">
+              <a:defRPr sz="1000">
+                <a:solidFill>
+                  <a:schemeClr val="tx1">
+                    <a:lumMod val="95000"/>
+                  </a:schemeClr>
+                </a:solidFill>
+                <a:effectLst>
+                  <a:outerShdw blurRad="50800" dist="38100" dir="2700000" algn="tl" rotWithShape="0">
+                    <a:schemeClr val="bg1">
+                      <a:alpha val="43000"/>
+                    </a:schemeClr>
+                  </a:outerShdw>
+                </a:effectLst>
+              </a:defRPr>
+            </a:lvl1pPr>
+          </a:lstStyle>
+          <a:p>
+            <a:endParaRPr lang="en-US"/>
+          </a:p>
+        </p:txBody>
+      </p:sp>
+      <p:sp>
+        <p:nvSpPr>
+          <p:cNvPr id="6" name="Slide Number Placeholder 5"/>
+          <p:cNvSpPr>
+            <a:spLocks noGrp="1"/>
+          </p:cNvSpPr>
+          <p:nvPr>
+            <p:ph type="sldNum" sz="quarter" idx="4"/>
           </p:nvPr>
         </p:nvSpPr>
         <p:spPr>
           <a:xfrm>
-            <a:off x="457200" y="6356350"/>
-            <a:ext cx="2133600" cy="365125"/>
+            <a:off x="7885509" y="5883276"/>
+            <a:ext cx="565159" cy="365125"/>
           </a:xfrm>
           <a:prstGeom prst="rect">
             <a:avLst/>
@@ -4810,91 +7538,20 @@
         <p:txBody>
           <a:bodyPr vert="horz" lIns="91440" tIns="45720" rIns="91440" bIns="45720" rtlCol="0" anchor="ctr"/>
           <a:lstStyle>
-            <a:lvl1pPr algn="l">
-              <a:defRPr sz="1200">
+            <a:lvl1pPr algn="r">
+              <a:defRPr sz="1000">
                 <a:solidFill>
                   <a:schemeClr val="tx1">
-                    <a:tint val="75000"/>
+                    <a:lumMod val="95000"/>
                   </a:schemeClr>
                 </a:solidFill>
-              </a:defRPr>
-            </a:lvl1pPr>
-          </a:lstStyle>
-          <a:p>
-            <a:fld id="{5BCAD085-E8A6-8845-BD4E-CB4CCA059FC4}" type="datetimeFigureOut">
-              <a:rPr lang="en-US" smtClean="0"/>
-              <a:t>10/18/2025</a:t>
-            </a:fld>
-            <a:endParaRPr lang="en-US"/>
-          </a:p>
-        </p:txBody>
-      </p:sp>
-      <p:sp>
-        <p:nvSpPr>
-          <p:cNvPr id="5" name="Footer Placeholder 4"/>
-          <p:cNvSpPr>
-            <a:spLocks noGrp="1"/>
-          </p:cNvSpPr>
-          <p:nvPr>
-            <p:ph type="ftr" sz="quarter" idx="3"/>
-          </p:nvPr>
-        </p:nvSpPr>
-        <p:spPr>
-          <a:xfrm>
-            <a:off x="3124200" y="6356350"/>
-            <a:ext cx="2895600" cy="365125"/>
-          </a:xfrm>
-          <a:prstGeom prst="rect">
-            <a:avLst/>
-          </a:prstGeom>
-        </p:spPr>
-        <p:txBody>
-          <a:bodyPr vert="horz" lIns="91440" tIns="45720" rIns="91440" bIns="45720" rtlCol="0" anchor="ctr"/>
-          <a:lstStyle>
-            <a:lvl1pPr algn="ctr">
-              <a:defRPr sz="1200">
-                <a:solidFill>
-                  <a:schemeClr val="tx1">
-                    <a:tint val="75000"/>
-                  </a:schemeClr>
-                </a:solidFill>
-              </a:defRPr>
-            </a:lvl1pPr>
-          </a:lstStyle>
-          <a:p>
-            <a:endParaRPr lang="en-US"/>
-          </a:p>
-        </p:txBody>
-      </p:sp>
-      <p:sp>
-        <p:nvSpPr>
-          <p:cNvPr id="6" name="Slide Number Placeholder 5"/>
-          <p:cNvSpPr>
-            <a:spLocks noGrp="1"/>
-          </p:cNvSpPr>
-          <p:nvPr>
-            <p:ph type="sldNum" sz="quarter" idx="4"/>
-          </p:nvPr>
-        </p:nvSpPr>
-        <p:spPr>
-          <a:xfrm>
-            <a:off x="6553200" y="6356350"/>
-            <a:ext cx="2133600" cy="365125"/>
-          </a:xfrm>
-          <a:prstGeom prst="rect">
-            <a:avLst/>
-          </a:prstGeom>
-        </p:spPr>
-        <p:txBody>
-          <a:bodyPr vert="horz" lIns="91440" tIns="45720" rIns="91440" bIns="45720" rtlCol="0" anchor="ctr"/>
-          <a:lstStyle>
-            <a:lvl1pPr algn="r">
-              <a:defRPr sz="1200">
-                <a:solidFill>
-                  <a:schemeClr val="tx1">
-                    <a:tint val="75000"/>
-                  </a:schemeClr>
-                </a:solidFill>
+                <a:effectLst>
+                  <a:outerShdw blurRad="50800" dist="38100" dir="2700000" algn="tl" rotWithShape="0">
+                    <a:schemeClr val="bg1">
+                      <a:alpha val="43000"/>
+                    </a:schemeClr>
+                  </a:outerShdw>
+                </a:effectLst>
               </a:defRPr>
             </a:lvl1pPr>
           </a:lstStyle>
@@ -4910,23 +7567,29 @@
     </p:spTree>
     <p:extLst>
       <p:ext uri="{BB962C8B-B14F-4D97-AF65-F5344CB8AC3E}">
-        <p14:creationId xmlns:p14="http://schemas.microsoft.com/office/powerpoint/2010/main" val="2209977519"/>
+        <p14:creationId xmlns:p14="http://schemas.microsoft.com/office/powerpoint/2010/main" val="3179529646"/>
       </p:ext>
     </p:extLst>
   </p:cSld>
-  <p:clrMap bg1="lt1" tx1="dk1" bg2="lt2" tx2="dk2" accent1="accent1" accent2="accent2" accent3="accent3" accent4="accent4" accent5="accent5" accent6="accent6" hlink="hlink" folHlink="folHlink"/>
+  <p:clrMap bg1="dk1" tx1="lt1" bg2="dk2" tx2="lt2" accent1="accent1" accent2="accent2" accent3="accent3" accent4="accent4" accent5="accent5" accent6="accent6" hlink="hlink" folHlink="folHlink"/>
   <p:sldLayoutIdLst>
-    <p:sldLayoutId id="2147483649" r:id="rId1"/>
-    <p:sldLayoutId id="2147483650" r:id="rId2"/>
-    <p:sldLayoutId id="2147483651" r:id="rId3"/>
-    <p:sldLayoutId id="2147483652" r:id="rId4"/>
-    <p:sldLayoutId id="2147483653" r:id="rId5"/>
-    <p:sldLayoutId id="2147483654" r:id="rId6"/>
-    <p:sldLayoutId id="2147483655" r:id="rId7"/>
-    <p:sldLayoutId id="2147483656" r:id="rId8"/>
-    <p:sldLayoutId id="2147483657" r:id="rId9"/>
-    <p:sldLayoutId id="2147483658" r:id="rId10"/>
-    <p:sldLayoutId id="2147483659" r:id="rId11"/>
+    <p:sldLayoutId id="2147483661" r:id="rId1"/>
+    <p:sldLayoutId id="2147483662" r:id="rId2"/>
+    <p:sldLayoutId id="2147483663" r:id="rId3"/>
+    <p:sldLayoutId id="2147483664" r:id="rId4"/>
+    <p:sldLayoutId id="2147483665" r:id="rId5"/>
+    <p:sldLayoutId id="2147483666" r:id="rId6"/>
+    <p:sldLayoutId id="2147483667" r:id="rId7"/>
+    <p:sldLayoutId id="2147483668" r:id="rId8"/>
+    <p:sldLayoutId id="2147483669" r:id="rId9"/>
+    <p:sldLayoutId id="2147483670" r:id="rId10"/>
+    <p:sldLayoutId id="2147483671" r:id="rId11"/>
+    <p:sldLayoutId id="2147483672" r:id="rId12"/>
+    <p:sldLayoutId id="2147483673" r:id="rId13"/>
+    <p:sldLayoutId id="2147483674" r:id="rId14"/>
+    <p:sldLayoutId id="2147483675" r:id="rId15"/>
+    <p:sldLayoutId id="2147483676" r:id="rId16"/>
+    <p:sldLayoutId id="2147483677" r:id="rId17"/>
   </p:sldLayoutIdLst>
   <p:txStyles>
     <p:titleStyle>
@@ -4935,147 +7598,426 @@
           <a:spcPct val="0"/>
         </a:spcBef>
         <a:buNone/>
-        <a:defRPr sz="4400" kern="1200">
+        <a:defRPr sz="4000" kern="1200">
+          <a:ln>
+            <a:solidFill>
+              <a:schemeClr val="bg1">
+                <a:lumMod val="75000"/>
+                <a:lumOff val="25000"/>
+                <a:alpha val="10000"/>
+              </a:schemeClr>
+            </a:solidFill>
+          </a:ln>
           <a:solidFill>
-            <a:schemeClr val="tx1"/>
+            <a:schemeClr val="tx2"/>
           </a:solidFill>
+          <a:effectLst>
+            <a:outerShdw blurRad="9525" dist="25400" dir="14640000" algn="tl" rotWithShape="0">
+              <a:schemeClr val="bg1">
+                <a:alpha val="30000"/>
+              </a:schemeClr>
+            </a:outerShdw>
+          </a:effectLst>
           <a:latin typeface="+mj-lt"/>
           <a:ea typeface="+mj-ea"/>
-          <a:cs typeface="+mj-cs"/>
+          <a:cs typeface="Trebuchet MS"/>
         </a:defRPr>
       </a:lvl1pPr>
+      <a:lvl2pPr eaLnBrk="1" hangingPunct="1">
+        <a:defRPr>
+          <a:solidFill>
+            <a:schemeClr val="tx2"/>
+          </a:solidFill>
+        </a:defRPr>
+      </a:lvl2pPr>
+      <a:lvl3pPr eaLnBrk="1" hangingPunct="1">
+        <a:defRPr>
+          <a:solidFill>
+            <a:schemeClr val="tx2"/>
+          </a:solidFill>
+        </a:defRPr>
+      </a:lvl3pPr>
+      <a:lvl4pPr eaLnBrk="1" hangingPunct="1">
+        <a:defRPr>
+          <a:solidFill>
+            <a:schemeClr val="tx2"/>
+          </a:solidFill>
+        </a:defRPr>
+      </a:lvl4pPr>
+      <a:lvl5pPr eaLnBrk="1" hangingPunct="1">
+        <a:defRPr>
+          <a:solidFill>
+            <a:schemeClr val="tx2"/>
+          </a:solidFill>
+        </a:defRPr>
+      </a:lvl5pPr>
+      <a:lvl6pPr eaLnBrk="1" hangingPunct="1">
+        <a:defRPr>
+          <a:solidFill>
+            <a:schemeClr val="tx2"/>
+          </a:solidFill>
+        </a:defRPr>
+      </a:lvl6pPr>
+      <a:lvl7pPr eaLnBrk="1" hangingPunct="1">
+        <a:defRPr>
+          <a:solidFill>
+            <a:schemeClr val="tx2"/>
+          </a:solidFill>
+        </a:defRPr>
+      </a:lvl7pPr>
+      <a:lvl8pPr eaLnBrk="1" hangingPunct="1">
+        <a:defRPr>
+          <a:solidFill>
+            <a:schemeClr val="tx2"/>
+          </a:solidFill>
+        </a:defRPr>
+      </a:lvl8pPr>
+      <a:lvl9pPr eaLnBrk="1" hangingPunct="1">
+        <a:defRPr>
+          <a:solidFill>
+            <a:schemeClr val="tx2"/>
+          </a:solidFill>
+        </a:defRPr>
+      </a:lvl9pPr>
     </p:titleStyle>
     <p:bodyStyle>
-      <a:lvl1pPr marL="342900" indent="-342900" algn="l" defTabSz="457200" rtl="0" eaLnBrk="1" latinLnBrk="0" hangingPunct="1">
+      <a:lvl1pPr marL="342900" indent="-306000" algn="l" defTabSz="457200" rtl="0" eaLnBrk="1" latinLnBrk="0" hangingPunct="1">
         <a:spcBef>
           <a:spcPct val="20000"/>
         </a:spcBef>
-        <a:buFont typeface="Arial"/>
-        <a:buChar char="•"/>
-        <a:defRPr sz="3200" kern="1200">
+        <a:spcAft>
+          <a:spcPts val="600"/>
+        </a:spcAft>
+        <a:buClr>
+          <a:schemeClr val="tx2"/>
+        </a:buClr>
+        <a:buSzPct val="70000"/>
+        <a:buFont typeface="Wingdings 2" charset="2"/>
+        <a:buChar char=""/>
+        <a:defRPr sz="2000" kern="1200">
+          <a:ln>
+            <a:solidFill>
+              <a:schemeClr val="bg1">
+                <a:lumMod val="75000"/>
+                <a:lumOff val="25000"/>
+                <a:alpha val="10000"/>
+              </a:schemeClr>
+            </a:solidFill>
+          </a:ln>
           <a:solidFill>
-            <a:schemeClr val="tx1"/>
+            <a:schemeClr val="tx2"/>
           </a:solidFill>
+          <a:effectLst>
+            <a:outerShdw blurRad="9525" dist="25400" dir="14640000" algn="tl" rotWithShape="0">
+              <a:schemeClr val="bg1">
+                <a:alpha val="30000"/>
+              </a:schemeClr>
+            </a:outerShdw>
+          </a:effectLst>
           <a:latin typeface="+mn-lt"/>
           <a:ea typeface="+mn-ea"/>
           <a:cs typeface="+mn-cs"/>
         </a:defRPr>
       </a:lvl1pPr>
-      <a:lvl2pPr marL="742950" indent="-285750" algn="l" defTabSz="457200" rtl="0" eaLnBrk="1" latinLnBrk="0" hangingPunct="1">
+      <a:lvl2pPr marL="720000" indent="-270000" algn="l" defTabSz="457200" rtl="0" eaLnBrk="1" latinLnBrk="0" hangingPunct="1">
         <a:spcBef>
           <a:spcPct val="20000"/>
         </a:spcBef>
-        <a:buFont typeface="Arial"/>
-        <a:buChar char="–"/>
-        <a:defRPr sz="2800" kern="1200">
+        <a:spcAft>
+          <a:spcPts val="600"/>
+        </a:spcAft>
+        <a:buClr>
+          <a:schemeClr val="tx2"/>
+        </a:buClr>
+        <a:buSzPct val="70000"/>
+        <a:buFont typeface="Wingdings 2" charset="2"/>
+        <a:buChar char=""/>
+        <a:defRPr sz="1800" kern="1200">
+          <a:ln>
+            <a:solidFill>
+              <a:schemeClr val="bg1">
+                <a:lumMod val="75000"/>
+                <a:lumOff val="25000"/>
+                <a:alpha val="10000"/>
+              </a:schemeClr>
+            </a:solidFill>
+          </a:ln>
           <a:solidFill>
-            <a:schemeClr val="tx1"/>
+            <a:schemeClr val="tx2"/>
           </a:solidFill>
+          <a:effectLst>
+            <a:outerShdw blurRad="9525" dist="25400" dir="14640000" algn="tl" rotWithShape="0">
+              <a:schemeClr val="bg1">
+                <a:alpha val="30000"/>
+              </a:schemeClr>
+            </a:outerShdw>
+          </a:effectLst>
           <a:latin typeface="+mn-lt"/>
           <a:ea typeface="+mn-ea"/>
           <a:cs typeface="+mn-cs"/>
         </a:defRPr>
       </a:lvl2pPr>
-      <a:lvl3pPr marL="1143000" indent="-228600" algn="l" defTabSz="457200" rtl="0" eaLnBrk="1" latinLnBrk="0" hangingPunct="1">
+      <a:lvl3pPr marL="1026000" indent="-216000" algn="l" defTabSz="457200" rtl="0" eaLnBrk="1" latinLnBrk="0" hangingPunct="1">
         <a:spcBef>
           <a:spcPct val="20000"/>
         </a:spcBef>
-        <a:buFont typeface="Arial"/>
-        <a:buChar char="•"/>
-        <a:defRPr sz="2400" kern="1200">
+        <a:spcAft>
+          <a:spcPts val="600"/>
+        </a:spcAft>
+        <a:buClr>
+          <a:schemeClr val="tx2"/>
+        </a:buClr>
+        <a:buSzPct val="70000"/>
+        <a:buFont typeface="Wingdings 2" charset="2"/>
+        <a:buChar char=""/>
+        <a:defRPr sz="1600" kern="1200">
+          <a:ln>
+            <a:solidFill>
+              <a:schemeClr val="bg1">
+                <a:lumMod val="75000"/>
+                <a:lumOff val="25000"/>
+                <a:alpha val="10000"/>
+              </a:schemeClr>
+            </a:solidFill>
+          </a:ln>
           <a:solidFill>
-            <a:schemeClr val="tx1"/>
+            <a:schemeClr val="tx2"/>
           </a:solidFill>
+          <a:effectLst>
+            <a:outerShdw blurRad="9525" dist="25400" dir="14640000" algn="tl" rotWithShape="0">
+              <a:schemeClr val="bg1">
+                <a:alpha val="30000"/>
+              </a:schemeClr>
+            </a:outerShdw>
+          </a:effectLst>
           <a:latin typeface="+mn-lt"/>
           <a:ea typeface="+mn-ea"/>
           <a:cs typeface="+mn-cs"/>
         </a:defRPr>
       </a:lvl3pPr>
-      <a:lvl4pPr marL="1600200" indent="-228600" algn="l" defTabSz="457200" rtl="0" eaLnBrk="1" latinLnBrk="0" hangingPunct="1">
+      <a:lvl4pPr marL="1386000" indent="-216000" algn="l" defTabSz="457200" rtl="0" eaLnBrk="1" latinLnBrk="0" hangingPunct="1">
         <a:spcBef>
           <a:spcPct val="20000"/>
         </a:spcBef>
-        <a:buFont typeface="Arial"/>
-        <a:buChar char="–"/>
-        <a:defRPr sz="2000" kern="1200">
+        <a:spcAft>
+          <a:spcPts val="600"/>
+        </a:spcAft>
+        <a:buClr>
+          <a:schemeClr val="tx2"/>
+        </a:buClr>
+        <a:buSzPct val="70000"/>
+        <a:buFont typeface="Wingdings 2" charset="2"/>
+        <a:buChar char=""/>
+        <a:defRPr sz="1400" kern="1200">
+          <a:ln>
+            <a:solidFill>
+              <a:schemeClr val="bg1">
+                <a:lumMod val="75000"/>
+                <a:lumOff val="25000"/>
+                <a:alpha val="10000"/>
+              </a:schemeClr>
+            </a:solidFill>
+          </a:ln>
           <a:solidFill>
-            <a:schemeClr val="tx1"/>
+            <a:schemeClr val="tx2"/>
           </a:solidFill>
+          <a:effectLst>
+            <a:outerShdw blurRad="9525" dist="25400" dir="14640000" algn="tl" rotWithShape="0">
+              <a:schemeClr val="bg1">
+                <a:alpha val="30000"/>
+              </a:schemeClr>
+            </a:outerShdw>
+          </a:effectLst>
           <a:latin typeface="+mn-lt"/>
           <a:ea typeface="+mn-ea"/>
           <a:cs typeface="+mn-cs"/>
         </a:defRPr>
       </a:lvl4pPr>
-      <a:lvl5pPr marL="2057400" indent="-228600" algn="l" defTabSz="457200" rtl="0" eaLnBrk="1" latinLnBrk="0" hangingPunct="1">
+      <a:lvl5pPr marL="1674000" indent="-216000" algn="l" defTabSz="457200" rtl="0" eaLnBrk="1" latinLnBrk="0" hangingPunct="1">
         <a:spcBef>
           <a:spcPct val="20000"/>
         </a:spcBef>
-        <a:buFont typeface="Arial"/>
-        <a:buChar char="»"/>
-        <a:defRPr sz="2000" kern="1200">
+        <a:spcAft>
+          <a:spcPts val="600"/>
+        </a:spcAft>
+        <a:buClr>
+          <a:schemeClr val="tx2"/>
+        </a:buClr>
+        <a:buSzPct val="70000"/>
+        <a:buFont typeface="Wingdings 2" charset="2"/>
+        <a:buChar char=""/>
+        <a:defRPr sz="1400" kern="1200">
+          <a:ln>
+            <a:solidFill>
+              <a:schemeClr val="bg1">
+                <a:lumMod val="75000"/>
+                <a:lumOff val="25000"/>
+                <a:alpha val="10000"/>
+              </a:schemeClr>
+            </a:solidFill>
+          </a:ln>
           <a:solidFill>
-            <a:schemeClr val="tx1"/>
+            <a:schemeClr val="tx2"/>
           </a:solidFill>
+          <a:effectLst>
+            <a:outerShdw blurRad="9525" dist="25400" dir="14640000" algn="tl" rotWithShape="0">
+              <a:schemeClr val="bg1">
+                <a:alpha val="30000"/>
+              </a:schemeClr>
+            </a:outerShdw>
+          </a:effectLst>
           <a:latin typeface="+mn-lt"/>
           <a:ea typeface="+mn-ea"/>
           <a:cs typeface="+mn-cs"/>
         </a:defRPr>
       </a:lvl5pPr>
-      <a:lvl6pPr marL="2514600" indent="-228600" algn="l" defTabSz="457200" rtl="0" eaLnBrk="1" latinLnBrk="0" hangingPunct="1">
+      <a:lvl6pPr marL="2014600" indent="-228600" algn="l" defTabSz="457200" rtl="0" eaLnBrk="1" latinLnBrk="0" hangingPunct="1">
         <a:spcBef>
           <a:spcPct val="20000"/>
         </a:spcBef>
-        <a:buFont typeface="Arial"/>
-        <a:buChar char="•"/>
-        <a:defRPr sz="2000" kern="1200">
+        <a:spcAft>
+          <a:spcPts val="600"/>
+        </a:spcAft>
+        <a:buClr>
+          <a:schemeClr val="tx2"/>
+        </a:buClr>
+        <a:buSzPct val="70000"/>
+        <a:buFont typeface="Wingdings 2" charset="2"/>
+        <a:buChar char=""/>
+        <a:defRPr sz="1400" kern="1200">
+          <a:ln>
+            <a:solidFill>
+              <a:schemeClr val="bg1">
+                <a:lumMod val="75000"/>
+                <a:lumOff val="25000"/>
+                <a:alpha val="10000"/>
+              </a:schemeClr>
+            </a:solidFill>
+          </a:ln>
           <a:solidFill>
-            <a:schemeClr val="tx1"/>
+            <a:schemeClr val="tx2"/>
           </a:solidFill>
+          <a:effectLst>
+            <a:outerShdw blurRad="9525" dist="25400" dir="14640000" algn="tl" rotWithShape="0">
+              <a:schemeClr val="bg1">
+                <a:alpha val="30000"/>
+              </a:schemeClr>
+            </a:outerShdw>
+          </a:effectLst>
           <a:latin typeface="+mn-lt"/>
           <a:ea typeface="+mn-ea"/>
           <a:cs typeface="+mn-cs"/>
         </a:defRPr>
       </a:lvl6pPr>
-      <a:lvl7pPr marL="2971800" indent="-228600" algn="l" defTabSz="457200" rtl="0" eaLnBrk="1" latinLnBrk="0" hangingPunct="1">
+      <a:lvl7pPr marL="2401800" indent="-228600" algn="l" defTabSz="457200" rtl="0" eaLnBrk="1" latinLnBrk="0" hangingPunct="1">
         <a:spcBef>
           <a:spcPct val="20000"/>
         </a:spcBef>
-        <a:buFont typeface="Arial"/>
-        <a:buChar char="•"/>
-        <a:defRPr sz="2000" kern="1200">
+        <a:spcAft>
+          <a:spcPts val="600"/>
+        </a:spcAft>
+        <a:buClr>
+          <a:schemeClr val="tx2"/>
+        </a:buClr>
+        <a:buSzPct val="70000"/>
+        <a:buFont typeface="Wingdings 2" charset="2"/>
+        <a:buChar char=""/>
+        <a:defRPr sz="1400" kern="1200">
+          <a:ln>
+            <a:solidFill>
+              <a:schemeClr val="bg1">
+                <a:lumMod val="75000"/>
+                <a:lumOff val="25000"/>
+                <a:alpha val="10000"/>
+              </a:schemeClr>
+            </a:solidFill>
+          </a:ln>
           <a:solidFill>
-            <a:schemeClr val="tx1"/>
+            <a:schemeClr val="tx2"/>
           </a:solidFill>
+          <a:effectLst>
+            <a:outerShdw blurRad="9525" dist="25400" dir="14640000" algn="tl" rotWithShape="0">
+              <a:schemeClr val="bg1">
+                <a:alpha val="30000"/>
+              </a:schemeClr>
+            </a:outerShdw>
+          </a:effectLst>
           <a:latin typeface="+mn-lt"/>
           <a:ea typeface="+mn-ea"/>
           <a:cs typeface="+mn-cs"/>
         </a:defRPr>
       </a:lvl7pPr>
-      <a:lvl8pPr marL="3429000" indent="-228600" algn="l" defTabSz="457200" rtl="0" eaLnBrk="1" latinLnBrk="0" hangingPunct="1">
+      <a:lvl8pPr marL="2789000" indent="-228600" algn="l" defTabSz="457200" rtl="0" eaLnBrk="1" latinLnBrk="0" hangingPunct="1">
         <a:spcBef>
           <a:spcPct val="20000"/>
         </a:spcBef>
-        <a:buFont typeface="Arial"/>
-        <a:buChar char="•"/>
-        <a:defRPr sz="2000" kern="1200">
+        <a:spcAft>
+          <a:spcPts val="600"/>
+        </a:spcAft>
+        <a:buClr>
+          <a:schemeClr val="tx2"/>
+        </a:buClr>
+        <a:buSzPct val="70000"/>
+        <a:buFont typeface="Wingdings 2" charset="2"/>
+        <a:buChar char=""/>
+        <a:defRPr sz="1400" kern="1200">
+          <a:ln>
+            <a:solidFill>
+              <a:schemeClr val="bg1">
+                <a:lumMod val="75000"/>
+                <a:lumOff val="25000"/>
+                <a:alpha val="10000"/>
+              </a:schemeClr>
+            </a:solidFill>
+          </a:ln>
           <a:solidFill>
-            <a:schemeClr val="tx1"/>
+            <a:schemeClr val="tx2"/>
           </a:solidFill>
+          <a:effectLst>
+            <a:outerShdw blurRad="9525" dist="25400" dir="14640000" algn="tl" rotWithShape="0">
+              <a:schemeClr val="bg1">
+                <a:alpha val="30000"/>
+              </a:schemeClr>
+            </a:outerShdw>
+          </a:effectLst>
           <a:latin typeface="+mn-lt"/>
           <a:ea typeface="+mn-ea"/>
           <a:cs typeface="+mn-cs"/>
         </a:defRPr>
       </a:lvl8pPr>
-      <a:lvl9pPr marL="3886200" indent="-228600" algn="l" defTabSz="457200" rtl="0" eaLnBrk="1" latinLnBrk="0" hangingPunct="1">
+      <a:lvl9pPr marL="3106200" indent="-228600" algn="l" defTabSz="457200" rtl="0" eaLnBrk="1" latinLnBrk="0" hangingPunct="1">
         <a:spcBef>
           <a:spcPct val="20000"/>
         </a:spcBef>
-        <a:buFont typeface="Arial"/>
-        <a:buChar char="•"/>
-        <a:defRPr sz="2000" kern="1200">
+        <a:spcAft>
+          <a:spcPts val="600"/>
+        </a:spcAft>
+        <a:buClr>
+          <a:schemeClr val="tx2"/>
+        </a:buClr>
+        <a:buSzPct val="70000"/>
+        <a:buFont typeface="Wingdings 2" charset="2"/>
+        <a:buChar char=""/>
+        <a:defRPr sz="1400" kern="1200">
+          <a:ln>
+            <a:solidFill>
+              <a:schemeClr val="bg1">
+                <a:lumMod val="75000"/>
+                <a:lumOff val="25000"/>
+                <a:alpha val="10000"/>
+              </a:schemeClr>
+            </a:solidFill>
+          </a:ln>
           <a:solidFill>
-            <a:schemeClr val="tx1"/>
+            <a:schemeClr val="tx2"/>
           </a:solidFill>
+          <a:effectLst>
+            <a:outerShdw blurRad="9525" dist="25400" dir="14640000" algn="tl" rotWithShape="0">
+              <a:schemeClr val="bg1">
+                <a:alpha val="30000"/>
+              </a:schemeClr>
+            </a:outerShdw>
+          </a:effectLst>
           <a:latin typeface="+mn-lt"/>
           <a:ea typeface="+mn-ea"/>
           <a:cs typeface="+mn-cs"/>
@@ -5215,7 +8157,9 @@
           </a:xfrm>
         </p:spPr>
         <p:txBody>
-          <a:bodyPr/>
+          <a:bodyPr>
+            <a:normAutofit fontScale="90000"/>
+          </a:bodyPr>
           <a:lstStyle/>
           <a:p>
             <a:r>
@@ -5311,13 +8255,15 @@
           </a:xfrm>
         </p:spPr>
         <p:txBody>
-          <a:bodyPr/>
+          <a:bodyPr>
+            <a:normAutofit fontScale="90000"/>
+          </a:bodyPr>
           <a:lstStyle/>
           <a:p>
             <a:r>
               <a:rPr dirty="0">
                 <a:solidFill>
-                  <a:schemeClr val="tx2"/>
+                  <a:srgbClr val="0070C0"/>
                 </a:solidFill>
               </a:rPr>
               <a:t>The Future is a Partnership</a:t>
@@ -5343,12 +8289,12 @@
         </p:spPr>
         <p:txBody>
           <a:bodyPr>
-            <a:normAutofit fontScale="85000" lnSpcReduction="10000"/>
+            <a:normAutofit/>
           </a:bodyPr>
           <a:lstStyle/>
           <a:p>
             <a:r>
-              <a:rPr dirty="0">
+              <a:rPr sz="2400" dirty="0">
                 <a:solidFill>
                   <a:schemeClr val="tx1"/>
                 </a:solidFill>
@@ -5357,7 +8303,7 @@
             </a:r>
           </a:p>
           <a:p>
-            <a:endParaRPr dirty="0">
+            <a:endParaRPr sz="2400" dirty="0">
               <a:solidFill>
                 <a:schemeClr val="tx1"/>
               </a:solidFill>
@@ -5365,7 +8311,7 @@
           </a:p>
           <a:p>
             <a:r>
-              <a:rPr dirty="0">
+              <a:rPr sz="2400" dirty="0">
                 <a:solidFill>
                   <a:schemeClr val="tx1"/>
                 </a:solidFill>
@@ -5514,7 +8460,12 @@
             <p:ph type="title"/>
           </p:nvPr>
         </p:nvSpPr>
-        <p:spPr/>
+        <p:spPr>
+          <a:xfrm>
+            <a:off x="618234" y="399875"/>
+            <a:ext cx="7765322" cy="970450"/>
+          </a:xfrm>
+        </p:spPr>
         <p:txBody>
           <a:bodyPr/>
           <a:lstStyle/>
@@ -5522,7 +8473,7 @@
             <a:r>
               <a:rPr dirty="0">
                 <a:solidFill>
-                  <a:schemeClr val="tx2"/>
+                  <a:srgbClr val="0070C0"/>
                 </a:solidFill>
               </a:rPr>
               <a:t>Q&amp;A / Contact</a:t>
@@ -5540,25 +8491,32 @@
             <p:ph idx="1"/>
           </p:nvPr>
         </p:nvSpPr>
-        <p:spPr/>
-        <p:txBody>
-          <a:bodyPr/>
-          <a:lstStyle/>
-          <a:p>
-            <a:r>
-              <a:rPr dirty="0"/>
+        <p:spPr>
+          <a:xfrm>
+            <a:off x="685346" y="1732451"/>
+            <a:ext cx="7765322" cy="2604658"/>
+          </a:xfrm>
+        </p:spPr>
+        <p:txBody>
+          <a:bodyPr>
+            <a:normAutofit/>
+          </a:bodyPr>
+          <a:lstStyle/>
+          <a:p>
+            <a:r>
+              <a:rPr sz="2400" dirty="0"/>
               <a:t>Presented by: Yash Raj</a:t>
             </a:r>
           </a:p>
           <a:p>
             <a:r>
-              <a:rPr dirty="0"/>
+              <a:rPr sz="2400" dirty="0"/>
               <a:t>Email: </a:t>
             </a:r>
             <a:r>
-              <a:rPr dirty="0">
+              <a:rPr sz="2400" dirty="0">
                 <a:solidFill>
-                  <a:schemeClr val="tx2"/>
+                  <a:srgbClr val="0070C0"/>
                 </a:solidFill>
               </a:rPr>
               <a:t>yashraj@gmail.com</a:t>
@@ -5566,29 +8524,26 @@
           </a:p>
           <a:p>
             <a:r>
-              <a:rPr dirty="0"/>
+              <a:rPr sz="2400" dirty="0"/>
               <a:t>Institution</a:t>
             </a:r>
             <a:r>
-              <a:rPr lang="en-US" dirty="0"/>
+              <a:rPr lang="en-US" sz="2400" dirty="0"/>
               <a:t> </a:t>
             </a:r>
             <a:r>
-              <a:rPr dirty="0"/>
+              <a:rPr sz="2400" dirty="0"/>
               <a:t>:</a:t>
             </a:r>
             <a:r>
-              <a:rPr lang="en-US" dirty="0"/>
+              <a:rPr lang="en-US" sz="2400" dirty="0"/>
               <a:t>  National University of computer and emerging sciences.</a:t>
             </a:r>
-            <a:endParaRPr dirty="0"/>
-          </a:p>
-          <a:p>
-            <a:endParaRPr dirty="0"/>
-          </a:p>
-          <a:p>
-            <a:r>
-              <a:rPr dirty="0"/>
+            <a:endParaRPr sz="2400" dirty="0"/>
+          </a:p>
+          <a:p>
+            <a:r>
+              <a:rPr sz="2400" dirty="0"/>
               <a:t>Thank you for your attention!</a:t>
             </a:r>
           </a:p>
@@ -5637,7 +8592,7 @@
             <a:r>
               <a:rPr dirty="0">
                 <a:solidFill>
-                  <a:schemeClr val="tx2"/>
+                  <a:srgbClr val="0070C0"/>
                 </a:solidFill>
               </a:rPr>
               <a:t>Our Journey Today</a:t>
@@ -5670,42 +8625,84 @@
               <a:rPr dirty="0"/>
               <a:t>• Key Application Areas</a:t>
             </a:r>
-          </a:p>
-          <a:p>
-            <a:r>
-              <a:rPr dirty="0"/>
-              <a:t>• Interactive Scenario: The Diagnostic Dilemma</a:t>
-            </a:r>
             <a:r>
               <a:rPr lang="en-US" dirty="0"/>
-              <a:t> </a:t>
+              <a:t> :</a:t>
             </a:r>
             <a:r>
               <a:rPr lang="en-US" dirty="0">
                 <a:hlinkClick r:id="rId3" action="ppaction://hlinksldjump"/>
               </a:rPr>
-              <a:t>What Do You Do?</a:t>
-            </a:r>
-            <a:endParaRPr dirty="0"/>
-          </a:p>
-          <a:p>
-            <a:r>
-              <a:rPr dirty="0"/>
-              <a:t>• Benefits &amp; The Human Touch</a:t>
-            </a:r>
-          </a:p>
-          <a:p>
-            <a:r>
-              <a:rPr dirty="0"/>
-              <a:t>• Ethical Considerations</a:t>
-            </a:r>
-          </a:p>
-          <a:p>
+              <a:t>More Than Just </a:t>
+            </a:r>
+            <a:r>
+              <a:rPr lang="en-US" dirty="0" err="1">
+                <a:hlinkClick r:id="rId3" action="ppaction://hlinksldjump"/>
+              </a:rPr>
+              <a:t>Robots</a:t>
+            </a:r>
+            <a:r>
+              <a:rPr lang="en-US" dirty="0" err="1"/>
+              <a:t>,</a:t>
+            </a:r>
+            <a:r>
+              <a:rPr lang="en-US" dirty="0" err="1">
+                <a:hlinkClick r:id="rId4" action="ppaction://hlinksldjump"/>
+              </a:rPr>
+              <a:t>A</a:t>
+            </a:r>
             <a:r>
               <a:rPr lang="en-US" dirty="0">
                 <a:hlinkClick r:id="rId4" action="ppaction://hlinksldjump"/>
               </a:rPr>
+              <a:t> Second Pair of Eyes: Diagnostics</a:t>
+            </a:r>
+            <a:endParaRPr dirty="0"/>
+          </a:p>
+          <a:p>
+            <a:r>
+              <a:rPr dirty="0"/>
+              <a:t>• Interactive Scenario: The Diagnostic Dilemma</a:t>
+            </a:r>
+            <a:r>
+              <a:rPr lang="en-US" dirty="0"/>
+              <a:t> </a:t>
+            </a:r>
+            <a:r>
+              <a:rPr lang="en-US" dirty="0">
+                <a:hlinkClick r:id="rId5" action="ppaction://hlinksldjump"/>
+              </a:rPr>
+              <a:t>What Do You Do?</a:t>
+            </a:r>
+            <a:endParaRPr dirty="0"/>
+          </a:p>
+          <a:p>
+            <a:r>
+              <a:rPr dirty="0"/>
+              <a:t>• Benefits &amp; The Human Touch</a:t>
+            </a:r>
+          </a:p>
+          <a:p>
+            <a:r>
+              <a:rPr dirty="0"/>
+              <a:t>• Ethical Considerations</a:t>
+            </a:r>
+          </a:p>
+          <a:p>
+            <a:r>
+              <a:rPr lang="en-US" dirty="0">
+                <a:hlinkClick r:id="rId6" action="ppaction://hlinksldjump"/>
+              </a:rPr>
               <a:t>The Future is a Partnership</a:t>
+            </a:r>
+            <a:endParaRPr lang="en-US" dirty="0"/>
+          </a:p>
+          <a:p>
+            <a:r>
+              <a:rPr lang="en-US" dirty="0">
+                <a:hlinkClick r:id="rId7" action="ppaction://hlinksldjump"/>
+              </a:rPr>
+              <a:t>Q&amp;A</a:t>
             </a:r>
             <a:endParaRPr dirty="0"/>
           </a:p>
@@ -5806,7 +8803,7 @@
             <a:r>
               <a:rPr dirty="0">
                 <a:solidFill>
-                  <a:schemeClr val="tx2"/>
+                  <a:srgbClr val="0070C0"/>
                 </a:solidFill>
               </a:rPr>
               <a:t>More Than Just Robots</a:t>
@@ -5832,7 +8829,7 @@
         </p:spPr>
         <p:txBody>
           <a:bodyPr>
-            <a:normAutofit fontScale="85000" lnSpcReduction="10000"/>
+            <a:normAutofit/>
           </a:bodyPr>
           <a:lstStyle/>
           <a:p>
@@ -5913,13 +8910,15 @@
         </p:nvSpPr>
         <p:spPr/>
         <p:txBody>
-          <a:bodyPr/>
+          <a:bodyPr>
+            <a:normAutofit fontScale="90000"/>
+          </a:bodyPr>
           <a:lstStyle/>
           <a:p>
             <a:r>
               <a:rPr dirty="0">
                 <a:solidFill>
-                  <a:schemeClr val="tx2"/>
+                  <a:srgbClr val="0070C0"/>
                 </a:solidFill>
               </a:rPr>
               <a:t>A Second Pair of Eyes: Diagnostics</a:t>
@@ -5946,7 +8945,7 @@
         <p:spPr/>
         <p:txBody>
           <a:bodyPr>
-            <a:normAutofit fontScale="77500" lnSpcReduction="20000"/>
+            <a:normAutofit fontScale="92500" lnSpcReduction="20000"/>
           </a:bodyPr>
           <a:lstStyle/>
           <a:p>
@@ -5983,7 +8982,7 @@
         <p:spPr/>
         <p:txBody>
           <a:bodyPr>
-            <a:normAutofit fontScale="77500" lnSpcReduction="20000"/>
+            <a:normAutofit fontScale="92500" lnSpcReduction="20000"/>
           </a:bodyPr>
           <a:lstStyle/>
           <a:p>
@@ -6077,7 +9076,7 @@
         </p:blipFill>
         <p:spPr>
           <a:xfrm>
-            <a:off x="5105050" y="1939536"/>
+            <a:off x="4962438" y="2166039"/>
             <a:ext cx="2628900" cy="1743075"/>
           </a:xfrm>
           <a:prstGeom prst="rect">
@@ -6130,7 +9129,7 @@
             <a:r>
               <a:rPr dirty="0">
                 <a:solidFill>
-                  <a:schemeClr val="tx2"/>
+                  <a:srgbClr val="0070C0"/>
                 </a:solidFill>
               </a:rPr>
               <a:t>Accelerating Cures &amp; Personalizing Treatment</a:t>
@@ -6150,13 +9149,13 @@
         </p:nvSpPr>
         <p:spPr>
           <a:xfrm>
-            <a:off x="274041" y="1275125"/>
-            <a:ext cx="8229600" cy="3078761"/>
+            <a:off x="274041" y="1677797"/>
+            <a:ext cx="8229600" cy="2281808"/>
           </a:xfrm>
         </p:spPr>
         <p:txBody>
           <a:bodyPr>
-            <a:normAutofit fontScale="92500"/>
+            <a:normAutofit/>
           </a:bodyPr>
           <a:lstStyle/>
           <a:p>
@@ -6190,7 +9189,7 @@
           <p:nvPr>
             <p:extLst>
               <p:ext uri="{D42A27DB-BD31-4B8C-83A1-F6EECF244321}">
-                <p14:modId xmlns:p14="http://schemas.microsoft.com/office/powerpoint/2010/main" val="1831024989"/>
+                <p14:modId xmlns:p14="http://schemas.microsoft.com/office/powerpoint/2010/main" val="3416896310"/>
               </p:ext>
             </p:extLst>
           </p:nvPr>
@@ -6242,7 +9241,9 @@
         </p:nvSpPr>
         <p:spPr/>
         <p:txBody>
-          <a:bodyPr/>
+          <a:bodyPr>
+            <a:normAutofit fontScale="90000"/>
+          </a:bodyPr>
           <a:lstStyle/>
           <a:p>
             <a:r>
@@ -6325,7 +9326,7 @@
             <a:r>
               <a:rPr dirty="0">
                 <a:solidFill>
-                  <a:schemeClr val="tx2"/>
+                  <a:srgbClr val="0070C0"/>
                 </a:solidFill>
               </a:rPr>
               <a:t>What Do You Do?</a:t>
@@ -6354,19 +9355,19 @@
           <a:lstStyle/>
           <a:p>
             <a:r>
-              <a:rPr dirty="0"/>
+              <a:rPr sz="2800" dirty="0"/>
               <a:t>A) Rely solely on your initial diagnosis and proceed.</a:t>
             </a:r>
           </a:p>
           <a:p>
             <a:r>
-              <a:rPr dirty="0"/>
+              <a:rPr sz="2800" dirty="0"/>
               <a:t>B) Use an AI diagnostic tool to analyze the scan for a second opinion.</a:t>
             </a:r>
           </a:p>
           <a:p>
             <a:r>
-              <a:rPr dirty="0"/>
+              <a:rPr sz="2800" dirty="0"/>
               <a:t>C) Send the patient for immediate, invasive surgery.</a:t>
             </a:r>
           </a:p>
@@ -6525,7 +9526,7 @@
             <a:r>
               <a:rPr dirty="0">
                 <a:solidFill>
-                  <a:schemeClr val="tx2"/>
+                  <a:srgbClr val="0070C0"/>
                 </a:solidFill>
               </a:rPr>
               <a:t>A Valuable Learning Moment</a:t>
@@ -6551,22 +9552,26 @@
         </p:spPr>
         <p:txBody>
           <a:bodyPr>
-            <a:normAutofit fontScale="92500" lnSpcReduction="20000"/>
+            <a:normAutofit/>
           </a:bodyPr>
           <a:lstStyle/>
           <a:p>
             <a:r>
+              <a:rPr sz="2400" dirty="0"/>
+              <a:t>While trusting your expertise (A) is crucial, and surgery (C) may be necessary, acting without all available data can carry risks.</a:t>
+            </a:r>
+          </a:p>
+          <a:p>
+            <a:endParaRPr sz="2400" dirty="0"/>
+          </a:p>
+          <a:p>
+            <a:r>
+              <a:rPr sz="2400" dirty="0"/>
+              <a:t>Key Takeaway: The best modern practice combines human judgment with technological augmentation. AI provides a powerful, data-driven second opinion to reduce diagnostic errors</a:t>
+            </a:r>
+            <a:r>
               <a:rPr dirty="0"/>
-              <a:t>While trusting your expertise (A) is crucial, and surgery (C) may be necessary, acting without all available data can carry risks.</a:t>
-            </a:r>
-          </a:p>
-          <a:p>
-            <a:endParaRPr dirty="0"/>
-          </a:p>
-          <a:p>
-            <a:r>
-              <a:rPr dirty="0"/>
-              <a:t>Key Takeaway: The best modern practice combines human judgment with technological augmentation. AI provides a powerful, data-driven second opinion to reduce diagnostic errors.</a:t>
+              <a:t>.</a:t>
             </a:r>
           </a:p>
           <a:p>
@@ -6724,7 +9729,7 @@
             <a:r>
               <a:rPr dirty="0">
                 <a:solidFill>
-                  <a:schemeClr val="tx2"/>
+                  <a:srgbClr val="0070C0"/>
                 </a:solidFill>
               </a:rPr>
               <a:t>Excellent Decision!</a:t>
@@ -6750,7 +9755,7 @@
         </p:spPr>
         <p:txBody>
           <a:bodyPr>
-            <a:normAutofit fontScale="85000" lnSpcReduction="20000"/>
+            <a:normAutofit/>
           </a:bodyPr>
           <a:lstStyle/>
           <a:p>
@@ -6861,7 +9866,7 @@
         </p:blipFill>
         <p:spPr>
           <a:xfrm>
-            <a:off x="3728907" y="4065769"/>
+            <a:off x="4216270" y="3730210"/>
             <a:ext cx="487363" cy="487363"/>
           </a:xfrm>
           <a:prstGeom prst="rect">
@@ -6962,9 +9967,9 @@
 </file>
 
 <file path=ppt/theme/theme1.xml><?xml version="1.0" encoding="utf-8"?>
-<a:theme xmlns:a="http://schemas.openxmlformats.org/drawingml/2006/main" name="Office Theme">
+<a:theme xmlns:a="http://schemas.openxmlformats.org/drawingml/2006/main" name="Slate">
   <a:themeElements>
-    <a:clrScheme name="Office">
+    <a:clrScheme name="Slate">
       <a:dk1>
         <a:sysClr val="windowText" lastClr="000000"/>
       </a:dk1>
@@ -6972,52 +9977,52 @@
         <a:sysClr val="window" lastClr="FFFFFF"/>
       </a:lt1>
       <a:dk2>
-        <a:srgbClr val="1F497D"/>
+        <a:srgbClr val="212123"/>
       </a:dk2>
       <a:lt2>
-        <a:srgbClr val="EEECE1"/>
+        <a:srgbClr val="DADADA"/>
       </a:lt2>
       <a:accent1>
-        <a:srgbClr val="4F81BD"/>
+        <a:srgbClr val="BC451B"/>
       </a:accent1>
       <a:accent2>
-        <a:srgbClr val="C0504D"/>
+        <a:srgbClr val="D3BA68"/>
       </a:accent2>
       <a:accent3>
-        <a:srgbClr val="9BBB59"/>
+        <a:srgbClr val="BB8640"/>
       </a:accent3>
       <a:accent4>
-        <a:srgbClr val="8064A2"/>
+        <a:srgbClr val="AD9277"/>
       </a:accent4>
       <a:accent5>
-        <a:srgbClr val="4BACC6"/>
+        <a:srgbClr val="A55A43"/>
       </a:accent5>
       <a:accent6>
-        <a:srgbClr val="F79646"/>
+        <a:srgbClr val="AD9D7B"/>
       </a:accent6>
       <a:hlink>
-        <a:srgbClr val="0000FF"/>
+        <a:srgbClr val="E98052"/>
       </a:hlink>
       <a:folHlink>
-        <a:srgbClr val="800080"/>
+        <a:srgbClr val="F4B69B"/>
       </a:folHlink>
     </a:clrScheme>
-    <a:fontScheme name="Office">
+    <a:fontScheme name="Slate">
       <a:majorFont>
-        <a:latin typeface="Calibri"/>
+        <a:latin typeface="Calisto MT" panose="02040603050505030304"/>
         <a:ea typeface=""/>
         <a:cs typeface=""/>
         <a:font script="Jpan" typeface="ＭＳ Ｐゴシック"/>
-        <a:font script="Hang" typeface="맑은 고딕"/>
-        <a:font script="Hans" typeface="宋体"/>
-        <a:font script="Hant" typeface="新細明體"/>
-        <a:font script="Arab" typeface="Times New Roman"/>
-        <a:font script="Hebr" typeface="Times New Roman"/>
-        <a:font script="Thai" typeface="Angsana New"/>
+        <a:font script="Hang" typeface="돋움"/>
+        <a:font script="Hans" typeface="方正舒体"/>
+        <a:font script="Hant" typeface="微軟正黑體"/>
+        <a:font script="Arab" typeface="Arial"/>
+        <a:font script="Hebr" typeface="Arial"/>
+        <a:font script="Thai" typeface="Cordia New"/>
         <a:font script="Ethi" typeface="Nyala"/>
         <a:font script="Beng" typeface="Vrinda"/>
         <a:font script="Gujr" typeface="Shruti"/>
-        <a:font script="Khmr" typeface="MoolBoran"/>
+        <a:font script="Khmr" typeface="DaunPenh"/>
         <a:font script="Knda" typeface="Tunga"/>
         <a:font script="Guru" typeface="Raavi"/>
         <a:font script="Cans" typeface="Euphemia"/>
@@ -7034,18 +10039,18 @@
         <a:font script="Laoo" typeface="DokChampa"/>
         <a:font script="Sinh" typeface="Iskoola Pota"/>
         <a:font script="Mong" typeface="Mongolian Baiti"/>
-        <a:font script="Viet" typeface="Times New Roman"/>
+        <a:font script="Viet" typeface="Arial"/>
         <a:font script="Uigh" typeface="Microsoft Uighur"/>
         <a:font script="Geor" typeface="Sylfaen"/>
       </a:majorFont>
       <a:minorFont>
-        <a:latin typeface="Calibri"/>
+        <a:latin typeface="Calisto MT" panose="02040603050505030304"/>
         <a:ea typeface=""/>
         <a:cs typeface=""/>
         <a:font script="Jpan" typeface="ＭＳ Ｐゴシック"/>
-        <a:font script="Hang" typeface="맑은 고딕"/>
-        <a:font script="Hans" typeface="宋体"/>
-        <a:font script="Hant" typeface="新細明體"/>
+        <a:font script="Hang" typeface="돋움"/>
+        <a:font script="Hans" typeface="方正舒体"/>
+        <a:font script="Hant" typeface="微軟正黑體"/>
         <a:font script="Arab" typeface="Arial"/>
         <a:font script="Hebr" typeface="Arial"/>
         <a:font script="Thai" typeface="Cordia New"/>
@@ -7074,7 +10079,7 @@
         <a:font script="Geor" typeface="Sylfaen"/>
       </a:minorFont>
     </a:fontScheme>
-    <a:fmtScheme name="Office">
+    <a:fmtScheme name="Slate">
       <a:fillStyleLst>
         <a:solidFill>
           <a:schemeClr val="phClr"/>
@@ -7083,62 +10088,52 @@
           <a:gsLst>
             <a:gs pos="0">
               <a:schemeClr val="phClr">
-                <a:tint val="50000"/>
-                <a:satMod val="300000"/>
-              </a:schemeClr>
-            </a:gs>
-            <a:gs pos="35000">
-              <a:schemeClr val="phClr">
-                <a:tint val="37000"/>
-                <a:satMod val="300000"/>
+                <a:tint val="60000"/>
+                <a:lumMod val="110000"/>
               </a:schemeClr>
             </a:gs>
             <a:gs pos="100000">
               <a:schemeClr val="phClr">
-                <a:tint val="15000"/>
-                <a:satMod val="350000"/>
+                <a:tint val="88000"/>
               </a:schemeClr>
             </a:gs>
           </a:gsLst>
-          <a:lin ang="16200000" scaled="1"/>
+          <a:lin ang="5400000" scaled="0"/>
         </a:gradFill>
         <a:gradFill rotWithShape="1">
           <a:gsLst>
             <a:gs pos="0">
               <a:schemeClr val="phClr">
-                <a:tint val="100000"/>
-                <a:shade val="100000"/>
-                <a:satMod val="130000"/>
+                <a:tint val="96000"/>
+                <a:lumMod val="104000"/>
               </a:schemeClr>
             </a:gs>
             <a:gs pos="100000">
               <a:schemeClr val="phClr">
-                <a:tint val="50000"/>
-                <a:shade val="100000"/>
-                <a:satMod val="350000"/>
+                <a:shade val="90000"/>
+                <a:lumMod val="90000"/>
               </a:schemeClr>
             </a:gs>
           </a:gsLst>
-          <a:lin ang="16200000" scaled="0"/>
+          <a:lin ang="5400000" scaled="0"/>
         </a:gradFill>
       </a:fillStyleLst>
       <a:lnStyleLst>
-        <a:ln w="9525" cap="flat" cmpd="sng" algn="ctr">
+        <a:ln w="9525" cap="rnd" cmpd="sng" algn="ctr">
           <a:solidFill>
             <a:schemeClr val="phClr">
-              <a:shade val="95000"/>
-              <a:satMod val="105000"/>
+              <a:shade val="90000"/>
             </a:schemeClr>
           </a:solidFill>
           <a:prstDash val="solid"/>
         </a:ln>
-        <a:ln w="25400" cap="flat" cmpd="sng" algn="ctr">
+        <a:ln w="15875" cap="rnd" cmpd="sng" algn="ctr">
           <a:solidFill>
             <a:schemeClr val="phClr"/>
           </a:solidFill>
           <a:prstDash val="solid"/>
         </a:ln>
-        <a:ln w="38100" cap="flat" cmpd="sng" algn="ctr">
+        <a:ln w="25400" cap="rnd" cmpd="sng" algn="ctr">
           <a:solidFill>
             <a:schemeClr val="phClr"/>
           </a:solidFill>
@@ -7147,28 +10142,22 @@
       </a:lnStyleLst>
       <a:effectStyleLst>
         <a:effectStyle>
+          <a:effectLst/>
+        </a:effectStyle>
+        <a:effectStyle>
           <a:effectLst>
-            <a:outerShdw blurRad="40000" dist="20000" dir="5400000" rotWithShape="0">
+            <a:outerShdw blurRad="63500" dist="25400" dir="5400000" rotWithShape="0">
               <a:srgbClr val="000000">
-                <a:alpha val="38000"/>
+                <a:alpha val="60000"/>
               </a:srgbClr>
             </a:outerShdw>
           </a:effectLst>
         </a:effectStyle>
         <a:effectStyle>
           <a:effectLst>
-            <a:outerShdw blurRad="40000" dist="23000" dir="5400000" rotWithShape="0">
+            <a:outerShdw blurRad="76200" dist="38100" dir="5400000" rotWithShape="0">
               <a:srgbClr val="000000">
-                <a:alpha val="35000"/>
-              </a:srgbClr>
-            </a:outerShdw>
-          </a:effectLst>
-        </a:effectStyle>
-        <a:effectStyle>
-          <a:effectLst>
-            <a:outerShdw blurRad="40000" dist="23000" dir="5400000" rotWithShape="0">
-              <a:srgbClr val="000000">
-                <a:alpha val="35000"/>
+                <a:alpha val="75000"/>
               </a:srgbClr>
             </a:outerShdw>
           </a:effectLst>
@@ -7181,7 +10170,7 @@
             </a:lightRig>
           </a:scene3d>
           <a:sp3d>
-            <a:bevelT w="63500" h="25400"/>
+            <a:bevelT w="63500" h="25400" prst="hardEdge"/>
           </a:sp3d>
         </a:effectStyle>
       </a:effectStyleLst>
@@ -7189,95 +10178,33 @@
         <a:solidFill>
           <a:schemeClr val="phClr"/>
         </a:solidFill>
-        <a:gradFill rotWithShape="1">
-          <a:gsLst>
-            <a:gs pos="0">
+        <a:solidFill>
+          <a:schemeClr val="phClr"/>
+        </a:solidFill>
+        <a:blipFill rotWithShape="1">
+          <a:blip xmlns:r="http://schemas.openxmlformats.org/officeDocument/2006/relationships" r:embed="rId1">
+            <a:duotone>
               <a:schemeClr val="phClr">
-                <a:tint val="40000"/>
-                <a:satMod val="350000"/>
+                <a:shade val="80000"/>
+                <a:lumMod val="80000"/>
               </a:schemeClr>
-            </a:gs>
-            <a:gs pos="40000">
               <a:schemeClr val="phClr">
-                <a:tint val="45000"/>
-                <a:shade val="99000"/>
-                <a:satMod val="350000"/>
+                <a:tint val="98000"/>
               </a:schemeClr>
-            </a:gs>
-            <a:gs pos="100000">
-              <a:schemeClr val="phClr">
-                <a:shade val="20000"/>
-                <a:satMod val="255000"/>
-              </a:schemeClr>
-            </a:gs>
-          </a:gsLst>
-          <a:path path="circle">
-            <a:fillToRect l="50000" t="-80000" r="50000" b="180000"/>
-          </a:path>
-        </a:gradFill>
-        <a:gradFill rotWithShape="1">
-          <a:gsLst>
-            <a:gs pos="0">
-              <a:schemeClr val="phClr">
-                <a:tint val="80000"/>
-                <a:satMod val="300000"/>
-              </a:schemeClr>
-            </a:gs>
-            <a:gs pos="100000">
-              <a:schemeClr val="phClr">
-                <a:shade val="30000"/>
-                <a:satMod val="200000"/>
-              </a:schemeClr>
-            </a:gs>
-          </a:gsLst>
-          <a:path path="circle">
-            <a:fillToRect l="50000" t="50000" r="50000" b="50000"/>
-          </a:path>
-        </a:gradFill>
+            </a:duotone>
+          </a:blip>
+          <a:stretch/>
+        </a:blipFill>
       </a:bgFillStyleLst>
     </a:fmtScheme>
   </a:themeElements>
-  <a:objectDefaults>
-    <a:spDef>
-      <a:spPr/>
-      <a:bodyPr/>
-      <a:lstStyle/>
-      <a:style>
-        <a:lnRef idx="1">
-          <a:schemeClr val="accent1"/>
-        </a:lnRef>
-        <a:fillRef idx="3">
-          <a:schemeClr val="accent1"/>
-        </a:fillRef>
-        <a:effectRef idx="2">
-          <a:schemeClr val="accent1"/>
-        </a:effectRef>
-        <a:fontRef idx="minor">
-          <a:schemeClr val="lt1"/>
-        </a:fontRef>
-      </a:style>
-    </a:spDef>
-    <a:lnDef>
-      <a:spPr/>
-      <a:bodyPr/>
-      <a:lstStyle/>
-      <a:style>
-        <a:lnRef idx="2">
-          <a:schemeClr val="accent1"/>
-        </a:lnRef>
-        <a:fillRef idx="0">
-          <a:schemeClr val="accent1"/>
-        </a:fillRef>
-        <a:effectRef idx="1">
-          <a:schemeClr val="accent1"/>
-        </a:effectRef>
-        <a:fontRef idx="minor">
-          <a:schemeClr val="tx1"/>
-        </a:fontRef>
-      </a:style>
-    </a:lnDef>
-  </a:objectDefaults>
+  <a:objectDefaults/>
   <a:extraClrSchemeLst/>
+  <a:extLst>
+    <a:ext uri="{05A4C25C-085E-4340-85A3-A5531E510DB2}">
+      <thm15:themeFamily xmlns:thm15="http://schemas.microsoft.com/office/thememl/2012/main" name="Slate" id="{C3F70B94-7CE9-428E-ADC1-3269CC2C3385}" vid="{3F2DE9A5-64E6-437C-A389-CC4477E817E8}"/>
+    </a:ext>
+  </a:extLst>
 </a:theme>
 </file>
 

--- a/ICT Assignmenrt/Section-2/Question-4.pptx
+++ b/ICT Assignmenrt/Section-2/Question-4.pptx
@@ -1503,9 +1503,7 @@
           <a:bodyPr/>
           <a:lstStyle/>
           <a:p>
-            <a:r>
-              <a:t>Good morning/afternoon. Today, we're diving into one of the most exciting frontiers in medicine: Artificial Intelligence. We'll explore how AI is not just a futuristic concept, but a practical tool saving lives and improving care right now.</a:t>
-            </a:r>
+            <a:endParaRPr dirty="0"/>
           </a:p>
         </p:txBody>
       </p:sp>
@@ -1573,10 +1571,7 @@
           <a:bodyPr/>
           <a:lstStyle/>
           <a:p>
-            <a:r>
-              <a:rPr dirty="0"/>
-              <a:t>In conclusion, the AI revolution in healthcare is here. It promises to reduce human error, unlock new cures, and personalize medicine. The goal is not to create autonomous machines, but to empower medical professionals, allowing them to focus more on what they do best: caring for the patient. Thank you.</a:t>
-            </a:r>
+            <a:endParaRPr dirty="0"/>
           </a:p>
         </p:txBody>
       </p:sp>
@@ -1644,9 +1639,10 @@
           <a:bodyPr/>
           <a:lstStyle/>
           <a:p>
-            <a:r>
-              <a:t>Invite audience questions and provide contact details for further discussion.</a:t>
-            </a:r>
+            <a:endParaRPr lang="en-US" dirty="0"/>
+          </a:p>
+          <a:p>
+            <a:endParaRPr dirty="0"/>
           </a:p>
         </p:txBody>
       </p:sp>
@@ -1714,9 +1710,7 @@
           <a:bodyPr/>
           <a:lstStyle/>
           <a:p>
-            <a:r>
-              <a:t>Here’s our roadmap. Notice we have an interactive scenario later where you can test your knowledge. You can always return to this agenda using the 'Home' button at the bottom.</a:t>
-            </a:r>
+            <a:endParaRPr dirty="0"/>
           </a:p>
         </p:txBody>
       </p:sp>
@@ -1784,9 +1778,7 @@
           <a:bodyPr/>
           <a:lstStyle/>
           <a:p>
-            <a:r>
-              <a:t>AI isn't about replacing doctors. It's about augmenting their capabilities. Think of it as a powerful tool that can process information at a scale and speed impossible for humans.</a:t>
-            </a:r>
+            <a:endParaRPr dirty="0"/>
           </a:p>
         </p:txBody>
       </p:sp>
@@ -1854,10 +1846,7 @@
           <a:bodyPr/>
           <a:lstStyle/>
           <a:p>
-            <a:r>
-              <a:rPr dirty="0"/>
-              <a:t>For example, AI systems are now FDA-approved to help radiologists spot subtle signs of lung cancer or stroke in scans, leading to earlier and more accurate diagnoses.</a:t>
-            </a:r>
+            <a:endParaRPr dirty="0"/>
           </a:p>
         </p:txBody>
       </p:sp>
@@ -1925,10 +1914,7 @@
           <a:bodyPr/>
           <a:lstStyle/>
           <a:p>
-            <a:r>
-              <a:rPr dirty="0"/>
-              <a:t>This isn't just about efficiency; it's about precision. We're moving away from a one-size-fits-all model to therapies tailored to an individual's unique biology.</a:t>
-            </a:r>
+            <a:endParaRPr dirty="0"/>
           </a:p>
         </p:txBody>
       </p:sp>
@@ -1996,9 +1982,7 @@
           <a:bodyPr/>
           <a:lstStyle/>
           <a:p>
-            <a:r>
-              <a:t>Now it's your turn. Let's see how you would handle a real-world scenario. Read the options on the next slide and choose what you think is best.</a:t>
-            </a:r>
+            <a:endParaRPr dirty="0"/>
           </a:p>
         </p:txBody>
       </p:sp>
@@ -2066,9 +2050,7 @@
           <a:bodyPr/>
           <a:lstStyle/>
           <a:p>
-            <a:r>
-              <a:t>Go ahead and make a choice. There's no penalty for being wrong—this is a learning experience!</a:t>
-            </a:r>
+            <a:endParaRPr dirty="0"/>
           </a:p>
         </p:txBody>
       </p:sp>
@@ -2136,10 +2118,7 @@
           <a:bodyPr/>
           <a:lstStyle/>
           <a:p>
-            <a:r>
-              <a:rPr dirty="0"/>
-              <a:t>This highlights a critical point. AI is not about replacing the doctor's decision, but about informing it with the best possible data. Even the best clinicians can benefit from a second pair of 'eyes'.</a:t>
-            </a:r>
+            <a:endParaRPr dirty="0"/>
           </a:p>
         </p:txBody>
       </p:sp>
@@ -2207,9 +2186,7 @@
           <a:bodyPr/>
           <a:lstStyle/>
           <a:p>
-            <a:r>
-              <a:t>Congratulations! This is the model for the future of healthcare: a synergistic partnership between human expertise and artificial intelligence, leading to the best possible outcome for the patient.</a:t>
-            </a:r>
+            <a:endParaRPr dirty="0"/>
           </a:p>
         </p:txBody>
       </p:sp>
